--- a/T5/Tema 5.pptx
+++ b/T5/Tema 5.pptx
@@ -6,23 +6,44 @@
   </p:sldMasterIdLst>
   <p:sldIdLst>
     <p:sldId id="256" r:id="rId2"/>
-    <p:sldId id="257" r:id="rId3"/>
-    <p:sldId id="258" r:id="rId4"/>
-    <p:sldId id="259" r:id="rId5"/>
-    <p:sldId id="260" r:id="rId6"/>
-    <p:sldId id="261" r:id="rId7"/>
-    <p:sldId id="262" r:id="rId8"/>
-    <p:sldId id="263" r:id="rId9"/>
-    <p:sldId id="264" r:id="rId10"/>
-    <p:sldId id="266" r:id="rId11"/>
-    <p:sldId id="267" r:id="rId12"/>
-    <p:sldId id="265" r:id="rId13"/>
-    <p:sldId id="268" r:id="rId14"/>
-    <p:sldId id="269" r:id="rId15"/>
-    <p:sldId id="270" r:id="rId16"/>
-    <p:sldId id="271" r:id="rId17"/>
-    <p:sldId id="272" r:id="rId18"/>
-    <p:sldId id="273" r:id="rId19"/>
+    <p:sldId id="274" r:id="rId3"/>
+    <p:sldId id="257" r:id="rId4"/>
+    <p:sldId id="258" r:id="rId5"/>
+    <p:sldId id="259" r:id="rId6"/>
+    <p:sldId id="260" r:id="rId7"/>
+    <p:sldId id="261" r:id="rId8"/>
+    <p:sldId id="262" r:id="rId9"/>
+    <p:sldId id="263" r:id="rId10"/>
+    <p:sldId id="264" r:id="rId11"/>
+    <p:sldId id="266" r:id="rId12"/>
+    <p:sldId id="267" r:id="rId13"/>
+    <p:sldId id="265" r:id="rId14"/>
+    <p:sldId id="268" r:id="rId15"/>
+    <p:sldId id="269" r:id="rId16"/>
+    <p:sldId id="270" r:id="rId17"/>
+    <p:sldId id="271" r:id="rId18"/>
+    <p:sldId id="272" r:id="rId19"/>
+    <p:sldId id="273" r:id="rId20"/>
+    <p:sldId id="275" r:id="rId21"/>
+    <p:sldId id="276" r:id="rId22"/>
+    <p:sldId id="277" r:id="rId23"/>
+    <p:sldId id="278" r:id="rId24"/>
+    <p:sldId id="279" r:id="rId25"/>
+    <p:sldId id="280" r:id="rId26"/>
+    <p:sldId id="281" r:id="rId27"/>
+    <p:sldId id="282" r:id="rId28"/>
+    <p:sldId id="284" r:id="rId29"/>
+    <p:sldId id="285" r:id="rId30"/>
+    <p:sldId id="283" r:id="rId31"/>
+    <p:sldId id="286" r:id="rId32"/>
+    <p:sldId id="287" r:id="rId33"/>
+    <p:sldId id="288" r:id="rId34"/>
+    <p:sldId id="289" r:id="rId35"/>
+    <p:sldId id="290" r:id="rId36"/>
+    <p:sldId id="292" r:id="rId37"/>
+    <p:sldId id="291" r:id="rId38"/>
+    <p:sldId id="293" r:id="rId39"/>
+    <p:sldId id="294" r:id="rId40"/>
   </p:sldIdLst>
   <p:sldSz cx="9144000" cy="6858000" type="screen4x3"/>
   <p:notesSz cx="6858000" cy="9144000"/>
@@ -355,7 +376,7 @@
           <a:p>
             <a:fld id="{512A6B14-0E50-4142-A480-7DE38D9F5227}" type="datetimeFigureOut">
               <a:rPr lang="es-ES" smtClean="0"/>
-              <a:t>18/11/2020</a:t>
+              <a:t>20/12/2020</a:t>
             </a:fld>
             <a:endParaRPr lang="es-ES"/>
           </a:p>
@@ -563,7 +584,7 @@
           <a:p>
             <a:fld id="{512A6B14-0E50-4142-A480-7DE38D9F5227}" type="datetimeFigureOut">
               <a:rPr lang="es-ES" smtClean="0"/>
-              <a:t>18/11/2020</a:t>
+              <a:t>20/12/2020</a:t>
             </a:fld>
             <a:endParaRPr lang="es-ES"/>
           </a:p>
@@ -819,7 +840,7 @@
           <a:p>
             <a:fld id="{512A6B14-0E50-4142-A480-7DE38D9F5227}" type="datetimeFigureOut">
               <a:rPr lang="es-ES" smtClean="0"/>
-              <a:t>18/11/2020</a:t>
+              <a:t>20/12/2020</a:t>
             </a:fld>
             <a:endParaRPr lang="es-ES"/>
           </a:p>
@@ -989,7 +1010,7 @@
           <a:p>
             <a:fld id="{512A6B14-0E50-4142-A480-7DE38D9F5227}" type="datetimeFigureOut">
               <a:rPr lang="es-ES" smtClean="0"/>
-              <a:t>18/11/2020</a:t>
+              <a:t>20/12/2020</a:t>
             </a:fld>
             <a:endParaRPr lang="es-ES"/>
           </a:p>
@@ -1332,7 +1353,7 @@
           <a:p>
             <a:fld id="{512A6B14-0E50-4142-A480-7DE38D9F5227}" type="datetimeFigureOut">
               <a:rPr lang="es-ES" smtClean="0"/>
-              <a:t>18/11/2020</a:t>
+              <a:t>20/12/2020</a:t>
             </a:fld>
             <a:endParaRPr lang="es-ES"/>
           </a:p>
@@ -1607,7 +1628,7 @@
           <a:p>
             <a:fld id="{512A6B14-0E50-4142-A480-7DE38D9F5227}" type="datetimeFigureOut">
               <a:rPr lang="es-ES" smtClean="0"/>
-              <a:t>18/11/2020</a:t>
+              <a:t>20/12/2020</a:t>
             </a:fld>
             <a:endParaRPr lang="es-ES"/>
           </a:p>
@@ -1991,7 +2012,7 @@
           <a:p>
             <a:fld id="{512A6B14-0E50-4142-A480-7DE38D9F5227}" type="datetimeFigureOut">
               <a:rPr lang="es-ES" smtClean="0"/>
-              <a:t>18/11/2020</a:t>
+              <a:t>20/12/2020</a:t>
             </a:fld>
             <a:endParaRPr lang="es-ES"/>
           </a:p>
@@ -2114,7 +2135,7 @@
           <a:p>
             <a:fld id="{512A6B14-0E50-4142-A480-7DE38D9F5227}" type="datetimeFigureOut">
               <a:rPr lang="es-ES" smtClean="0"/>
-              <a:t>18/11/2020</a:t>
+              <a:t>20/12/2020</a:t>
             </a:fld>
             <a:endParaRPr lang="es-ES"/>
           </a:p>
@@ -2285,7 +2306,7 @@
           <a:p>
             <a:fld id="{512A6B14-0E50-4142-A480-7DE38D9F5227}" type="datetimeFigureOut">
               <a:rPr lang="es-ES" smtClean="0"/>
-              <a:t>18/11/2020</a:t>
+              <a:t>20/12/2020</a:t>
             </a:fld>
             <a:endParaRPr lang="es-ES"/>
           </a:p>
@@ -2639,7 +2660,7 @@
           <a:p>
             <a:fld id="{512A6B14-0E50-4142-A480-7DE38D9F5227}" type="datetimeFigureOut">
               <a:rPr lang="es-ES" smtClean="0"/>
-              <a:t>18/11/2020</a:t>
+              <a:t>20/12/2020</a:t>
             </a:fld>
             <a:endParaRPr lang="es-ES"/>
           </a:p>
@@ -3021,7 +3042,7 @@
           <a:p>
             <a:fld id="{512A6B14-0E50-4142-A480-7DE38D9F5227}" type="datetimeFigureOut">
               <a:rPr lang="es-ES" smtClean="0"/>
-              <a:t>18/11/2020</a:t>
+              <a:t>20/12/2020</a:t>
             </a:fld>
             <a:endParaRPr lang="es-ES"/>
           </a:p>
@@ -3308,7 +3329,7 @@
           <a:p>
             <a:fld id="{512A6B14-0E50-4142-A480-7DE38D9F5227}" type="datetimeFigureOut">
               <a:rPr lang="es-ES" smtClean="0"/>
-              <a:t>18/11/2020</a:t>
+              <a:t>20/12/2020</a:t>
             </a:fld>
             <a:endParaRPr lang="es-ES"/>
           </a:p>
@@ -3879,6 +3900,36 @@
           </a:p>
         </p:txBody>
       </p:sp>
+      <p:sp>
+        <p:nvSpPr>
+          <p:cNvPr id="4" name="CuadroTexto 3"/>
+          <p:cNvSpPr txBox="1"/>
+          <p:nvPr/>
+        </p:nvSpPr>
+        <p:spPr>
+          <a:xfrm>
+            <a:off x="333375" y="5772150"/>
+            <a:ext cx="7543800" cy="369332"/>
+          </a:xfrm>
+          <a:prstGeom prst="rect">
+            <a:avLst/>
+          </a:prstGeom>
+          <a:noFill/>
+        </p:spPr>
+        <p:txBody>
+          <a:bodyPr wrap="square" rtlCol="0">
+            <a:spAutoFit/>
+          </a:bodyPr>
+          <a:lstStyle/>
+          <a:p>
+            <a:r>
+              <a:rPr lang="es-ES" dirty="0" smtClean="0"/>
+              <a:t>Abreviaturas en este tema: 	IG = Información Geográfica</a:t>
+            </a:r>
+            <a:endParaRPr lang="es-ES" dirty="0"/>
+          </a:p>
+        </p:txBody>
+      </p:sp>
     </p:spTree>
     <p:extLst>
       <p:ext uri="{BB962C8B-B14F-4D97-AF65-F5344CB8AC3E}">
@@ -3933,7 +3984,7 @@
           <a:p>
             <a:r>
               <a:rPr lang="es-ES" dirty="0" smtClean="0"/>
-              <a:t>Clasificación </a:t>
+              <a:t>Consultas espaciales</a:t>
             </a:r>
             <a:endParaRPr lang="es-ES" dirty="0"/>
           </a:p>
@@ -3951,70 +4002,153 @@
         </p:nvSpPr>
         <p:spPr/>
         <p:txBody>
-          <a:bodyPr/>
-          <a:lstStyle/>
-          <a:p>
+          <a:bodyPr>
+            <a:normAutofit fontScale="85000" lnSpcReduction="20000"/>
+          </a:bodyPr>
+          <a:lstStyle/>
+          <a:p>
+            <a:pPr marL="457200" indent="-457200">
+              <a:buFont typeface="+mj-lt"/>
+              <a:buAutoNum type="arabicPeriod"/>
+            </a:pPr>
+            <a:r>
+              <a:rPr lang="es-ES" dirty="0" smtClean="0"/>
+              <a:t>Consultas por atributos</a:t>
+            </a:r>
+          </a:p>
+          <a:p>
+            <a:pPr marL="457200" indent="-457200">
+              <a:buFont typeface="+mj-lt"/>
+              <a:buAutoNum type="arabicPeriod"/>
+            </a:pPr>
+            <a:r>
+              <a:rPr lang="es-ES" dirty="0" smtClean="0"/>
+              <a:t>Consultas por posición (</a:t>
+            </a:r>
+            <a:r>
+              <a:rPr lang="es-ES" b="1" dirty="0" smtClean="0"/>
+              <a:t>consultas espaciales</a:t>
+            </a:r>
+            <a:r>
+              <a:rPr lang="es-ES" dirty="0"/>
+              <a:t>)</a:t>
+            </a:r>
+            <a:endParaRPr lang="es-ES" dirty="0" smtClean="0"/>
+          </a:p>
+          <a:p>
+            <a:pPr lvl="1"/>
+            <a:r>
+              <a:rPr lang="es-ES" dirty="0" smtClean="0"/>
+              <a:t>Estrictamente </a:t>
+            </a:r>
+            <a:r>
+              <a:rPr lang="es-ES" dirty="0" smtClean="0"/>
+              <a:t>espaciales: </a:t>
+            </a:r>
+            <a:r>
+              <a:rPr lang="es-ES" dirty="0" smtClean="0"/>
+              <a:t>también están en SGBD convencionales. </a:t>
+            </a:r>
+          </a:p>
+          <a:p>
+            <a:pPr lvl="1"/>
+            <a:r>
+              <a:rPr lang="es-ES" dirty="0" smtClean="0"/>
+              <a:t>Con los operadores espaciales que vimos </a:t>
+            </a:r>
+          </a:p>
+          <a:p>
+            <a:pPr lvl="1"/>
+            <a:r>
+              <a:rPr lang="es-ES" dirty="0" smtClean="0"/>
+              <a:t>Están disponibles en los SGBDE</a:t>
+            </a:r>
+          </a:p>
+          <a:p>
+            <a:pPr lvl="1"/>
+            <a:r>
+              <a:rPr lang="es-ES" dirty="0" smtClean="0"/>
+              <a:t>Tipos</a:t>
+            </a:r>
+          </a:p>
+          <a:p>
+            <a:pPr lvl="2"/>
+            <a:r>
+              <a:rPr lang="es-ES" dirty="0" smtClean="0"/>
+              <a:t>Booleanas</a:t>
+            </a:r>
+            <a:endParaRPr lang="es-ES" dirty="0" smtClean="0"/>
+          </a:p>
+          <a:p>
+            <a:pPr lvl="2"/>
+            <a:r>
+              <a:rPr lang="es-ES" dirty="0" smtClean="0"/>
+              <a:t>Para obtener un resultado (datos)</a:t>
+            </a:r>
+          </a:p>
+          <a:p>
+            <a:r>
+              <a:rPr lang="es-ES" dirty="0" smtClean="0"/>
+              <a:t>Ejemplo 1</a:t>
+            </a:r>
+          </a:p>
+          <a:p>
+            <a:pPr lvl="1"/>
+            <a:r>
+              <a:rPr lang="es-ES" dirty="0" smtClean="0"/>
+              <a:t>Ver estados americanos con densidad &gt; X</a:t>
+            </a:r>
+          </a:p>
+          <a:p>
+            <a:pPr lvl="1"/>
+            <a:r>
+              <a:rPr lang="es-ES" dirty="0" smtClean="0"/>
+              <a:t>Es un atributo no espacial. No es una consulta estrictamente espacial, pero sigue siendo un </a:t>
+            </a:r>
             <a:r>
               <a:rPr lang="es-ES" b="1" u="sng" dirty="0" smtClean="0"/>
-              <a:t>A partir de atributos de distinto tipo, asignamos valor a otros</a:t>
-            </a:r>
-          </a:p>
-          <a:p>
-            <a:r>
-              <a:rPr lang="es-ES" dirty="0" smtClean="0"/>
-              <a:t>Ejemplo</a:t>
-            </a:r>
-          </a:p>
-          <a:p>
-            <a:pPr lvl="1"/>
-            <a:r>
-              <a:rPr lang="es-ES" dirty="0" smtClean="0"/>
-              <a:t>Clasificar municipio en función de la superficie</a:t>
-            </a:r>
-          </a:p>
-          <a:p>
-            <a:r>
-              <a:rPr lang="es-ES" dirty="0" smtClean="0"/>
-              <a:t>Reclasificación</a:t>
-            </a:r>
-          </a:p>
-          <a:p>
-            <a:pPr lvl="1"/>
-            <a:r>
-              <a:rPr lang="es-ES" dirty="0" smtClean="0"/>
-              <a:t>A partir de una clasificación, hacer una nueva clasificación</a:t>
-            </a:r>
-          </a:p>
-          <a:p>
-            <a:pPr lvl="1"/>
-            <a:r>
-              <a:rPr lang="es-ES" dirty="0" smtClean="0"/>
-              <a:t>Ejemplo</a:t>
-            </a:r>
-          </a:p>
-          <a:p>
-            <a:pPr lvl="2"/>
-            <a:r>
-              <a:rPr lang="es-ES" dirty="0" smtClean="0"/>
-              <a:t>Tengo niños por edad: &lt; 15, &gt;= 15, &lt;18, &gt;=18</a:t>
-            </a:r>
-          </a:p>
-          <a:p>
-            <a:pPr lvl="2"/>
-            <a:r>
-              <a:rPr lang="es-ES" dirty="0" smtClean="0"/>
-              <a:t>Ahora quiero sólo mayores o menores de edad</a:t>
-            </a:r>
-          </a:p>
-          <a:p>
-            <a:endParaRPr lang="es-ES" dirty="0"/>
+              <a:t>análisis espacial </a:t>
+            </a:r>
+            <a:r>
+              <a:rPr lang="es-ES" dirty="0" smtClean="0"/>
+              <a:t>porque </a:t>
+            </a:r>
+            <a:r>
+              <a:rPr lang="es-ES" b="1" dirty="0" smtClean="0"/>
+              <a:t>EL RESULTADO ES INFO ESPACIAL</a:t>
+            </a:r>
+          </a:p>
+          <a:p>
+            <a:r>
+              <a:rPr lang="es-ES" dirty="0" smtClean="0"/>
+              <a:t>Ejemplo 2</a:t>
+            </a:r>
+          </a:p>
+          <a:p>
+            <a:pPr lvl="1"/>
+            <a:r>
+              <a:rPr lang="es-ES" dirty="0" smtClean="0"/>
+              <a:t>Ver estados por los q pasa el río X</a:t>
+            </a:r>
+          </a:p>
+          <a:p>
+            <a:pPr lvl="1"/>
+            <a:r>
+              <a:rPr lang="es-ES" dirty="0" smtClean="0"/>
+              <a:t>Operación recomendada: </a:t>
+            </a:r>
+            <a:r>
+              <a:rPr lang="es-ES" dirty="0" err="1" smtClean="0"/>
+              <a:t>Touch</a:t>
+            </a:r>
+            <a:endParaRPr lang="es-ES" dirty="0" smtClean="0"/>
           </a:p>
         </p:txBody>
       </p:sp>
     </p:spTree>
     <p:extLst>
       <p:ext uri="{BB962C8B-B14F-4D97-AF65-F5344CB8AC3E}">
-        <p14:creationId xmlns:p14="http://schemas.microsoft.com/office/powerpoint/2010/main" val="1076570888"/>
+        <p14:creationId xmlns:p14="http://schemas.microsoft.com/office/powerpoint/2010/main" val="6349714"/>
       </p:ext>
     </p:extLst>
   </p:cSld>
@@ -4065,7 +4199,7 @@
           <a:p>
             <a:r>
               <a:rPr lang="es-ES" dirty="0" smtClean="0"/>
-              <a:t>Disolución </a:t>
+              <a:t>Clasificación </a:t>
             </a:r>
             <a:endParaRPr lang="es-ES" dirty="0"/>
           </a:p>
@@ -4087,41 +4221,55 @@
           <a:lstStyle/>
           <a:p>
             <a:r>
-              <a:rPr lang="es-ES" b="1" i="1" dirty="0" smtClean="0"/>
-              <a:t>Datos </a:t>
-            </a:r>
-            <a:r>
-              <a:rPr lang="es-ES" b="1" i="1" dirty="0" smtClean="0"/>
-              <a:t>de entrada</a:t>
-            </a:r>
-            <a:r>
-              <a:rPr lang="es-ES" dirty="0" smtClean="0"/>
-              <a:t>: capa vectoriales de polígonos </a:t>
-            </a:r>
-          </a:p>
-          <a:p>
-            <a:r>
-              <a:rPr lang="es-ES" b="1" i="1" dirty="0" smtClean="0"/>
-              <a:t>Salida</a:t>
-            </a:r>
-            <a:r>
-              <a:rPr lang="es-ES" dirty="0" smtClean="0"/>
-              <a:t>: elementos (</a:t>
-            </a:r>
-            <a:r>
-              <a:rPr lang="es-ES" dirty="0" err="1" smtClean="0"/>
-              <a:t>polígnos</a:t>
-            </a:r>
-            <a:r>
-              <a:rPr lang="es-ES" dirty="0" smtClean="0"/>
-              <a:t>) clasificados por color</a:t>
-            </a:r>
-          </a:p>
-          <a:p>
-            <a:pPr lvl="1"/>
-            <a:r>
-              <a:rPr lang="es-ES" dirty="0" smtClean="0"/>
-              <a:t>Se disuelven algunas líneas cuando dos elementos que lindan pasan a ser de la misma clase</a:t>
+              <a:rPr lang="es-ES" b="1" u="sng" dirty="0" smtClean="0"/>
+              <a:t>A partir de atributos de distinto tipo, asignamos valor a otros</a:t>
+            </a:r>
+          </a:p>
+          <a:p>
+            <a:r>
+              <a:rPr lang="es-ES" dirty="0" smtClean="0"/>
+              <a:t>Ejemplo</a:t>
+            </a:r>
+          </a:p>
+          <a:p>
+            <a:pPr lvl="1"/>
+            <a:r>
+              <a:rPr lang="es-ES" dirty="0" smtClean="0"/>
+              <a:t>Clasificar municipio en función de la superficie</a:t>
+            </a:r>
+          </a:p>
+          <a:p>
+            <a:r>
+              <a:rPr lang="es-ES" dirty="0" smtClean="0"/>
+              <a:t>Reclasificación</a:t>
+            </a:r>
+          </a:p>
+          <a:p>
+            <a:pPr lvl="1"/>
+            <a:r>
+              <a:rPr lang="es-ES" dirty="0" smtClean="0"/>
+              <a:t>A partir de una clasificación, hacer una nueva clasificación</a:t>
+            </a:r>
+          </a:p>
+          <a:p>
+            <a:pPr lvl="1"/>
+            <a:r>
+              <a:rPr lang="es-ES" dirty="0" smtClean="0"/>
+              <a:t>Ejemplo</a:t>
+            </a:r>
+          </a:p>
+          <a:p>
+            <a:pPr lvl="2"/>
+            <a:r>
+              <a:rPr lang="es-ES" dirty="0" smtClean="0"/>
+              <a:t>Tengo niños por edad: &lt; 15, &gt;= 15, &lt;18, &gt;=18</a:t>
+            </a:r>
+          </a:p>
+          <a:p>
+            <a:pPr lvl="2"/>
+            <a:r>
+              <a:rPr lang="es-ES" dirty="0" smtClean="0"/>
+              <a:t>Ahora quiero sólo mayores o menores de edad</a:t>
             </a:r>
           </a:p>
           <a:p>
@@ -4132,7 +4280,7 @@
     </p:spTree>
     <p:extLst>
       <p:ext uri="{BB962C8B-B14F-4D97-AF65-F5344CB8AC3E}">
-        <p14:creationId xmlns:p14="http://schemas.microsoft.com/office/powerpoint/2010/main" val="4002496979"/>
+        <p14:creationId xmlns:p14="http://schemas.microsoft.com/office/powerpoint/2010/main" val="1076570888"/>
       </p:ext>
     </p:extLst>
   </p:cSld>
@@ -4183,7 +4331,7 @@
           <a:p>
             <a:r>
               <a:rPr lang="es-ES" dirty="0" smtClean="0"/>
-              <a:t>Medidas geométricas y de distancia</a:t>
+              <a:t>Disolución </a:t>
             </a:r>
             <a:endParaRPr lang="es-ES" dirty="0"/>
           </a:p>
@@ -4205,137 +4353,48 @@
           <a:lstStyle/>
           <a:p>
             <a:r>
-              <a:rPr lang="es-ES" dirty="0" smtClean="0"/>
-              <a:t>Perímetro y área</a:t>
-            </a:r>
+              <a:rPr lang="es-ES" b="1" i="1" dirty="0" smtClean="0"/>
+              <a:t>Datos de entrada</a:t>
+            </a:r>
+            <a:r>
+              <a:rPr lang="es-ES" dirty="0" smtClean="0"/>
+              <a:t>: capa vectoriales de polígonos </a:t>
+            </a:r>
+          </a:p>
+          <a:p>
+            <a:r>
+              <a:rPr lang="es-ES" b="1" i="1" dirty="0" smtClean="0"/>
+              <a:t>Salida</a:t>
+            </a:r>
+            <a:r>
+              <a:rPr lang="es-ES" dirty="0" smtClean="0"/>
+              <a:t>: elementos (</a:t>
+            </a:r>
+            <a:r>
+              <a:rPr lang="es-ES" dirty="0" err="1" smtClean="0"/>
+              <a:t>polígnos</a:t>
+            </a:r>
+            <a:r>
+              <a:rPr lang="es-ES" dirty="0" smtClean="0"/>
+              <a:t>) clasificados por color</a:t>
+            </a:r>
+          </a:p>
+          <a:p>
+            <a:pPr lvl="1"/>
+            <a:r>
+              <a:rPr lang="es-ES" dirty="0" smtClean="0"/>
+              <a:t>Se disuelven algunas líneas cuando dos elementos que lindan pasan a ser de la misma clase</a:t>
+            </a:r>
+          </a:p>
+          <a:p>
             <a:endParaRPr lang="es-ES" dirty="0"/>
-          </a:p>
-          <a:p>
-            <a:pPr lvl="1"/>
-            <a:r>
-              <a:rPr lang="es-ES" dirty="0" smtClean="0"/>
-              <a:t>Se incluyen como campos</a:t>
-            </a:r>
-          </a:p>
-          <a:p>
-            <a:pPr lvl="1"/>
-            <a:r>
-              <a:rPr lang="es-ES" dirty="0" smtClean="0"/>
-              <a:t>Es sencillo con el soporte informático adecuado</a:t>
-            </a:r>
-          </a:p>
-          <a:p>
-            <a:pPr lvl="2"/>
-            <a:r>
-              <a:rPr lang="es-ES" dirty="0" smtClean="0"/>
-              <a:t>Lenguajes de programación para el cálculo</a:t>
-            </a:r>
-          </a:p>
-          <a:p>
-            <a:pPr lvl="1"/>
-            <a:r>
-              <a:rPr lang="es-ES" dirty="0" smtClean="0"/>
-              <a:t>Por qué usarlo?</a:t>
-            </a:r>
-          </a:p>
-          <a:p>
-            <a:pPr lvl="2"/>
-            <a:r>
-              <a:rPr lang="es-ES" dirty="0" smtClean="0"/>
-              <a:t>Sistema no proyectado: problema de los </a:t>
-            </a:r>
-            <a:r>
-              <a:rPr lang="es-ES" b="1" i="1" dirty="0" smtClean="0">
-                <a:sym typeface="Wingdings" panose="05000000000000000000" pitchFamily="2" charset="2"/>
-              </a:rPr>
-              <a:t>grados cuadrados</a:t>
-            </a:r>
-            <a:r>
-              <a:rPr lang="es-ES" dirty="0" smtClean="0">
-                <a:sym typeface="Wingdings" panose="05000000000000000000" pitchFamily="2" charset="2"/>
-              </a:rPr>
-              <a:t>: quiero sacar la superficie o distancia, no todos los sistemas lo saben calcular bien</a:t>
-            </a:r>
-          </a:p>
-          <a:p>
-            <a:pPr lvl="2"/>
-            <a:r>
-              <a:rPr lang="es-ES" dirty="0" smtClean="0">
-                <a:sym typeface="Wingdings" panose="05000000000000000000" pitchFamily="2" charset="2"/>
-              </a:rPr>
-              <a:t>Solución: en un sistema proyectado, puede estar almacenado, pero igualmente se calcula fácil</a:t>
-            </a:r>
-          </a:p>
-          <a:p>
-            <a:pPr lvl="1"/>
-            <a:r>
-              <a:rPr lang="es-ES" dirty="0" err="1" smtClean="0">
-                <a:sym typeface="Wingdings" panose="05000000000000000000" pitchFamily="2" charset="2"/>
-              </a:rPr>
-              <a:t>Ráster</a:t>
-            </a:r>
-            <a:endParaRPr lang="es-ES" dirty="0" smtClean="0">
-              <a:sym typeface="Wingdings" panose="05000000000000000000" pitchFamily="2" charset="2"/>
-            </a:endParaRPr>
-          </a:p>
-          <a:p>
-            <a:pPr lvl="2"/>
-            <a:r>
-              <a:rPr lang="es-ES" dirty="0" smtClean="0">
-                <a:sym typeface="Wingdings" panose="05000000000000000000" pitchFamily="2" charset="2"/>
-              </a:rPr>
-              <a:t>También se pueden calcular</a:t>
-            </a:r>
-          </a:p>
-          <a:p>
-            <a:pPr lvl="2"/>
-            <a:r>
-              <a:rPr lang="es-ES" dirty="0" smtClean="0">
-                <a:sym typeface="Wingdings" panose="05000000000000000000" pitchFamily="2" charset="2"/>
-              </a:rPr>
-              <a:t>Condicionados al tamaño de la celda</a:t>
-            </a:r>
-          </a:p>
-          <a:p>
-            <a:pPr lvl="2"/>
-            <a:r>
-              <a:rPr lang="es-ES" dirty="0" smtClean="0">
-                <a:sym typeface="Wingdings" panose="05000000000000000000" pitchFamily="2" charset="2"/>
-              </a:rPr>
-              <a:t>Serán </a:t>
-            </a:r>
-            <a:r>
-              <a:rPr lang="es-ES" b="1" dirty="0" smtClean="0">
-                <a:sym typeface="Wingdings" panose="05000000000000000000" pitchFamily="2" charset="2"/>
-              </a:rPr>
-              <a:t>múltiplo del lado de cada celda </a:t>
-            </a:r>
-            <a:r>
-              <a:rPr lang="es-ES" dirty="0" smtClean="0">
-                <a:sym typeface="Wingdings" panose="05000000000000000000" pitchFamily="2" charset="2"/>
-              </a:rPr>
-              <a:t>(cuadrículas en </a:t>
-            </a:r>
-            <a:r>
-              <a:rPr lang="es-ES" i="1" dirty="0" err="1" smtClean="0">
-                <a:sym typeface="Wingdings" panose="05000000000000000000" pitchFamily="2" charset="2"/>
-              </a:rPr>
-              <a:t>ráster</a:t>
-            </a:r>
-            <a:r>
-              <a:rPr lang="es-ES" dirty="0" smtClean="0">
-                <a:sym typeface="Wingdings" panose="05000000000000000000" pitchFamily="2" charset="2"/>
-              </a:rPr>
-              <a:t>)</a:t>
-            </a:r>
-            <a:endParaRPr lang="es-ES" dirty="0" smtClean="0"/>
           </a:p>
         </p:txBody>
       </p:sp>
     </p:spTree>
     <p:extLst>
       <p:ext uri="{BB962C8B-B14F-4D97-AF65-F5344CB8AC3E}">
-        <p14:creationId xmlns:p14="http://schemas.microsoft.com/office/powerpoint/2010/main" val="43710389"/>
+        <p14:creationId xmlns:p14="http://schemas.microsoft.com/office/powerpoint/2010/main" val="4002496979"/>
       </p:ext>
     </p:extLst>
   </p:cSld>
@@ -4386,7 +4445,7 @@
           <a:p>
             <a:r>
               <a:rPr lang="es-ES" dirty="0" smtClean="0"/>
-              <a:t>Medidas de caracterización de la forma</a:t>
+              <a:t>Medidas geométricas y de distancia</a:t>
             </a:r>
             <a:endParaRPr lang="es-ES" dirty="0"/>
           </a:p>
@@ -4404,138 +4463,141 @@
         </p:nvSpPr>
         <p:spPr/>
         <p:txBody>
-          <a:bodyPr>
-            <a:normAutofit fontScale="92500" lnSpcReduction="10000"/>
-          </a:bodyPr>
-          <a:lstStyle/>
-          <a:p>
+          <a:bodyPr/>
+          <a:lstStyle/>
+          <a:p>
+            <a:r>
+              <a:rPr lang="es-ES" dirty="0" smtClean="0"/>
+              <a:t>Perímetro y área</a:t>
+            </a:r>
+            <a:endParaRPr lang="es-ES" dirty="0"/>
+          </a:p>
+          <a:p>
+            <a:pPr lvl="1"/>
+            <a:r>
+              <a:rPr lang="es-ES" dirty="0" smtClean="0"/>
+              <a:t>Se incluyen como campos</a:t>
+            </a:r>
+          </a:p>
+          <a:p>
+            <a:pPr lvl="1"/>
+            <a:r>
+              <a:rPr lang="es-ES" dirty="0" smtClean="0"/>
+              <a:t>Es sencillo con el soporte informático adecuado</a:t>
+            </a:r>
+          </a:p>
+          <a:p>
+            <a:pPr lvl="2"/>
+            <a:r>
+              <a:rPr lang="es-ES" dirty="0" smtClean="0"/>
+              <a:t>Lenguajes de programación para el cálculo</a:t>
+            </a:r>
+          </a:p>
+          <a:p>
+            <a:pPr lvl="1"/>
+            <a:r>
+              <a:rPr lang="es-ES" dirty="0" smtClean="0"/>
+              <a:t>Por qué usarlo?</a:t>
+            </a:r>
+          </a:p>
+          <a:p>
+            <a:pPr lvl="2"/>
+            <a:r>
+              <a:rPr lang="es-ES" dirty="0" smtClean="0"/>
+              <a:t>Sistema no proyectado: problema de los </a:t>
+            </a:r>
+            <a:r>
+              <a:rPr lang="es-ES" b="1" i="1" dirty="0" smtClean="0">
+                <a:sym typeface="Wingdings" panose="05000000000000000000" pitchFamily="2" charset="2"/>
+              </a:rPr>
+              <a:t>grados cuadrados</a:t>
+            </a:r>
+            <a:r>
+              <a:rPr lang="es-ES" dirty="0" smtClean="0">
+                <a:sym typeface="Wingdings" panose="05000000000000000000" pitchFamily="2" charset="2"/>
+              </a:rPr>
+              <a:t>: quiero sacar la superficie o distancia, no todos los sistemas lo saben calcular bien</a:t>
+            </a:r>
+          </a:p>
+          <a:p>
+            <a:pPr lvl="2"/>
+            <a:r>
+              <a:rPr lang="es-ES" dirty="0" smtClean="0">
+                <a:sym typeface="Wingdings" panose="05000000000000000000" pitchFamily="2" charset="2"/>
+              </a:rPr>
+              <a:t>Solución: en un sistema proyectado, puede estar almacenado, pero igualmente se calcula fácil</a:t>
+            </a:r>
+          </a:p>
+          <a:p>
+            <a:pPr lvl="1"/>
+            <a:r>
+              <a:rPr lang="es-ES" dirty="0" err="1" smtClean="0">
+                <a:sym typeface="Wingdings" panose="05000000000000000000" pitchFamily="2" charset="2"/>
+              </a:rPr>
+              <a:t>Ráster</a:t>
+            </a:r>
+            <a:endParaRPr lang="es-ES" dirty="0" smtClean="0">
+              <a:sym typeface="Wingdings" panose="05000000000000000000" pitchFamily="2" charset="2"/>
+            </a:endParaRPr>
+          </a:p>
+          <a:p>
+            <a:pPr lvl="2"/>
+            <a:r>
+              <a:rPr lang="es-ES" dirty="0" smtClean="0">
+                <a:sym typeface="Wingdings" panose="05000000000000000000" pitchFamily="2" charset="2"/>
+              </a:rPr>
+              <a:t>También se pueden calcular</a:t>
+            </a:r>
+          </a:p>
+          <a:p>
+            <a:pPr lvl="2"/>
+            <a:r>
+              <a:rPr lang="es-ES" dirty="0" smtClean="0">
+                <a:sym typeface="Wingdings" panose="05000000000000000000" pitchFamily="2" charset="2"/>
+              </a:rPr>
+              <a:t>Condicionados al tamaño de la celda</a:t>
+            </a:r>
+          </a:p>
+          <a:p>
+            <a:pPr lvl="2"/>
+            <a:r>
+              <a:rPr lang="es-ES" dirty="0" smtClean="0">
+                <a:sym typeface="Wingdings" panose="05000000000000000000" pitchFamily="2" charset="2"/>
+              </a:rPr>
+              <a:t>Serán </a:t>
+            </a:r>
             <a:r>
               <a:rPr lang="es-ES" b="1" dirty="0" smtClean="0">
-                <a:solidFill>
-                  <a:srgbClr val="FF0000"/>
-                </a:solidFill>
+                <a:sym typeface="Wingdings" panose="05000000000000000000" pitchFamily="2" charset="2"/>
               </a:rPr>
-              <a:t>Específicas de los SIG</a:t>
-            </a:r>
-          </a:p>
-          <a:p>
-            <a:pPr marL="457200" indent="-457200">
-              <a:buFont typeface="+mj-lt"/>
-              <a:buAutoNum type="arabicPeriod"/>
-            </a:pPr>
-            <a:r>
-              <a:rPr lang="es-ES" dirty="0" smtClean="0"/>
-              <a:t>Compacidad</a:t>
-            </a:r>
-          </a:p>
-          <a:p>
-            <a:pPr lvl="1"/>
-            <a:r>
-              <a:rPr lang="es-ES" dirty="0" smtClean="0"/>
-              <a:t>Cómo de compactas son las formas de los elementos representados </a:t>
-            </a:r>
-          </a:p>
-          <a:p>
-            <a:pPr lvl="1"/>
-            <a:r>
-              <a:rPr lang="es-ES" dirty="0" smtClean="0"/>
-              <a:t>Elementos </a:t>
-            </a:r>
-            <a:r>
-              <a:rPr lang="es-ES" dirty="0" err="1" smtClean="0"/>
-              <a:t>raster</a:t>
-            </a:r>
-            <a:r>
-              <a:rPr lang="es-ES" dirty="0" smtClean="0"/>
-              <a:t>: cómo de compacta es cada forma representada a lo </a:t>
-            </a:r>
-            <a:r>
-              <a:rPr lang="es-ES" dirty="0" err="1" smtClean="0"/>
-              <a:t>alrgo</a:t>
-            </a:r>
-            <a:r>
-              <a:rPr lang="es-ES" dirty="0" smtClean="0"/>
-              <a:t> de la cuadricula </a:t>
-            </a:r>
-          </a:p>
-          <a:p>
-            <a:pPr lvl="1"/>
-            <a:r>
-              <a:rPr lang="es-ES" dirty="0" smtClean="0"/>
-              <a:t>Es más compacta una forma cuanto más se parezca a…</a:t>
-            </a:r>
-          </a:p>
-          <a:p>
-            <a:pPr lvl="2"/>
-            <a:r>
-              <a:rPr lang="es-ES" dirty="0" smtClean="0"/>
-              <a:t>Un cuadrado si es </a:t>
-            </a:r>
-            <a:r>
-              <a:rPr lang="es-ES" dirty="0" err="1" smtClean="0"/>
+              <a:t>múltiplo del lado de cada celda </a:t>
+            </a:r>
+            <a:r>
+              <a:rPr lang="es-ES" dirty="0" smtClean="0">
+                <a:sym typeface="Wingdings" panose="05000000000000000000" pitchFamily="2" charset="2"/>
+              </a:rPr>
+              <a:t>(cuadrículas en </a:t>
+            </a:r>
+            <a:r>
+              <a:rPr lang="es-ES" i="1" dirty="0" err="1" smtClean="0">
+                <a:sym typeface="Wingdings" panose="05000000000000000000" pitchFamily="2" charset="2"/>
+              </a:rPr>
               <a:t>ráster</a:t>
             </a:r>
+            <a:r>
+              <a:rPr lang="es-ES" dirty="0" smtClean="0">
+                <a:sym typeface="Wingdings" panose="05000000000000000000" pitchFamily="2" charset="2"/>
+              </a:rPr>
+              <a:t>)</a:t>
+            </a:r>
             <a:endParaRPr lang="es-ES" dirty="0" smtClean="0"/>
-          </a:p>
-          <a:p>
-            <a:pPr lvl="2"/>
-            <a:r>
-              <a:rPr lang="es-ES" dirty="0" smtClean="0"/>
-              <a:t>Un círculo si es vectorial</a:t>
-            </a:r>
-          </a:p>
-          <a:p>
-            <a:pPr lvl="2"/>
-            <a:r>
-              <a:rPr lang="es-ES" dirty="0" smtClean="0"/>
-              <a:t>1 = muy compacta</a:t>
-            </a:r>
-          </a:p>
-          <a:p>
-            <a:pPr lvl="2"/>
-            <a:r>
-              <a:rPr lang="es-ES" dirty="0" smtClean="0"/>
-              <a:t>&gt; 1 = menos compacta</a:t>
-            </a:r>
-          </a:p>
-          <a:p>
-            <a:pPr lvl="1"/>
-            <a:r>
-              <a:rPr lang="es-ES" dirty="0" smtClean="0"/>
-              <a:t>Aplicaciones</a:t>
-            </a:r>
-          </a:p>
-          <a:p>
-            <a:pPr lvl="2"/>
-            <a:r>
-              <a:rPr lang="es-ES" dirty="0" smtClean="0"/>
-              <a:t>Estudiar dispersión </a:t>
-            </a:r>
-          </a:p>
-          <a:p>
-            <a:pPr marL="457200" indent="-457200">
-              <a:buFont typeface="+mj-lt"/>
-              <a:buAutoNum type="arabicPeriod"/>
-            </a:pPr>
-            <a:r>
-              <a:rPr lang="es-ES" dirty="0" smtClean="0"/>
-              <a:t>Aspereza o suavidad</a:t>
-            </a:r>
-          </a:p>
-          <a:p>
-            <a:pPr lvl="1"/>
-            <a:r>
-              <a:rPr lang="es-ES" dirty="0" err="1" smtClean="0"/>
-              <a:t>eeee</a:t>
-            </a:r>
-            <a:endParaRPr lang="es-ES" dirty="0"/>
           </a:p>
         </p:txBody>
       </p:sp>
     </p:spTree>
     <p:extLst>
       <p:ext uri="{BB962C8B-B14F-4D97-AF65-F5344CB8AC3E}">
-        <p14:creationId xmlns:p14="http://schemas.microsoft.com/office/powerpoint/2010/main" val="3019533406"/>
+        <p14:creationId xmlns:p14="http://schemas.microsoft.com/office/powerpoint/2010/main" val="43710389"/>
       </p:ext>
     </p:extLst>
   </p:cSld>
@@ -4586,15 +4648,7 @@
           <a:p>
             <a:r>
               <a:rPr lang="es-ES" dirty="0" smtClean="0"/>
-              <a:t>Medidas de proximidad o </a:t>
-            </a:r>
-            <a:r>
-              <a:rPr lang="es-ES" i="1" dirty="0" err="1" smtClean="0"/>
-              <a:t>búfering</a:t>
-            </a:r>
-            <a:r>
-              <a:rPr lang="es-ES" dirty="0" smtClean="0"/>
-              <a:t> </a:t>
+              <a:t>Medidas de caracterización de la forma</a:t>
             </a:r>
             <a:endParaRPr lang="es-ES" dirty="0"/>
           </a:p>
@@ -4607,224 +4661,137 @@
             <a:spLocks noGrp="1"/>
           </p:cNvSpPr>
           <p:nvPr>
-            <p:ph sz="half" idx="1"/>
+            <p:ph idx="1"/>
           </p:nvPr>
         </p:nvSpPr>
         <p:spPr/>
         <p:txBody>
           <a:bodyPr>
-            <a:normAutofit fontScale="85000" lnSpcReduction="20000"/>
+            <a:normAutofit fontScale="92500" lnSpcReduction="20000"/>
           </a:bodyPr>
           <a:lstStyle/>
           <a:p>
-            <a:r>
-              <a:rPr lang="es-ES" dirty="0" smtClean="0">
-                <a:latin typeface="Eras Bold ITC" panose="020B0907030504020204" pitchFamily="34" charset="0"/>
-              </a:rPr>
-              <a:t>Definir un área alrededor de un elemento</a:t>
-            </a:r>
-          </a:p>
-          <a:p>
-            <a:r>
-              <a:rPr lang="es-ES" b="1" dirty="0" smtClean="0"/>
-              <a:t>Vectorial</a:t>
-            </a:r>
-            <a:r>
-              <a:rPr lang="es-ES" dirty="0" smtClean="0"/>
-              <a:t>: hay que indicar</a:t>
-            </a:r>
-          </a:p>
-          <a:p>
-            <a:pPr lvl="1"/>
-            <a:r>
-              <a:rPr lang="es-ES" dirty="0" smtClean="0"/>
-              <a:t>Distancia o </a:t>
-            </a:r>
-            <a:r>
-              <a:rPr lang="es-ES" i="1" dirty="0" smtClean="0"/>
-              <a:t>radio</a:t>
-            </a:r>
-            <a:r>
-              <a:rPr lang="es-ES" dirty="0" smtClean="0"/>
-              <a:t> de esa área</a:t>
-            </a:r>
-          </a:p>
-          <a:p>
-            <a:r>
-              <a:rPr lang="es-ES" dirty="0" smtClean="0"/>
-              <a:t>Se usa para ver el área de influencia de un elemento</a:t>
-            </a:r>
-          </a:p>
-          <a:p>
-            <a:r>
-              <a:rPr lang="es-ES" dirty="0" smtClean="0"/>
-              <a:t>Ejemplos </a:t>
-            </a:r>
-          </a:p>
-          <a:p>
-            <a:pPr lvl="1"/>
-            <a:r>
-              <a:rPr lang="es-ES" dirty="0" smtClean="0"/>
-              <a:t>servicios públicos cercano a un colegio</a:t>
-            </a:r>
-          </a:p>
-          <a:p>
-            <a:pPr lvl="1"/>
-            <a:r>
-              <a:rPr lang="es-ES" dirty="0" smtClean="0"/>
-              <a:t>Antenas de repetidores de móviles</a:t>
-            </a:r>
-          </a:p>
-          <a:p>
-            <a:pPr lvl="1"/>
-            <a:r>
-              <a:rPr lang="es-ES" dirty="0" smtClean="0"/>
-              <a:t>Influencia de un río en una zona</a:t>
-            </a:r>
-          </a:p>
-          <a:p>
-            <a:r>
-              <a:rPr lang="es-ES" b="1" dirty="0" err="1" smtClean="0"/>
-              <a:t>Ráster</a:t>
-            </a:r>
-            <a:r>
-              <a:rPr lang="es-ES" dirty="0" smtClean="0"/>
-              <a:t> </a:t>
-            </a:r>
-          </a:p>
-          <a:p>
-            <a:pPr lvl="1"/>
-            <a:r>
-              <a:rPr lang="es-ES" dirty="0" smtClean="0"/>
-              <a:t>Definir la zona (radio) o y las celdas asociadas</a:t>
-            </a:r>
-          </a:p>
-          <a:p>
-            <a:pPr lvl="1"/>
-            <a:r>
-              <a:rPr lang="es-ES" dirty="0" smtClean="0"/>
-              <a:t>Limitado por la resolución (tamaño del lado de la celda)</a:t>
-            </a:r>
-          </a:p>
-          <a:p>
-            <a:pPr lvl="1"/>
-            <a:r>
-              <a:rPr lang="es-ES" dirty="0" smtClean="0"/>
-              <a:t>Es menos frecuente que vectorial</a:t>
-            </a:r>
-          </a:p>
-        </p:txBody>
-      </p:sp>
-      <p:sp>
-        <p:nvSpPr>
-          <p:cNvPr id="4" name="Marcador de contenido 3"/>
-          <p:cNvSpPr>
-            <a:spLocks noGrp="1"/>
-          </p:cNvSpPr>
-          <p:nvPr>
-            <p:ph sz="half" idx="2"/>
-          </p:nvPr>
-        </p:nvSpPr>
-        <p:spPr/>
-        <p:txBody>
-          <a:bodyPr>
-            <a:normAutofit fontScale="85000" lnSpcReduction="20000"/>
-          </a:bodyPr>
-          <a:lstStyle/>
-          <a:p>
-            <a:r>
-              <a:rPr lang="es-ES" dirty="0"/>
-              <a:t>Se usa asociada a la resolución</a:t>
-            </a:r>
-          </a:p>
-          <a:p>
-            <a:pPr lvl="1"/>
-            <a:r>
-              <a:rPr lang="es-ES" dirty="0" err="1"/>
-              <a:t>Búfering</a:t>
-            </a:r>
-            <a:r>
-              <a:rPr lang="es-ES" dirty="0"/>
-              <a:t> sobre varias cosas</a:t>
-            </a:r>
-          </a:p>
-          <a:p>
-            <a:pPr lvl="1"/>
-            <a:r>
-              <a:rPr lang="es-ES" dirty="0"/>
-              <a:t>Se disuelven luego los resultados para ver la influencia de diversos elementos a la vez</a:t>
-            </a:r>
-          </a:p>
-          <a:p>
-            <a:r>
-              <a:rPr lang="es-ES" b="1" dirty="0">
-                <a:solidFill>
-                  <a:srgbClr val="FF0000"/>
-                </a:solidFill>
-              </a:rPr>
-              <a:t>Principal </a:t>
-            </a:r>
             <a:r>
               <a:rPr lang="es-ES" b="1" dirty="0" smtClean="0">
                 <a:solidFill>
                   <a:srgbClr val="FF0000"/>
                 </a:solidFill>
               </a:rPr>
-              <a:t>aplicación</a:t>
-            </a:r>
-            <a:r>
-              <a:rPr lang="es-ES" dirty="0" smtClean="0"/>
-              <a:t>: calcular </a:t>
-            </a:r>
-            <a:r>
-              <a:rPr lang="es-ES" b="1" u="sng" dirty="0"/>
-              <a:t>distancia física </a:t>
-            </a:r>
-            <a:r>
-              <a:rPr lang="es-ES" dirty="0"/>
-              <a:t>a algo (ejemplo inicial de buscar casa</a:t>
-            </a:r>
-            <a:r>
-              <a:rPr lang="es-ES" dirty="0" smtClean="0"/>
-              <a:t>)</a:t>
-            </a:r>
-          </a:p>
-          <a:p>
-            <a:r>
-              <a:rPr lang="es-ES" u="sng" dirty="0" smtClean="0"/>
-              <a:t>En algunos casos la distancia física no es la más adecuada. </a:t>
-            </a:r>
-          </a:p>
-          <a:p>
-            <a:pPr lvl="1"/>
-            <a:r>
-              <a:rPr lang="es-ES" dirty="0" smtClean="0"/>
-              <a:t>Otro podría ser la orografía: accidentes geográficos nos impedirán ir en línea recta de un sitio a otro, no es la distancia física. </a:t>
+              <a:t>Específicas de los SIG</a:t>
+            </a:r>
+          </a:p>
+          <a:p>
+            <a:pPr marL="457200" indent="-457200">
+              <a:buFont typeface="+mj-lt"/>
+              <a:buAutoNum type="arabicPeriod"/>
+            </a:pPr>
+            <a:r>
+              <a:rPr lang="es-ES" dirty="0" smtClean="0"/>
+              <a:t>Compacidad</a:t>
+            </a:r>
+          </a:p>
+          <a:p>
+            <a:pPr lvl="1"/>
+            <a:r>
+              <a:rPr lang="es-ES" dirty="0" smtClean="0">
+                <a:latin typeface="Eras Bold ITC" panose="020B0907030504020204" pitchFamily="34" charset="0"/>
+              </a:rPr>
+              <a:t>Cómo de compactas son las formas de los elementos representados </a:t>
+            </a:r>
+          </a:p>
+          <a:p>
+            <a:pPr lvl="1"/>
+            <a:r>
+              <a:rPr lang="es-ES" dirty="0" smtClean="0"/>
+              <a:t>Elementos </a:t>
+            </a:r>
+            <a:r>
+              <a:rPr lang="es-ES" dirty="0" err="1" smtClean="0"/>
+              <a:t>raster</a:t>
+            </a:r>
+            <a:r>
+              <a:rPr lang="es-ES" dirty="0" smtClean="0"/>
+              <a:t>: cómo de compacta es cada forma representada a lo </a:t>
+            </a:r>
+            <a:r>
+              <a:rPr lang="es-ES" dirty="0" err="1" smtClean="0"/>
+              <a:t>alrgo</a:t>
+            </a:r>
+            <a:r>
+              <a:rPr lang="es-ES" dirty="0" smtClean="0"/>
+              <a:t> de la cuadricula </a:t>
+            </a:r>
+          </a:p>
+          <a:p>
+            <a:pPr lvl="1"/>
+            <a:r>
+              <a:rPr lang="es-ES" dirty="0" smtClean="0"/>
+              <a:t>Es más compacta una forma cuanto más se parezca a…</a:t>
             </a:r>
           </a:p>
           <a:p>
             <a:pPr lvl="2"/>
             <a:r>
               <a:rPr lang="es-ES" dirty="0" smtClean="0"/>
-              <a:t>Caso de los errores de cálculo de los GPS</a:t>
-            </a:r>
-          </a:p>
-          <a:p>
-            <a:pPr lvl="1"/>
-            <a:r>
-              <a:rPr lang="es-ES" dirty="0" smtClean="0"/>
-              <a:t>El tiempo que se tarda en llegar</a:t>
-            </a:r>
-          </a:p>
-          <a:p>
-            <a:pPr lvl="1"/>
-            <a:r>
-              <a:rPr lang="es-ES" dirty="0" smtClean="0"/>
-              <a:t>Se usan matrices de coste para calcular el coste de los caminos en función de los distintos criterios. </a:t>
-            </a:r>
-            <a:endParaRPr lang="es-ES" dirty="0"/>
-          </a:p>
-          <a:p>
+              <a:t>Un cuadrado si es </a:t>
+            </a:r>
+            <a:r>
+              <a:rPr lang="es-ES" dirty="0" err="1" smtClean="0"/>
+              <a:t>ráster</a:t>
+            </a:r>
+            <a:endParaRPr lang="es-ES" dirty="0" smtClean="0"/>
+          </a:p>
+          <a:p>
+            <a:pPr lvl="2"/>
+            <a:r>
+              <a:rPr lang="es-ES" dirty="0" smtClean="0"/>
+              <a:t>Un círculo si es vectorial</a:t>
+            </a:r>
+          </a:p>
+          <a:p>
+            <a:pPr lvl="2"/>
+            <a:r>
+              <a:rPr lang="es-ES" dirty="0" smtClean="0"/>
+              <a:t>1 = muy compacta</a:t>
+            </a:r>
+          </a:p>
+          <a:p>
+            <a:pPr lvl="2"/>
+            <a:r>
+              <a:rPr lang="es-ES" dirty="0" smtClean="0"/>
+              <a:t>&gt; 1 = menos compacta</a:t>
+            </a:r>
+          </a:p>
+          <a:p>
+            <a:pPr lvl="1"/>
+            <a:r>
+              <a:rPr lang="es-ES" dirty="0" smtClean="0"/>
+              <a:t>Aplicaciones</a:t>
+            </a:r>
+          </a:p>
+          <a:p>
+            <a:pPr lvl="2"/>
+            <a:r>
+              <a:rPr lang="es-ES" dirty="0" smtClean="0"/>
+              <a:t>Estudiar dispersión </a:t>
+            </a:r>
+          </a:p>
+          <a:p>
+            <a:pPr marL="457200" indent="-457200">
+              <a:buFont typeface="+mj-lt"/>
+              <a:buAutoNum type="arabicPeriod"/>
+            </a:pPr>
+            <a:r>
+              <a:rPr lang="es-ES" dirty="0" smtClean="0"/>
+              <a:t>Aspereza o suavidad</a:t>
+            </a:r>
+          </a:p>
+          <a:p>
+            <a:pPr lvl="1"/>
+            <a:r>
+              <a:rPr lang="es-ES" dirty="0" err="1" smtClean="0"/>
+              <a:t>eeee</a:t>
+            </a:r>
             <a:endParaRPr lang="es-ES" dirty="0"/>
           </a:p>
         </p:txBody>
@@ -4832,7 +4799,7 @@
     </p:spTree>
     <p:extLst>
       <p:ext uri="{BB962C8B-B14F-4D97-AF65-F5344CB8AC3E}">
-        <p14:creationId xmlns:p14="http://schemas.microsoft.com/office/powerpoint/2010/main" val="178221615"/>
+        <p14:creationId xmlns:p14="http://schemas.microsoft.com/office/powerpoint/2010/main" val="3019533406"/>
       </p:ext>
     </p:extLst>
   </p:cSld>
@@ -4883,7 +4850,15 @@
           <a:p>
             <a:r>
               <a:rPr lang="es-ES" dirty="0" smtClean="0"/>
-              <a:t>Superposición</a:t>
+              <a:t>Medidas de proximidad o </a:t>
+            </a:r>
+            <a:r>
+              <a:rPr lang="es-ES" i="1" dirty="0" err="1" smtClean="0"/>
+              <a:t>búfering</a:t>
+            </a:r>
+            <a:r>
+              <a:rPr lang="es-ES" dirty="0" smtClean="0"/>
+              <a:t> </a:t>
             </a:r>
             <a:endParaRPr lang="es-ES" dirty="0"/>
           </a:p>
@@ -4891,7 +4866,7 @@
       </p:sp>
       <p:sp>
         <p:nvSpPr>
-          <p:cNvPr id="6" name="Marcador de contenido 5"/>
+          <p:cNvPr id="3" name="Marcador de contenido 2"/>
           <p:cNvSpPr>
             <a:spLocks noGrp="1"/>
           </p:cNvSpPr>
@@ -4902,133 +4877,218 @@
         <p:spPr/>
         <p:txBody>
           <a:bodyPr>
-            <a:normAutofit lnSpcReduction="10000"/>
+            <a:normAutofit fontScale="85000" lnSpcReduction="20000"/>
           </a:bodyPr>
           <a:lstStyle/>
           <a:p>
             <a:r>
-              <a:rPr lang="es-ES" dirty="0" smtClean="0"/>
-              <a:t>Ejemplo: Visualización de pájaros</a:t>
-            </a:r>
-          </a:p>
-          <a:p>
-            <a:r>
-              <a:rPr lang="es-ES" dirty="0" smtClean="0"/>
-              <a:t>Tipos de bosques</a:t>
-            </a:r>
-          </a:p>
-          <a:p>
-            <a:r>
-              <a:rPr lang="es-ES" dirty="0" smtClean="0"/>
-              <a:t>Superponer puntos sobre polígonos: </a:t>
-            </a:r>
-          </a:p>
-          <a:p>
-            <a:pPr lvl="1"/>
-            <a:r>
-              <a:rPr lang="es-ES" dirty="0" smtClean="0"/>
-              <a:t>Determinar el tipo de bosque donde está cada pájaro</a:t>
-            </a:r>
-          </a:p>
-          <a:p>
-            <a:r>
-              <a:rPr lang="es-ES" dirty="0" smtClean="0"/>
-              <a:t>Superponer líneas sobre </a:t>
-            </a:r>
-            <a:r>
-              <a:rPr lang="es-ES" dirty="0" err="1" smtClean="0"/>
-              <a:t>polig</a:t>
-            </a:r>
-            <a:endParaRPr lang="es-ES" dirty="0" smtClean="0"/>
-          </a:p>
-          <a:p>
-            <a:pPr lvl="1"/>
-            <a:r>
-              <a:rPr lang="es-ES" dirty="0" smtClean="0"/>
-              <a:t>Recorte de las líneas</a:t>
-            </a:r>
-          </a:p>
-          <a:p>
-            <a:r>
-              <a:rPr lang="es-ES" dirty="0" err="1" smtClean="0"/>
-              <a:t>Superp</a:t>
+              <a:rPr lang="es-ES" dirty="0" smtClean="0">
+                <a:latin typeface="Eras Bold ITC" panose="020B0907030504020204" pitchFamily="34" charset="0"/>
+              </a:rPr>
+              <a:t>Definir un área alrededor de un elemento</a:t>
+            </a:r>
+          </a:p>
+          <a:p>
+            <a:r>
+              <a:rPr lang="es-ES" b="1" dirty="0" smtClean="0"/>
+              <a:t>Vectorial</a:t>
+            </a:r>
+            <a:r>
+              <a:rPr lang="es-ES" dirty="0" smtClean="0"/>
+              <a:t>: hay que indicar</a:t>
+            </a:r>
+          </a:p>
+          <a:p>
+            <a:pPr lvl="1"/>
+            <a:r>
+              <a:rPr lang="es-ES" dirty="0" smtClean="0"/>
+              <a:t>Distancia o </a:t>
+            </a:r>
+            <a:r>
+              <a:rPr lang="es-ES" i="1" dirty="0" smtClean="0"/>
+              <a:t>radio</a:t>
+            </a:r>
+            <a:r>
+              <a:rPr lang="es-ES" dirty="0" smtClean="0"/>
+              <a:t> de esa área</a:t>
+            </a:r>
+          </a:p>
+          <a:p>
+            <a:r>
+              <a:rPr lang="es-ES" dirty="0" smtClean="0"/>
+              <a:t>Se usa para ver el área de influencia de un elemento</a:t>
+            </a:r>
+          </a:p>
+          <a:p>
+            <a:r>
+              <a:rPr lang="es-ES" dirty="0" smtClean="0"/>
+              <a:t>Ejemplos </a:t>
+            </a:r>
+          </a:p>
+          <a:p>
+            <a:pPr lvl="1"/>
+            <a:r>
+              <a:rPr lang="es-ES" dirty="0" smtClean="0"/>
+              <a:t>servicios públicos cercano a un colegio</a:t>
+            </a:r>
+          </a:p>
+          <a:p>
+            <a:pPr lvl="1"/>
+            <a:r>
+              <a:rPr lang="es-ES" dirty="0" smtClean="0"/>
+              <a:t>Antenas de repetidores de móviles</a:t>
+            </a:r>
+          </a:p>
+          <a:p>
+            <a:pPr lvl="1"/>
+            <a:r>
+              <a:rPr lang="es-ES" dirty="0" smtClean="0"/>
+              <a:t>Influencia de un río en una zona</a:t>
+            </a:r>
+          </a:p>
+          <a:p>
+            <a:r>
+              <a:rPr lang="es-ES" b="1" dirty="0" err="1" smtClean="0"/>
+              <a:t>Ráster</a:t>
             </a:r>
             <a:r>
               <a:rPr lang="es-ES" dirty="0" smtClean="0"/>
               <a:t> </a:t>
             </a:r>
-            <a:r>
-              <a:rPr lang="es-ES" dirty="0" err="1" smtClean="0"/>
-              <a:t>polig</a:t>
-            </a:r>
-            <a:r>
-              <a:rPr lang="es-ES" dirty="0" smtClean="0"/>
-              <a:t> con </a:t>
-            </a:r>
-            <a:r>
-              <a:rPr lang="es-ES" dirty="0" err="1" smtClean="0"/>
-              <a:t>polg</a:t>
-            </a:r>
-            <a:endParaRPr lang="es-ES" dirty="0" smtClean="0"/>
-          </a:p>
-          <a:p>
-            <a:pPr lvl="1"/>
-            <a:r>
-              <a:rPr lang="es-ES" dirty="0" smtClean="0"/>
-              <a:t>Se generan nuevos polígonos</a:t>
-            </a:r>
-          </a:p>
-          <a:p>
-            <a:r>
-              <a:rPr lang="es-ES" dirty="0" smtClean="0"/>
-              <a:t>Otras posibilidades…</a:t>
+          </a:p>
+          <a:p>
+            <a:pPr lvl="1"/>
+            <a:r>
+              <a:rPr lang="es-ES" dirty="0" smtClean="0"/>
+              <a:t>Definir la zona (radio) o y las celdas asociadas</a:t>
+            </a:r>
+          </a:p>
+          <a:p>
+            <a:pPr lvl="1"/>
+            <a:r>
+              <a:rPr lang="es-ES" dirty="0" smtClean="0"/>
+              <a:t>Limitado por la resolución (tamaño del lado de la celda)</a:t>
+            </a:r>
+          </a:p>
+          <a:p>
+            <a:pPr lvl="1"/>
+            <a:r>
+              <a:rPr lang="es-ES" dirty="0" smtClean="0"/>
+              <a:t>Es menos frecuente que vectorial</a:t>
+            </a:r>
+          </a:p>
+        </p:txBody>
+      </p:sp>
+      <p:sp>
+        <p:nvSpPr>
+          <p:cNvPr id="4" name="Marcador de contenido 3"/>
+          <p:cNvSpPr>
+            <a:spLocks noGrp="1"/>
+          </p:cNvSpPr>
+          <p:nvPr>
+            <p:ph sz="half" idx="2"/>
+          </p:nvPr>
+        </p:nvSpPr>
+        <p:spPr/>
+        <p:txBody>
+          <a:bodyPr>
+            <a:normAutofit fontScale="85000" lnSpcReduction="20000"/>
+          </a:bodyPr>
+          <a:lstStyle/>
+          <a:p>
+            <a:r>
+              <a:rPr lang="es-ES" dirty="0"/>
+              <a:t>Se usa asociada a la resolución</a:t>
+            </a:r>
+          </a:p>
+          <a:p>
+            <a:pPr lvl="1"/>
+            <a:r>
+              <a:rPr lang="es-ES" dirty="0" err="1"/>
+              <a:t>Búfering</a:t>
+            </a:r>
+            <a:r>
+              <a:rPr lang="es-ES" dirty="0"/>
+              <a:t> sobre varias cosas</a:t>
+            </a:r>
+          </a:p>
+          <a:p>
+            <a:pPr lvl="1"/>
+            <a:r>
+              <a:rPr lang="es-ES" dirty="0"/>
+              <a:t>Se disuelven luego los resultados para ver la influencia de diversos elementos a la vez</a:t>
+            </a:r>
+          </a:p>
+          <a:p>
+            <a:r>
+              <a:rPr lang="es-ES" b="1" dirty="0">
+                <a:solidFill>
+                  <a:srgbClr val="FF0000"/>
+                </a:solidFill>
+              </a:rPr>
+              <a:t>Principal </a:t>
+            </a:r>
+            <a:r>
+              <a:rPr lang="es-ES" b="1" dirty="0" smtClean="0">
+                <a:solidFill>
+                  <a:srgbClr val="FF0000"/>
+                </a:solidFill>
+              </a:rPr>
+              <a:t>aplicación</a:t>
+            </a:r>
+            <a:r>
+              <a:rPr lang="es-ES" dirty="0" smtClean="0"/>
+              <a:t>: calcular </a:t>
+            </a:r>
+            <a:r>
+              <a:rPr lang="es-ES" b="1" u="sng" dirty="0"/>
+              <a:t>distancia física </a:t>
+            </a:r>
+            <a:r>
+              <a:rPr lang="es-ES" dirty="0"/>
+              <a:t>a algo (ejemplo inicial de buscar casa</a:t>
+            </a:r>
+            <a:r>
+              <a:rPr lang="es-ES" dirty="0" smtClean="0"/>
+              <a:t>)</a:t>
+            </a:r>
+          </a:p>
+          <a:p>
+            <a:r>
+              <a:rPr lang="es-ES" u="sng" dirty="0" smtClean="0"/>
+              <a:t>En algunos casos la distancia física no es la más adecuada. </a:t>
+            </a:r>
+          </a:p>
+          <a:p>
+            <a:pPr lvl="1"/>
+            <a:r>
+              <a:rPr lang="es-ES" dirty="0" smtClean="0"/>
+              <a:t>Otro podría ser la orografía: accidentes geográficos nos impedirán ir en línea recta de un sitio a otro, no es la distancia física. </a:t>
+            </a:r>
+          </a:p>
+          <a:p>
+            <a:pPr lvl="2"/>
+            <a:r>
+              <a:rPr lang="es-ES" dirty="0" smtClean="0"/>
+              <a:t>Caso de los errores de cálculo de los GPS</a:t>
+            </a:r>
+          </a:p>
+          <a:p>
+            <a:pPr lvl="1"/>
+            <a:r>
+              <a:rPr lang="es-ES" dirty="0" smtClean="0"/>
+              <a:t>El tiempo que se tarda en llegar</a:t>
+            </a:r>
+          </a:p>
+          <a:p>
+            <a:pPr lvl="1"/>
+            <a:r>
+              <a:rPr lang="es-ES" dirty="0" smtClean="0"/>
+              <a:t>Se usan matrices de coste para calcular el coste de los caminos en función de los distintos criterios. </a:t>
             </a:r>
             <a:endParaRPr lang="es-ES" dirty="0"/>
           </a:p>
-        </p:txBody>
-      </p:sp>
-      <p:sp>
-        <p:nvSpPr>
-          <p:cNvPr id="7" name="Marcador de contenido 6"/>
-          <p:cNvSpPr>
-            <a:spLocks noGrp="1"/>
-          </p:cNvSpPr>
-          <p:nvPr>
-            <p:ph sz="half" idx="2"/>
-          </p:nvPr>
-        </p:nvSpPr>
-        <p:spPr/>
-        <p:txBody>
-          <a:bodyPr>
-            <a:normAutofit lnSpcReduction="10000"/>
-          </a:bodyPr>
-          <a:lstStyle/>
-          <a:p>
-            <a:r>
-              <a:rPr lang="es-ES" dirty="0" smtClean="0"/>
-              <a:t>Resumen:</a:t>
-            </a:r>
-          </a:p>
-          <a:p>
-            <a:pPr lvl="1"/>
-            <a:r>
-              <a:rPr lang="es-ES" dirty="0" smtClean="0"/>
-              <a:t>UNIÓN: </a:t>
-            </a:r>
-          </a:p>
-          <a:p>
-            <a:pPr lvl="1"/>
-            <a:r>
-              <a:rPr lang="es-ES" dirty="0" smtClean="0"/>
-              <a:t>INTERSECC</a:t>
-            </a:r>
-          </a:p>
-          <a:p>
-            <a:pPr lvl="1"/>
-            <a:r>
-              <a:rPr lang="es-ES" dirty="0" smtClean="0"/>
-              <a:t>IDENTIDAD: a partir de la primera, se fracciona la segunda</a:t>
-            </a:r>
+          <a:p>
             <a:endParaRPr lang="es-ES" dirty="0"/>
           </a:p>
         </p:txBody>
@@ -5036,7 +5096,7 @@
     </p:spTree>
     <p:extLst>
       <p:ext uri="{BB962C8B-B14F-4D97-AF65-F5344CB8AC3E}">
-        <p14:creationId xmlns:p14="http://schemas.microsoft.com/office/powerpoint/2010/main" val="3505114121"/>
+        <p14:creationId xmlns:p14="http://schemas.microsoft.com/office/powerpoint/2010/main" val="178221615"/>
       </p:ext>
     </p:extLst>
   </p:cSld>
@@ -5087,15 +5147,7 @@
           <a:p>
             <a:r>
               <a:rPr lang="es-ES" dirty="0" smtClean="0"/>
-              <a:t>Superposición de </a:t>
-            </a:r>
-            <a:r>
-              <a:rPr lang="es-ES" dirty="0" err="1" smtClean="0"/>
-              <a:t>ráster</a:t>
-            </a:r>
-            <a:r>
-              <a:rPr lang="es-ES" dirty="0" smtClean="0"/>
-              <a:t>. Álgebra de mapas</a:t>
+              <a:t>Superposición</a:t>
             </a:r>
             <a:endParaRPr lang="es-ES" dirty="0"/>
           </a:p>
@@ -5103,12 +5155,12 @@
       </p:sp>
       <p:sp>
         <p:nvSpPr>
-          <p:cNvPr id="3" name="Marcador de contenido 2"/>
-          <p:cNvSpPr>
-            <a:spLocks noGrp="1"/>
-          </p:cNvSpPr>
-          <p:nvPr>
-            <p:ph idx="1"/>
+          <p:cNvPr id="6" name="Marcador de contenido 5"/>
+          <p:cNvSpPr>
+            <a:spLocks noGrp="1"/>
+          </p:cNvSpPr>
+          <p:nvPr>
+            <p:ph sz="half" idx="1"/>
           </p:nvPr>
         </p:nvSpPr>
         <p:spPr/>
@@ -5119,116 +5171,67 @@
           <a:lstStyle/>
           <a:p>
             <a:r>
-              <a:rPr lang="es-ES" b="1" dirty="0" smtClean="0">
-                <a:solidFill>
-                  <a:srgbClr val="FF0000"/>
-                </a:solidFill>
-              </a:rPr>
-              <a:t>Más sencillo que los vectoriales</a:t>
-            </a:r>
-          </a:p>
-          <a:p>
-            <a:r>
-              <a:rPr lang="es-ES" dirty="0" smtClean="0"/>
-              <a:t>Tenemos valores en celdas</a:t>
-            </a:r>
-          </a:p>
-          <a:p>
-            <a:pPr lvl="1"/>
-            <a:r>
-              <a:rPr lang="es-ES" dirty="0" smtClean="0"/>
-              <a:t>Sumar</a:t>
-            </a:r>
-          </a:p>
-          <a:p>
-            <a:pPr lvl="1"/>
-            <a:r>
-              <a:rPr lang="es-ES" dirty="0" smtClean="0"/>
-              <a:t>Reclasificar</a:t>
-            </a:r>
-          </a:p>
-          <a:p>
-            <a:pPr lvl="1"/>
-            <a:r>
-              <a:rPr lang="es-ES" dirty="0" smtClean="0"/>
-              <a:t>…</a:t>
-            </a:r>
-          </a:p>
-          <a:p>
-            <a:r>
-              <a:rPr lang="es-ES" b="1" u="sng" dirty="0" smtClean="0"/>
-              <a:t>Álgebra de mapas</a:t>
-            </a:r>
-            <a:r>
-              <a:rPr lang="es-ES" dirty="0" smtClean="0"/>
-              <a:t>: operadores y funciones </a:t>
-            </a:r>
-            <a:r>
-              <a:rPr lang="es-ES" dirty="0" smtClean="0"/>
-              <a:t>originariamente </a:t>
-            </a:r>
-            <a:r>
-              <a:rPr lang="es-ES" dirty="0" smtClean="0"/>
-              <a:t>numéricos pero </a:t>
-            </a:r>
-            <a:r>
-              <a:rPr lang="es-ES" dirty="0" smtClean="0"/>
-              <a:t>aplicados </a:t>
-            </a:r>
-            <a:r>
-              <a:rPr lang="es-ES" dirty="0" smtClean="0"/>
-              <a:t>sobre </a:t>
-            </a:r>
-            <a:r>
-              <a:rPr lang="es-ES" dirty="0" smtClean="0"/>
-              <a:t>matrices. </a:t>
+              <a:rPr lang="es-ES" dirty="0" smtClean="0"/>
+              <a:t>Ejemplo: Visualización de pájaros</a:t>
+            </a:r>
+          </a:p>
+          <a:p>
+            <a:r>
+              <a:rPr lang="es-ES" dirty="0" smtClean="0"/>
+              <a:t>Tipos de bosques</a:t>
+            </a:r>
+          </a:p>
+          <a:p>
+            <a:r>
+              <a:rPr lang="es-ES" dirty="0" smtClean="0"/>
+              <a:t>Superponer puntos sobre polígonos: </a:t>
+            </a:r>
+          </a:p>
+          <a:p>
+            <a:pPr lvl="1"/>
+            <a:r>
+              <a:rPr lang="es-ES" dirty="0" smtClean="0"/>
+              <a:t>Determinar el tipo de bosque donde está cada pájaro</a:t>
+            </a:r>
+          </a:p>
+          <a:p>
+            <a:r>
+              <a:rPr lang="es-ES" dirty="0" smtClean="0"/>
+              <a:t>Superponer líneas sobre </a:t>
+            </a:r>
+            <a:r>
+              <a:rPr lang="es-ES" dirty="0" err="1" smtClean="0"/>
+              <a:t>polig</a:t>
             </a:r>
             <a:endParaRPr lang="es-ES" dirty="0" smtClean="0"/>
           </a:p>
           <a:p>
             <a:pPr lvl="1"/>
             <a:r>
-              <a:rPr lang="es-ES" b="1" dirty="0" smtClean="0"/>
-              <a:t>Calculadora de </a:t>
-            </a:r>
-            <a:r>
-              <a:rPr lang="es-ES" b="1" dirty="0" err="1" smtClean="0"/>
-              <a:t>ráster</a:t>
-            </a:r>
-            <a:r>
-              <a:rPr lang="es-ES" b="1" dirty="0" smtClean="0"/>
-              <a:t> en </a:t>
-            </a:r>
-            <a:r>
-              <a:rPr lang="es-ES" b="1" i="1" dirty="0" smtClean="0"/>
-              <a:t>software</a:t>
-            </a:r>
-            <a:r>
-              <a:rPr lang="es-ES" b="1" dirty="0" smtClean="0"/>
-              <a:t> SIG </a:t>
-            </a:r>
-            <a:r>
-              <a:rPr lang="es-ES" b="1" dirty="0" smtClean="0">
-                <a:sym typeface="Wingdings" panose="05000000000000000000" pitchFamily="2" charset="2"/>
-              </a:rPr>
-              <a:t> </a:t>
-            </a:r>
-            <a:r>
-              <a:rPr lang="es-ES" dirty="0" smtClean="0">
-                <a:sym typeface="Wingdings" panose="05000000000000000000" pitchFamily="2" charset="2"/>
-              </a:rPr>
-              <a:t>la usaremos en prácticas con QGIS</a:t>
-            </a:r>
-            <a:endParaRPr lang="es-ES" b="1" dirty="0" smtClean="0"/>
-          </a:p>
-          <a:p>
-            <a:r>
-              <a:rPr lang="es-ES" dirty="0" smtClean="0"/>
-              <a:t>Combinación de capas </a:t>
-            </a:r>
+              <a:rPr lang="es-ES" dirty="0" smtClean="0"/>
+              <a:t>Recorte de las líneas</a:t>
+            </a:r>
+          </a:p>
+          <a:p>
             <a:r>
               <a:rPr lang="es-ES" dirty="0" err="1" smtClean="0"/>
-              <a:t>ráster</a:t>
+              <a:t>Superp</a:t>
+            </a:r>
+            <a:r>
+              <a:rPr lang="es-ES" dirty="0" smtClean="0"/>
+              <a:t> </a:t>
+            </a:r>
+            <a:r>
+              <a:rPr lang="es-ES" dirty="0" err="1" smtClean="0"/>
+              <a:t>polig</a:t>
+            </a:r>
+            <a:r>
+              <a:rPr lang="es-ES" dirty="0" smtClean="0"/>
+              <a:t> con </a:t>
+            </a:r>
+            <a:r>
+              <a:rPr lang="es-ES" dirty="0" err="1" smtClean="0"/>
+              <a:t>polg</a:t>
             </a:r>
             <a:endParaRPr lang="es-ES" dirty="0" smtClean="0"/>
           </a:p>
@@ -5236,34 +5239,59 @@
             <a:pPr lvl="1"/>
             <a:r>
               <a:rPr lang="es-ES" dirty="0" smtClean="0"/>
-              <a:t>Se combinan de una determinada forma los datos asociados a cada </a:t>
-            </a:r>
-            <a:r>
-              <a:rPr lang="es-ES" dirty="0" err="1" smtClean="0"/>
-              <a:t>ráster</a:t>
-            </a:r>
-            <a:endParaRPr lang="es-ES" dirty="0" smtClean="0"/>
-          </a:p>
-          <a:p>
-            <a:pPr lvl="1"/>
-            <a:r>
-              <a:rPr lang="es-ES" dirty="0" smtClean="0"/>
-              <a:t>Se obtiene un </a:t>
-            </a:r>
-            <a:r>
-              <a:rPr lang="es-ES" dirty="0" err="1" smtClean="0"/>
-              <a:t>ráster</a:t>
-            </a:r>
-            <a:r>
-              <a:rPr lang="es-ES" dirty="0" smtClean="0"/>
-              <a:t> final resultado de la combinación de los originales.</a:t>
-            </a:r>
-          </a:p>
-          <a:p>
-            <a:pPr lvl="1"/>
-            <a:r>
-              <a:rPr lang="es-ES" dirty="0" smtClean="0"/>
-              <a:t>Ejemplo…</a:t>
+              <a:t>Se generan nuevos polígonos</a:t>
+            </a:r>
+          </a:p>
+          <a:p>
+            <a:r>
+              <a:rPr lang="es-ES" dirty="0" smtClean="0"/>
+              <a:t>Otras posibilidades…</a:t>
+            </a:r>
+            <a:endParaRPr lang="es-ES" dirty="0"/>
+          </a:p>
+        </p:txBody>
+      </p:sp>
+      <p:sp>
+        <p:nvSpPr>
+          <p:cNvPr id="7" name="Marcador de contenido 6"/>
+          <p:cNvSpPr>
+            <a:spLocks noGrp="1"/>
+          </p:cNvSpPr>
+          <p:nvPr>
+            <p:ph sz="half" idx="2"/>
+          </p:nvPr>
+        </p:nvSpPr>
+        <p:spPr/>
+        <p:txBody>
+          <a:bodyPr>
+            <a:normAutofit lnSpcReduction="10000"/>
+          </a:bodyPr>
+          <a:lstStyle/>
+          <a:p>
+            <a:r>
+              <a:rPr lang="es-ES" dirty="0" smtClean="0"/>
+              <a:t>Resumen:</a:t>
+            </a:r>
+          </a:p>
+          <a:p>
+            <a:pPr lvl="1"/>
+            <a:r>
+              <a:rPr lang="es-ES" dirty="0" smtClean="0"/>
+              <a:t>UNIÓN: </a:t>
+            </a:r>
+          </a:p>
+          <a:p>
+            <a:pPr lvl="1"/>
+            <a:r>
+              <a:rPr lang="es-ES" dirty="0" smtClean="0"/>
+              <a:t>INTERSECC</a:t>
+            </a:r>
+          </a:p>
+          <a:p>
+            <a:pPr lvl="1"/>
+            <a:r>
+              <a:rPr lang="es-ES" dirty="0" smtClean="0"/>
+              <a:t>IDENTIDAD: a partir de la primera, se fracciona la segunda</a:t>
             </a:r>
             <a:endParaRPr lang="es-ES" dirty="0"/>
           </a:p>
@@ -5272,7 +5300,7 @@
     </p:spTree>
     <p:extLst>
       <p:ext uri="{BB962C8B-B14F-4D97-AF65-F5344CB8AC3E}">
-        <p14:creationId xmlns:p14="http://schemas.microsoft.com/office/powerpoint/2010/main" val="718435982"/>
+        <p14:creationId xmlns:p14="http://schemas.microsoft.com/office/powerpoint/2010/main" val="3505114121"/>
       </p:ext>
     </p:extLst>
   </p:cSld>
@@ -5323,7 +5351,15 @@
           <a:p>
             <a:r>
               <a:rPr lang="es-ES" dirty="0" smtClean="0"/>
-              <a:t>Simplificación de problemas de análisis vectorial</a:t>
+              <a:t>Superposición de </a:t>
+            </a:r>
+            <a:r>
+              <a:rPr lang="es-ES" dirty="0" err="1" smtClean="0"/>
+              <a:t>ráster</a:t>
+            </a:r>
+            <a:r>
+              <a:rPr lang="es-ES" dirty="0" smtClean="0"/>
+              <a:t>. Álgebra de mapas</a:t>
             </a:r>
             <a:endParaRPr lang="es-ES" dirty="0"/>
           </a:p>
@@ -5341,170 +5377,145 @@
         </p:nvSpPr>
         <p:spPr/>
         <p:txBody>
-          <a:bodyPr/>
-          <a:lstStyle/>
-          <a:p>
-            <a:r>
-              <a:rPr lang="es-ES" dirty="0"/>
-              <a:t>Si las celdas de cada capa son </a:t>
-            </a:r>
-            <a:r>
-              <a:rPr lang="es-ES" dirty="0" smtClean="0"/>
-              <a:t>idénticas </a:t>
-            </a:r>
-            <a:r>
-              <a:rPr lang="es-ES" dirty="0" err="1"/>
-              <a:t>geom´etricamente</a:t>
-            </a:r>
-            <a:r>
-              <a:rPr lang="es-ES" dirty="0"/>
-              <a:t> (del </a:t>
-            </a:r>
-            <a:r>
-              <a:rPr lang="es-ES" dirty="0" smtClean="0"/>
-              <a:t>mismo tamaño</a:t>
-            </a:r>
-            <a:r>
-              <a:rPr lang="es-ES" dirty="0"/>
-              <a:t>), </a:t>
-            </a:r>
-            <a:r>
-              <a:rPr lang="es-ES" dirty="0" smtClean="0"/>
-              <a:t>los problemas </a:t>
-            </a:r>
-            <a:r>
-              <a:rPr lang="es-ES" dirty="0"/>
-              <a:t>complejos para </a:t>
-            </a:r>
-            <a:r>
-              <a:rPr lang="es-ES" dirty="0" err="1"/>
-              <a:t>an´alisis</a:t>
-            </a:r>
-            <a:r>
-              <a:rPr lang="es-ES" dirty="0"/>
-              <a:t> vectorial se </a:t>
-            </a:r>
-            <a:r>
-              <a:rPr lang="es-ES" dirty="0" smtClean="0"/>
-              <a:t>solucionan fácilmente </a:t>
-            </a:r>
-            <a:r>
-              <a:rPr lang="es-ES" dirty="0"/>
-              <a:t>con </a:t>
-            </a:r>
-            <a:r>
-              <a:rPr lang="es-ES" dirty="0" err="1"/>
-              <a:t>an´alisis</a:t>
-            </a:r>
-            <a:r>
-              <a:rPr lang="es-ES" dirty="0"/>
-              <a:t> </a:t>
-            </a:r>
-            <a:r>
-              <a:rPr lang="es-ES" dirty="0" err="1"/>
-              <a:t>raster</a:t>
-            </a:r>
-            <a:r>
-              <a:rPr lang="es-ES" dirty="0"/>
-              <a:t>.</a:t>
-            </a:r>
-          </a:p>
-          <a:p>
-            <a:r>
-              <a:rPr lang="es-ES" dirty="0"/>
-              <a:t>Ejemplo: </a:t>
-            </a:r>
-            <a:r>
-              <a:rPr lang="es-ES" dirty="0" err="1"/>
-              <a:t>An´alisis</a:t>
-            </a:r>
-            <a:r>
-              <a:rPr lang="es-ES" dirty="0"/>
-              <a:t> de la productividad de un terreno en </a:t>
-            </a:r>
-            <a:r>
-              <a:rPr lang="es-ES" dirty="0" err="1"/>
-              <a:t>funci´on</a:t>
-            </a:r>
-            <a:r>
-              <a:rPr lang="es-ES" dirty="0"/>
-              <a:t> </a:t>
-            </a:r>
-            <a:r>
-              <a:rPr lang="es-ES" dirty="0" smtClean="0"/>
-              <a:t>de capas </a:t>
-            </a:r>
-            <a:r>
-              <a:rPr lang="es-ES" dirty="0"/>
-              <a:t>de:</a:t>
-            </a:r>
-          </a:p>
-          <a:p>
-            <a:pPr lvl="1"/>
-            <a:r>
-              <a:rPr lang="es-ES" dirty="0" smtClean="0"/>
-              <a:t>Cantidad </a:t>
-            </a:r>
-            <a:r>
-              <a:rPr lang="es-ES" dirty="0"/>
-              <a:t>de fertilizante aplicada.</a:t>
-            </a:r>
-          </a:p>
-          <a:p>
-            <a:pPr lvl="1"/>
-            <a:r>
-              <a:rPr lang="es-ES" dirty="0" smtClean="0"/>
-              <a:t>Profundidad </a:t>
-            </a:r>
-            <a:r>
-              <a:rPr lang="es-ES" dirty="0"/>
-              <a:t>del agua.</a:t>
-            </a:r>
-          </a:p>
-          <a:p>
-            <a:pPr lvl="1"/>
+          <a:bodyPr>
+            <a:normAutofit lnSpcReduction="10000"/>
+          </a:bodyPr>
+          <a:lstStyle/>
+          <a:p>
+            <a:r>
+              <a:rPr lang="es-ES" b="1" dirty="0" smtClean="0">
+                <a:solidFill>
+                  <a:srgbClr val="FF0000"/>
+                </a:solidFill>
+              </a:rPr>
+              <a:t>Más sencillo que los vectoriales</a:t>
+            </a:r>
+          </a:p>
+          <a:p>
+            <a:r>
+              <a:rPr lang="es-ES" dirty="0" smtClean="0"/>
+              <a:t>Tenemos valores en celdas</a:t>
+            </a:r>
+          </a:p>
+          <a:p>
+            <a:pPr lvl="1"/>
+            <a:r>
+              <a:rPr lang="es-ES" dirty="0" smtClean="0"/>
+              <a:t>Sumar</a:t>
+            </a:r>
+          </a:p>
+          <a:p>
+            <a:pPr lvl="1"/>
+            <a:r>
+              <a:rPr lang="es-ES" dirty="0" smtClean="0"/>
+              <a:t>Reclasificar</a:t>
+            </a:r>
+          </a:p>
+          <a:p>
+            <a:pPr lvl="1"/>
+            <a:r>
+              <a:rPr lang="es-ES" dirty="0" smtClean="0"/>
+              <a:t>…</a:t>
+            </a:r>
+          </a:p>
+          <a:p>
+            <a:r>
+              <a:rPr lang="es-ES" b="1" u="sng" dirty="0" smtClean="0"/>
+              <a:t>Álgebra de mapas</a:t>
+            </a:r>
+            <a:r>
+              <a:rPr lang="es-ES" dirty="0" smtClean="0"/>
+              <a:t>: operadores y funciones originariamente numéricos pero aplicados sobre matrices. </a:t>
+            </a:r>
+          </a:p>
+          <a:p>
+            <a:pPr lvl="1"/>
+            <a:r>
+              <a:rPr lang="es-ES" b="1" dirty="0" smtClean="0"/>
+              <a:t>Calculadora de </a:t>
+            </a:r>
+            <a:r>
+              <a:rPr lang="es-ES" b="1" dirty="0" err="1" smtClean="0"/>
+              <a:t>ráster</a:t>
+            </a:r>
+            <a:r>
+              <a:rPr lang="es-ES" b="1" dirty="0" smtClean="0"/>
+              <a:t> en </a:t>
+            </a:r>
+            <a:r>
+              <a:rPr lang="es-ES" b="1" i="1" dirty="0" smtClean="0"/>
+              <a:t>software</a:t>
+            </a:r>
+            <a:r>
+              <a:rPr lang="es-ES" b="1" dirty="0" smtClean="0"/>
+              <a:t> SIG </a:t>
+            </a:r>
+            <a:r>
+              <a:rPr lang="es-ES" b="1" dirty="0" smtClean="0">
+                <a:sym typeface="Wingdings" panose="05000000000000000000" pitchFamily="2" charset="2"/>
+              </a:rPr>
+              <a:t> </a:t>
+            </a:r>
+            <a:r>
+              <a:rPr lang="es-ES" dirty="0" smtClean="0">
+                <a:sym typeface="Wingdings" panose="05000000000000000000" pitchFamily="2" charset="2"/>
+              </a:rPr>
+              <a:t>la usaremos en prácticas con QGIS</a:t>
+            </a:r>
+            <a:endParaRPr lang="es-ES" b="1" dirty="0" smtClean="0"/>
+          </a:p>
+          <a:p>
+            <a:r>
+              <a:rPr lang="es-ES" dirty="0" smtClean="0"/>
+              <a:t>Combinación de capas </a:t>
+            </a:r>
             <a:r>
               <a:rPr lang="es-ES" dirty="0" err="1" smtClean="0"/>
-              <a:t>Composici´on</a:t>
-            </a:r>
-            <a:r>
-              <a:rPr lang="es-ES" dirty="0" smtClean="0"/>
-              <a:t> </a:t>
-            </a:r>
-            <a:r>
-              <a:rPr lang="es-ES" dirty="0"/>
-              <a:t>de la tierra.</a:t>
-            </a:r>
-          </a:p>
-          <a:p>
-            <a:r>
-              <a:rPr lang="es-ES" b="1" dirty="0"/>
-              <a:t>No se necesitan operaciones de </a:t>
-            </a:r>
-            <a:r>
-              <a:rPr lang="es-ES" b="1" dirty="0" err="1"/>
-              <a:t>superposici´on</a:t>
-            </a:r>
-            <a:r>
-              <a:rPr lang="es-ES" b="1" dirty="0"/>
-              <a:t> de </a:t>
-            </a:r>
-            <a:r>
-              <a:rPr lang="es-ES" b="1" dirty="0" err="1"/>
-              <a:t>pol´ıgonos</a:t>
-            </a:r>
-            <a:r>
-              <a:rPr lang="es-ES" b="1" dirty="0"/>
-              <a:t>.</a:t>
-            </a:r>
-            <a:endParaRPr lang="es-ES" b="1" dirty="0"/>
+              <a:t>ráster</a:t>
+            </a:r>
+            <a:endParaRPr lang="es-ES" dirty="0" smtClean="0"/>
+          </a:p>
+          <a:p>
+            <a:pPr lvl="1"/>
+            <a:r>
+              <a:rPr lang="es-ES" dirty="0" smtClean="0"/>
+              <a:t>Se combinan de una determinada forma los datos asociados a cada </a:t>
+            </a:r>
+            <a:r>
+              <a:rPr lang="es-ES" dirty="0" err="1" smtClean="0"/>
+              <a:t>ráster</a:t>
+            </a:r>
+            <a:endParaRPr lang="es-ES" dirty="0" smtClean="0"/>
+          </a:p>
+          <a:p>
+            <a:pPr lvl="1"/>
+            <a:r>
+              <a:rPr lang="es-ES" dirty="0" smtClean="0"/>
+              <a:t>Se obtiene un </a:t>
+            </a:r>
+            <a:r>
+              <a:rPr lang="es-ES" dirty="0" err="1" smtClean="0"/>
+              <a:t>ráster</a:t>
+            </a:r>
+            <a:r>
+              <a:rPr lang="es-ES" dirty="0" smtClean="0"/>
+              <a:t> final resultado de la combinación de los originales.</a:t>
+            </a:r>
+          </a:p>
+          <a:p>
+            <a:pPr lvl="1"/>
+            <a:r>
+              <a:rPr lang="es-ES" dirty="0" smtClean="0"/>
+              <a:t>Ejemplo…</a:t>
+            </a:r>
+            <a:endParaRPr lang="es-ES" dirty="0"/>
           </a:p>
         </p:txBody>
       </p:sp>
     </p:spTree>
     <p:extLst>
       <p:ext uri="{BB962C8B-B14F-4D97-AF65-F5344CB8AC3E}">
-        <p14:creationId xmlns:p14="http://schemas.microsoft.com/office/powerpoint/2010/main" val="2038195802"/>
+        <p14:creationId xmlns:p14="http://schemas.microsoft.com/office/powerpoint/2010/main" val="718435982"/>
       </p:ext>
     </p:extLst>
   </p:cSld>
@@ -5540,6 +5551,237 @@
       </p:grpSpPr>
       <p:sp>
         <p:nvSpPr>
+          <p:cNvPr id="2" name="Título 1"/>
+          <p:cNvSpPr>
+            <a:spLocks noGrp="1"/>
+          </p:cNvSpPr>
+          <p:nvPr>
+            <p:ph type="title"/>
+          </p:nvPr>
+        </p:nvSpPr>
+        <p:spPr/>
+        <p:txBody>
+          <a:bodyPr/>
+          <a:lstStyle/>
+          <a:p>
+            <a:r>
+              <a:rPr lang="es-ES" dirty="0" smtClean="0"/>
+              <a:t>Simplificación de problemas de análisis vectorial</a:t>
+            </a:r>
+            <a:endParaRPr lang="es-ES" dirty="0"/>
+          </a:p>
+        </p:txBody>
+      </p:sp>
+      <p:sp>
+        <p:nvSpPr>
+          <p:cNvPr id="3" name="Marcador de contenido 2"/>
+          <p:cNvSpPr>
+            <a:spLocks noGrp="1"/>
+          </p:cNvSpPr>
+          <p:nvPr>
+            <p:ph idx="1"/>
+          </p:nvPr>
+        </p:nvSpPr>
+        <p:spPr/>
+        <p:txBody>
+          <a:bodyPr/>
+          <a:lstStyle/>
+          <a:p>
+            <a:r>
+              <a:rPr lang="es-ES" dirty="0"/>
+              <a:t>Si las celdas de cada capa son </a:t>
+            </a:r>
+            <a:r>
+              <a:rPr lang="es-ES" dirty="0" smtClean="0"/>
+              <a:t>idénticas </a:t>
+            </a:r>
+            <a:r>
+              <a:rPr lang="es-ES" dirty="0" err="1"/>
+              <a:t>geom´etricamente</a:t>
+            </a:r>
+            <a:r>
+              <a:rPr lang="es-ES" dirty="0"/>
+              <a:t> (del </a:t>
+            </a:r>
+            <a:r>
+              <a:rPr lang="es-ES" dirty="0" smtClean="0"/>
+              <a:t>mismo tamaño</a:t>
+            </a:r>
+            <a:r>
+              <a:rPr lang="es-ES" dirty="0"/>
+              <a:t>), </a:t>
+            </a:r>
+            <a:r>
+              <a:rPr lang="es-ES" dirty="0" smtClean="0"/>
+              <a:t>los problemas </a:t>
+            </a:r>
+            <a:r>
+              <a:rPr lang="es-ES" dirty="0"/>
+              <a:t>complejos para </a:t>
+            </a:r>
+            <a:r>
+              <a:rPr lang="es-ES" dirty="0" err="1"/>
+              <a:t>an´alisis</a:t>
+            </a:r>
+            <a:r>
+              <a:rPr lang="es-ES" dirty="0"/>
+              <a:t> vectorial se </a:t>
+            </a:r>
+            <a:r>
+              <a:rPr lang="es-ES" dirty="0" smtClean="0"/>
+              <a:t>solucionan fácilmente </a:t>
+            </a:r>
+            <a:r>
+              <a:rPr lang="es-ES" dirty="0"/>
+              <a:t>con </a:t>
+            </a:r>
+            <a:r>
+              <a:rPr lang="es-ES" dirty="0" err="1"/>
+              <a:t>an´alisis</a:t>
+            </a:r>
+            <a:r>
+              <a:rPr lang="es-ES" dirty="0"/>
+              <a:t> </a:t>
+            </a:r>
+            <a:r>
+              <a:rPr lang="es-ES" dirty="0" err="1"/>
+              <a:t>raster</a:t>
+            </a:r>
+            <a:r>
+              <a:rPr lang="es-ES" dirty="0"/>
+              <a:t>.</a:t>
+            </a:r>
+          </a:p>
+          <a:p>
+            <a:r>
+              <a:rPr lang="es-ES" dirty="0"/>
+              <a:t>Ejemplo: </a:t>
+            </a:r>
+            <a:r>
+              <a:rPr lang="es-ES" dirty="0" err="1"/>
+              <a:t>An´alisis</a:t>
+            </a:r>
+            <a:r>
+              <a:rPr lang="es-ES" dirty="0"/>
+              <a:t> de la productividad de un terreno en </a:t>
+            </a:r>
+            <a:r>
+              <a:rPr lang="es-ES" dirty="0" err="1"/>
+              <a:t>funci´on</a:t>
+            </a:r>
+            <a:r>
+              <a:rPr lang="es-ES" dirty="0"/>
+              <a:t> </a:t>
+            </a:r>
+            <a:r>
+              <a:rPr lang="es-ES" dirty="0" smtClean="0"/>
+              <a:t>de capas </a:t>
+            </a:r>
+            <a:r>
+              <a:rPr lang="es-ES" dirty="0"/>
+              <a:t>de:</a:t>
+            </a:r>
+          </a:p>
+          <a:p>
+            <a:pPr lvl="1"/>
+            <a:r>
+              <a:rPr lang="es-ES" dirty="0" smtClean="0"/>
+              <a:t>Cantidad </a:t>
+            </a:r>
+            <a:r>
+              <a:rPr lang="es-ES" dirty="0"/>
+              <a:t>de fertilizante aplicada.</a:t>
+            </a:r>
+          </a:p>
+          <a:p>
+            <a:pPr lvl="1"/>
+            <a:r>
+              <a:rPr lang="es-ES" dirty="0" smtClean="0"/>
+              <a:t>Profundidad </a:t>
+            </a:r>
+            <a:r>
+              <a:rPr lang="es-ES" dirty="0"/>
+              <a:t>del agua.</a:t>
+            </a:r>
+          </a:p>
+          <a:p>
+            <a:pPr lvl="1"/>
+            <a:r>
+              <a:rPr lang="es-ES" dirty="0" err="1" smtClean="0"/>
+              <a:t>Composici´on</a:t>
+            </a:r>
+            <a:r>
+              <a:rPr lang="es-ES" dirty="0" smtClean="0"/>
+              <a:t> </a:t>
+            </a:r>
+            <a:r>
+              <a:rPr lang="es-ES" dirty="0"/>
+              <a:t>de la tierra.</a:t>
+            </a:r>
+          </a:p>
+          <a:p>
+            <a:r>
+              <a:rPr lang="es-ES" b="1" dirty="0"/>
+              <a:t>No se necesitan operaciones de </a:t>
+            </a:r>
+            <a:r>
+              <a:rPr lang="es-ES" b="1" dirty="0" smtClean="0"/>
+              <a:t>superposición </a:t>
+            </a:r>
+            <a:r>
+              <a:rPr lang="es-ES" b="1" dirty="0"/>
+              <a:t>de </a:t>
+            </a:r>
+            <a:r>
+              <a:rPr lang="es-ES" b="1" dirty="0" smtClean="0"/>
+              <a:t>polígonos</a:t>
+            </a:r>
+            <a:r>
+              <a:rPr lang="es-ES" b="1" dirty="0"/>
+              <a:t>.</a:t>
+            </a:r>
+          </a:p>
+        </p:txBody>
+      </p:sp>
+    </p:spTree>
+    <p:extLst>
+      <p:ext uri="{BB962C8B-B14F-4D97-AF65-F5344CB8AC3E}">
+        <p14:creationId xmlns:p14="http://schemas.microsoft.com/office/powerpoint/2010/main" val="2038195802"/>
+      </p:ext>
+    </p:extLst>
+  </p:cSld>
+  <p:clrMapOvr>
+    <a:masterClrMapping/>
+  </p:clrMapOvr>
+  <p:timing>
+    <p:tnLst>
+      <p:par>
+        <p:cTn id="1" dur="indefinite" restart="never" nodeType="tmRoot"/>
+      </p:par>
+    </p:tnLst>
+  </p:timing>
+</p:sld>
+</file>
+
+<file path=ppt/slides/slide19.xml><?xml version="1.0" encoding="utf-8"?>
+<p:sld xmlns:a="http://schemas.openxmlformats.org/drawingml/2006/main" xmlns:r="http://schemas.openxmlformats.org/officeDocument/2006/relationships" xmlns:p="http://schemas.openxmlformats.org/presentationml/2006/main">
+  <p:cSld>
+    <p:spTree>
+      <p:nvGrpSpPr>
+        <p:cNvPr id="1" name=""/>
+        <p:cNvGrpSpPr/>
+        <p:nvPr/>
+      </p:nvGrpSpPr>
+      <p:grpSpPr>
+        <a:xfrm>
+          <a:off x="0" y="0"/>
+          <a:ext cx="0" cy="0"/>
+          <a:chOff x="0" y="0"/>
+          <a:chExt cx="0" cy="0"/>
+        </a:xfrm>
+      </p:grpSpPr>
+      <p:sp>
+        <p:nvSpPr>
           <p:cNvPr id="4" name="Título 3"/>
           <p:cNvSpPr>
             <a:spLocks noGrp="1"/>
@@ -5576,7 +5818,26 @@
           <a:bodyPr/>
           <a:lstStyle/>
           <a:p>
-            <a:endParaRPr lang="es-ES"/>
+            <a:r>
+              <a:rPr lang="es-ES" dirty="0" smtClean="0"/>
+              <a:t>Técnicas</a:t>
+            </a:r>
+          </a:p>
+          <a:p>
+            <a:pPr lvl="1"/>
+            <a:r>
+              <a:rPr lang="es-ES" dirty="0" err="1" smtClean="0"/>
+              <a:t>Slope</a:t>
+            </a:r>
+            <a:endParaRPr lang="es-ES" dirty="0" smtClean="0"/>
+          </a:p>
+          <a:p>
+            <a:pPr lvl="1"/>
+            <a:r>
+              <a:rPr lang="es-ES" dirty="0" smtClean="0"/>
+              <a:t>…</a:t>
+            </a:r>
+            <a:endParaRPr lang="es-ES" dirty="0"/>
           </a:p>
         </p:txBody>
       </p:sp>
@@ -5653,6 +5914,1406 @@
           <a:p>
             <a:r>
               <a:rPr lang="es-ES" dirty="0" smtClean="0"/>
+              <a:t>Contenidos </a:t>
+            </a:r>
+            <a:endParaRPr lang="es-ES" dirty="0"/>
+          </a:p>
+        </p:txBody>
+      </p:sp>
+      <p:sp>
+        <p:nvSpPr>
+          <p:cNvPr id="3" name="Marcador de contenido 2"/>
+          <p:cNvSpPr>
+            <a:spLocks noGrp="1"/>
+          </p:cNvSpPr>
+          <p:nvPr>
+            <p:ph idx="1"/>
+          </p:nvPr>
+        </p:nvSpPr>
+        <p:spPr/>
+        <p:txBody>
+          <a:bodyPr/>
+          <a:lstStyle/>
+          <a:p>
+            <a:endParaRPr lang="es-ES"/>
+          </a:p>
+        </p:txBody>
+      </p:sp>
+    </p:spTree>
+    <p:extLst>
+      <p:ext uri="{BB962C8B-B14F-4D97-AF65-F5344CB8AC3E}">
+        <p14:creationId xmlns:p14="http://schemas.microsoft.com/office/powerpoint/2010/main" val="862522246"/>
+      </p:ext>
+    </p:extLst>
+  </p:cSld>
+  <p:clrMapOvr>
+    <a:masterClrMapping/>
+  </p:clrMapOvr>
+  <p:timing>
+    <p:tnLst>
+      <p:par>
+        <p:cTn id="1" dur="indefinite" restart="never" nodeType="tmRoot"/>
+      </p:par>
+    </p:tnLst>
+  </p:timing>
+</p:sld>
+</file>
+
+<file path=ppt/slides/slide20.xml><?xml version="1.0" encoding="utf-8"?>
+<p:sld xmlns:a="http://schemas.openxmlformats.org/drawingml/2006/main" xmlns:r="http://schemas.openxmlformats.org/officeDocument/2006/relationships" xmlns:p="http://schemas.openxmlformats.org/presentationml/2006/main">
+  <p:cSld>
+    <p:spTree>
+      <p:nvGrpSpPr>
+        <p:cNvPr id="1" name=""/>
+        <p:cNvGrpSpPr/>
+        <p:nvPr/>
+      </p:nvGrpSpPr>
+      <p:grpSpPr>
+        <a:xfrm>
+          <a:off x="0" y="0"/>
+          <a:ext cx="0" cy="0"/>
+          <a:chOff x="0" y="0"/>
+          <a:chExt cx="0" cy="0"/>
+        </a:xfrm>
+      </p:grpSpPr>
+      <p:sp>
+        <p:nvSpPr>
+          <p:cNvPr id="5" name="Título 4"/>
+          <p:cNvSpPr>
+            <a:spLocks noGrp="1"/>
+          </p:cNvSpPr>
+          <p:nvPr>
+            <p:ph type="title"/>
+          </p:nvPr>
+        </p:nvSpPr>
+        <p:spPr/>
+        <p:txBody>
+          <a:bodyPr/>
+          <a:lstStyle/>
+          <a:p>
+            <a:r>
+              <a:rPr lang="es-ES" dirty="0" smtClean="0"/>
+              <a:t>Motivación y punto de partida </a:t>
+            </a:r>
+            <a:endParaRPr lang="es-ES" dirty="0"/>
+          </a:p>
+        </p:txBody>
+      </p:sp>
+      <p:sp>
+        <p:nvSpPr>
+          <p:cNvPr id="6" name="Marcador de contenido 5"/>
+          <p:cNvSpPr>
+            <a:spLocks noGrp="1"/>
+          </p:cNvSpPr>
+          <p:nvPr>
+            <p:ph idx="1"/>
+          </p:nvPr>
+        </p:nvSpPr>
+        <p:spPr/>
+        <p:txBody>
+          <a:bodyPr/>
+          <a:lstStyle/>
+          <a:p>
+            <a:r>
+              <a:rPr lang="es-ES" dirty="0" smtClean="0"/>
+              <a:t>Son útiles en muchos campos</a:t>
+            </a:r>
+          </a:p>
+          <a:p>
+            <a:pPr lvl="1"/>
+            <a:r>
+              <a:rPr lang="es-ES" dirty="0" smtClean="0"/>
+              <a:t>Análisis hidrológico</a:t>
+            </a:r>
+          </a:p>
+          <a:p>
+            <a:pPr lvl="1"/>
+            <a:endParaRPr lang="es-ES" dirty="0"/>
+          </a:p>
+          <a:p>
+            <a:r>
+              <a:rPr lang="es-ES" dirty="0" smtClean="0"/>
+              <a:t>Punto de partida:</a:t>
+            </a:r>
+          </a:p>
+          <a:p>
+            <a:pPr lvl="1"/>
+            <a:r>
+              <a:rPr lang="es-ES" dirty="0" smtClean="0"/>
+              <a:t>MDT es esencial para estas técnicas</a:t>
+            </a:r>
+          </a:p>
+          <a:p>
+            <a:pPr lvl="1"/>
+            <a:r>
+              <a:rPr lang="es-ES" dirty="0" smtClean="0"/>
+              <a:t>MDT se suele presentar mediante archivos </a:t>
+            </a:r>
+            <a:r>
+              <a:rPr lang="es-ES" dirty="0" err="1" smtClean="0"/>
+              <a:t>raster</a:t>
+            </a:r>
+            <a:r>
+              <a:rPr lang="es-ES" dirty="0" smtClean="0"/>
+              <a:t>, donde cada celda es la elevación</a:t>
+            </a:r>
+          </a:p>
+          <a:p>
+            <a:pPr lvl="1"/>
+            <a:r>
+              <a:rPr lang="es-ES" dirty="0" smtClean="0"/>
+              <a:t>También se puede expresar con ficheros vectoriales (puntos, líneas de nivel, triángulos, etc.)</a:t>
+            </a:r>
+          </a:p>
+          <a:p>
+            <a:pPr lvl="1"/>
+            <a:endParaRPr lang="es-ES" dirty="0"/>
+          </a:p>
+        </p:txBody>
+      </p:sp>
+    </p:spTree>
+    <p:extLst>
+      <p:ext uri="{BB962C8B-B14F-4D97-AF65-F5344CB8AC3E}">
+        <p14:creationId xmlns:p14="http://schemas.microsoft.com/office/powerpoint/2010/main" val="366678836"/>
+      </p:ext>
+    </p:extLst>
+  </p:cSld>
+  <p:clrMapOvr>
+    <a:masterClrMapping/>
+  </p:clrMapOvr>
+  <p:timing>
+    <p:tnLst>
+      <p:par>
+        <p:cTn id="1" dur="indefinite" restart="never" nodeType="tmRoot"/>
+      </p:par>
+    </p:tnLst>
+  </p:timing>
+</p:sld>
+</file>
+
+<file path=ppt/slides/slide21.xml><?xml version="1.0" encoding="utf-8"?>
+<p:sld xmlns:a="http://schemas.openxmlformats.org/drawingml/2006/main" xmlns:r="http://schemas.openxmlformats.org/officeDocument/2006/relationships" xmlns:p="http://schemas.openxmlformats.org/presentationml/2006/main">
+  <p:cSld>
+    <p:spTree>
+      <p:nvGrpSpPr>
+        <p:cNvPr id="1" name=""/>
+        <p:cNvGrpSpPr/>
+        <p:nvPr/>
+      </p:nvGrpSpPr>
+      <p:grpSpPr>
+        <a:xfrm>
+          <a:off x="0" y="0"/>
+          <a:ext cx="0" cy="0"/>
+          <a:chOff x="0" y="0"/>
+          <a:chExt cx="0" cy="0"/>
+        </a:xfrm>
+      </p:grpSpPr>
+      <p:sp>
+        <p:nvSpPr>
+          <p:cNvPr id="2" name="Título 1"/>
+          <p:cNvSpPr>
+            <a:spLocks noGrp="1"/>
+          </p:cNvSpPr>
+          <p:nvPr>
+            <p:ph type="title"/>
+          </p:nvPr>
+        </p:nvSpPr>
+        <p:spPr/>
+        <p:txBody>
+          <a:bodyPr/>
+          <a:lstStyle/>
+          <a:p>
+            <a:r>
+              <a:rPr lang="es-ES" dirty="0" err="1" smtClean="0"/>
+              <a:t>Slope</a:t>
+            </a:r>
+            <a:r>
+              <a:rPr lang="es-ES" dirty="0" smtClean="0"/>
+              <a:t> </a:t>
+            </a:r>
+            <a:endParaRPr lang="es-ES" dirty="0"/>
+          </a:p>
+        </p:txBody>
+      </p:sp>
+      <p:sp>
+        <p:nvSpPr>
+          <p:cNvPr id="3" name="Marcador de contenido 2"/>
+          <p:cNvSpPr>
+            <a:spLocks noGrp="1"/>
+          </p:cNvSpPr>
+          <p:nvPr>
+            <p:ph idx="1"/>
+          </p:nvPr>
+        </p:nvSpPr>
+        <p:spPr/>
+        <p:txBody>
+          <a:bodyPr/>
+          <a:lstStyle/>
+          <a:p>
+            <a:r>
+              <a:rPr lang="es-ES" dirty="0" smtClean="0">
+                <a:latin typeface="Eras Bold ITC" panose="020B0907030504020204" pitchFamily="34" charset="0"/>
+              </a:rPr>
+              <a:t>Representación de la pendiente del terreno</a:t>
+            </a:r>
+          </a:p>
+          <a:p>
+            <a:r>
+              <a:rPr lang="es-ES" dirty="0" smtClean="0"/>
+              <a:t>Se </a:t>
+            </a:r>
+            <a:r>
+              <a:rPr lang="es-ES" dirty="0" err="1"/>
+              <a:t>s</a:t>
+            </a:r>
+            <a:r>
+              <a:rPr lang="es-ES" dirty="0" err="1" smtClean="0"/>
+              <a:t>uede</a:t>
+            </a:r>
+            <a:r>
+              <a:rPr lang="es-ES" dirty="0" smtClean="0"/>
+              <a:t> considerar o representar como un porcentaje de la altura sobre la longitud</a:t>
+            </a:r>
+          </a:p>
+          <a:p>
+            <a:r>
+              <a:rPr lang="es-ES" dirty="0" smtClean="0"/>
+              <a:t>Mapa de pendientes</a:t>
+            </a:r>
+          </a:p>
+          <a:p>
+            <a:pPr lvl="1"/>
+            <a:r>
+              <a:rPr lang="es-ES" dirty="0" smtClean="0"/>
+              <a:t>Análisis sofisticado mediante condiciones concretas sobre el terreno</a:t>
+            </a:r>
+          </a:p>
+          <a:p>
+            <a:pPr lvl="1"/>
+            <a:r>
+              <a:rPr lang="es-ES" dirty="0" smtClean="0"/>
+              <a:t>Construcción de algoritmos de encaminamiento </a:t>
+            </a:r>
+          </a:p>
+          <a:p>
+            <a:endParaRPr lang="es-ES" dirty="0" smtClean="0"/>
+          </a:p>
+        </p:txBody>
+      </p:sp>
+    </p:spTree>
+    <p:extLst>
+      <p:ext uri="{BB962C8B-B14F-4D97-AF65-F5344CB8AC3E}">
+        <p14:creationId xmlns:p14="http://schemas.microsoft.com/office/powerpoint/2010/main" val="3490365674"/>
+      </p:ext>
+    </p:extLst>
+  </p:cSld>
+  <p:clrMapOvr>
+    <a:masterClrMapping/>
+  </p:clrMapOvr>
+  <p:timing>
+    <p:tnLst>
+      <p:par>
+        <p:cTn id="1" dur="indefinite" restart="never" nodeType="tmRoot"/>
+      </p:par>
+    </p:tnLst>
+  </p:timing>
+</p:sld>
+</file>
+
+<file path=ppt/slides/slide22.xml><?xml version="1.0" encoding="utf-8"?>
+<p:sld xmlns:a="http://schemas.openxmlformats.org/drawingml/2006/main" xmlns:r="http://schemas.openxmlformats.org/officeDocument/2006/relationships" xmlns:p="http://schemas.openxmlformats.org/presentationml/2006/main">
+  <p:cSld>
+    <p:spTree>
+      <p:nvGrpSpPr>
+        <p:cNvPr id="1" name=""/>
+        <p:cNvGrpSpPr/>
+        <p:nvPr/>
+      </p:nvGrpSpPr>
+      <p:grpSpPr>
+        <a:xfrm>
+          <a:off x="0" y="0"/>
+          <a:ext cx="0" cy="0"/>
+          <a:chOff x="0" y="0"/>
+          <a:chExt cx="0" cy="0"/>
+        </a:xfrm>
+      </p:grpSpPr>
+      <p:sp>
+        <p:nvSpPr>
+          <p:cNvPr id="2" name="Título 1"/>
+          <p:cNvSpPr>
+            <a:spLocks noGrp="1"/>
+          </p:cNvSpPr>
+          <p:nvPr>
+            <p:ph type="title"/>
+          </p:nvPr>
+        </p:nvSpPr>
+        <p:spPr/>
+        <p:txBody>
+          <a:bodyPr/>
+          <a:lstStyle/>
+          <a:p>
+            <a:r>
+              <a:rPr lang="es-ES" dirty="0" err="1" smtClean="0"/>
+              <a:t>Aspect</a:t>
+            </a:r>
+            <a:r>
+              <a:rPr lang="es-ES" dirty="0" smtClean="0"/>
+              <a:t> </a:t>
+            </a:r>
+            <a:endParaRPr lang="es-ES" dirty="0"/>
+          </a:p>
+        </p:txBody>
+      </p:sp>
+      <p:sp>
+        <p:nvSpPr>
+          <p:cNvPr id="3" name="Marcador de contenido 2"/>
+          <p:cNvSpPr>
+            <a:spLocks noGrp="1"/>
+          </p:cNvSpPr>
+          <p:nvPr>
+            <p:ph idx="1"/>
+          </p:nvPr>
+        </p:nvSpPr>
+        <p:spPr/>
+        <p:txBody>
+          <a:bodyPr/>
+          <a:lstStyle/>
+          <a:p>
+            <a:r>
+              <a:rPr lang="es-ES" dirty="0" smtClean="0">
+                <a:latin typeface="Eras Bold ITC" panose="020B0907030504020204" pitchFamily="34" charset="0"/>
+              </a:rPr>
+              <a:t>Asignar número, grados, que representa la orientación respecto al norte</a:t>
+            </a:r>
+          </a:p>
+          <a:p>
+            <a:r>
+              <a:rPr lang="es-ES" dirty="0" smtClean="0"/>
+              <a:t>Variantes</a:t>
+            </a:r>
+          </a:p>
+          <a:p>
+            <a:pPr lvl="1"/>
+            <a:r>
+              <a:rPr lang="es-ES" dirty="0" err="1" smtClean="0"/>
+              <a:t>Ritter</a:t>
+            </a:r>
+            <a:endParaRPr lang="es-ES" dirty="0" smtClean="0"/>
+          </a:p>
+          <a:p>
+            <a:pPr lvl="1"/>
+            <a:r>
+              <a:rPr lang="es-ES" dirty="0" err="1" smtClean="0"/>
+              <a:t>Horn</a:t>
+            </a:r>
+            <a:endParaRPr lang="es-ES" dirty="0" smtClean="0"/>
+          </a:p>
+          <a:p>
+            <a:r>
+              <a:rPr lang="es-ES" dirty="0" smtClean="0"/>
+              <a:t>Para cada celda, tenemos la orientación</a:t>
+            </a:r>
+          </a:p>
+          <a:p>
+            <a:pPr lvl="1"/>
+            <a:r>
+              <a:rPr lang="es-ES" dirty="0" err="1" smtClean="0"/>
+              <a:t>Raster</a:t>
+            </a:r>
+            <a:r>
+              <a:rPr lang="es-ES" dirty="0" smtClean="0"/>
+              <a:t> planos: valor -1</a:t>
+            </a:r>
+          </a:p>
+          <a:p>
+            <a:pPr lvl="1"/>
+            <a:r>
+              <a:rPr lang="es-ES" dirty="0" smtClean="0"/>
+              <a:t>El resto: </a:t>
+            </a:r>
+          </a:p>
+          <a:p>
+            <a:pPr lvl="1"/>
+            <a:r>
+              <a:rPr lang="es-ES" dirty="0" smtClean="0"/>
+              <a:t>Cada celda contiene grados relativos</a:t>
+            </a:r>
+          </a:p>
+          <a:p>
+            <a:pPr lvl="2"/>
+            <a:r>
+              <a:rPr lang="es-ES" dirty="0" smtClean="0"/>
+              <a:t>Se obtienen en comparación con el resto de celdas</a:t>
+            </a:r>
+            <a:endParaRPr lang="es-ES" dirty="0"/>
+          </a:p>
+        </p:txBody>
+      </p:sp>
+    </p:spTree>
+    <p:extLst>
+      <p:ext uri="{BB962C8B-B14F-4D97-AF65-F5344CB8AC3E}">
+        <p14:creationId xmlns:p14="http://schemas.microsoft.com/office/powerpoint/2010/main" val="4151470543"/>
+      </p:ext>
+    </p:extLst>
+  </p:cSld>
+  <p:clrMapOvr>
+    <a:masterClrMapping/>
+  </p:clrMapOvr>
+  <p:timing>
+    <p:tnLst>
+      <p:par>
+        <p:cTn id="1" dur="indefinite" restart="never" nodeType="tmRoot"/>
+      </p:par>
+    </p:tnLst>
+  </p:timing>
+</p:sld>
+</file>
+
+<file path=ppt/slides/slide23.xml><?xml version="1.0" encoding="utf-8"?>
+<p:sld xmlns:a="http://schemas.openxmlformats.org/drawingml/2006/main" xmlns:r="http://schemas.openxmlformats.org/officeDocument/2006/relationships" xmlns:p="http://schemas.openxmlformats.org/presentationml/2006/main">
+  <p:cSld>
+    <p:spTree>
+      <p:nvGrpSpPr>
+        <p:cNvPr id="1" name=""/>
+        <p:cNvGrpSpPr/>
+        <p:nvPr/>
+      </p:nvGrpSpPr>
+      <p:grpSpPr>
+        <a:xfrm>
+          <a:off x="0" y="0"/>
+          <a:ext cx="0" cy="0"/>
+          <a:chOff x="0" y="0"/>
+          <a:chExt cx="0" cy="0"/>
+        </a:xfrm>
+      </p:grpSpPr>
+      <p:sp>
+        <p:nvSpPr>
+          <p:cNvPr id="2" name="Título 1"/>
+          <p:cNvSpPr>
+            <a:spLocks noGrp="1"/>
+          </p:cNvSpPr>
+          <p:nvPr>
+            <p:ph type="title"/>
+          </p:nvPr>
+        </p:nvSpPr>
+        <p:spPr/>
+        <p:txBody>
+          <a:bodyPr/>
+          <a:lstStyle/>
+          <a:p>
+            <a:r>
+              <a:rPr lang="es-ES" dirty="0" smtClean="0"/>
+              <a:t>Perfil </a:t>
+            </a:r>
+            <a:endParaRPr lang="es-ES" dirty="0"/>
+          </a:p>
+        </p:txBody>
+      </p:sp>
+      <p:sp>
+        <p:nvSpPr>
+          <p:cNvPr id="3" name="Marcador de contenido 2"/>
+          <p:cNvSpPr>
+            <a:spLocks noGrp="1"/>
+          </p:cNvSpPr>
+          <p:nvPr>
+            <p:ph idx="1"/>
+          </p:nvPr>
+        </p:nvSpPr>
+        <p:spPr/>
+        <p:txBody>
+          <a:bodyPr/>
+          <a:lstStyle/>
+          <a:p>
+            <a:r>
+              <a:rPr lang="es-ES" dirty="0" smtClean="0"/>
+              <a:t>Definimos una línea (vectorial) sobre el </a:t>
+            </a:r>
+            <a:r>
+              <a:rPr lang="es-ES" dirty="0" err="1" smtClean="0"/>
+              <a:t>ráster</a:t>
+            </a:r>
+            <a:endParaRPr lang="es-ES" dirty="0" smtClean="0"/>
+          </a:p>
+          <a:p>
+            <a:r>
+              <a:rPr lang="es-ES" dirty="0" smtClean="0"/>
+              <a:t>Tomamos un punto de intersección y obtenemos la altitud</a:t>
+            </a:r>
+          </a:p>
+          <a:p>
+            <a:pPr lvl="1"/>
+            <a:r>
+              <a:rPr lang="es-ES" dirty="0" smtClean="0"/>
+              <a:t>Así se obtiene el perfil</a:t>
+            </a:r>
+            <a:endParaRPr lang="es-ES" dirty="0"/>
+          </a:p>
+        </p:txBody>
+      </p:sp>
+      <p:pic>
+        <p:nvPicPr>
+          <p:cNvPr id="4" name="Imagen 3"/>
+          <p:cNvPicPr>
+            <a:picLocks noChangeAspect="1"/>
+          </p:cNvPicPr>
+          <p:nvPr/>
+        </p:nvPicPr>
+        <p:blipFill>
+          <a:blip r:embed="rId2"/>
+          <a:stretch>
+            <a:fillRect/>
+          </a:stretch>
+        </p:blipFill>
+        <p:spPr>
+          <a:xfrm>
+            <a:off x="822959" y="3143250"/>
+            <a:ext cx="7743825" cy="3714750"/>
+          </a:xfrm>
+          <a:prstGeom prst="rect">
+            <a:avLst/>
+          </a:prstGeom>
+        </p:spPr>
+      </p:pic>
+    </p:spTree>
+    <p:extLst>
+      <p:ext uri="{BB962C8B-B14F-4D97-AF65-F5344CB8AC3E}">
+        <p14:creationId xmlns:p14="http://schemas.microsoft.com/office/powerpoint/2010/main" val="3891780622"/>
+      </p:ext>
+    </p:extLst>
+  </p:cSld>
+  <p:clrMapOvr>
+    <a:masterClrMapping/>
+  </p:clrMapOvr>
+  <p:timing>
+    <p:tnLst>
+      <p:par>
+        <p:cTn id="1" dur="indefinite" restart="never" nodeType="tmRoot"/>
+      </p:par>
+    </p:tnLst>
+  </p:timing>
+</p:sld>
+</file>
+
+<file path=ppt/slides/slide24.xml><?xml version="1.0" encoding="utf-8"?>
+<p:sld xmlns:a="http://schemas.openxmlformats.org/drawingml/2006/main" xmlns:r="http://schemas.openxmlformats.org/officeDocument/2006/relationships" xmlns:p="http://schemas.openxmlformats.org/presentationml/2006/main">
+  <p:cSld>
+    <p:spTree>
+      <p:nvGrpSpPr>
+        <p:cNvPr id="1" name=""/>
+        <p:cNvGrpSpPr/>
+        <p:nvPr/>
+      </p:nvGrpSpPr>
+      <p:grpSpPr>
+        <a:xfrm>
+          <a:off x="0" y="0"/>
+          <a:ext cx="0" cy="0"/>
+          <a:chOff x="0" y="0"/>
+          <a:chExt cx="0" cy="0"/>
+        </a:xfrm>
+      </p:grpSpPr>
+      <p:sp>
+        <p:nvSpPr>
+          <p:cNvPr id="2" name="Título 1"/>
+          <p:cNvSpPr>
+            <a:spLocks noGrp="1"/>
+          </p:cNvSpPr>
+          <p:nvPr>
+            <p:ph type="title"/>
+          </p:nvPr>
+        </p:nvSpPr>
+        <p:spPr/>
+        <p:txBody>
+          <a:bodyPr/>
+          <a:lstStyle/>
+          <a:p>
+            <a:r>
+              <a:rPr lang="es-ES" dirty="0" smtClean="0"/>
+              <a:t>Curvatura </a:t>
+            </a:r>
+            <a:endParaRPr lang="es-ES" dirty="0"/>
+          </a:p>
+        </p:txBody>
+      </p:sp>
+      <p:sp>
+        <p:nvSpPr>
+          <p:cNvPr id="3" name="Marcador de contenido 2"/>
+          <p:cNvSpPr>
+            <a:spLocks noGrp="1"/>
+          </p:cNvSpPr>
+          <p:nvPr>
+            <p:ph idx="1"/>
+          </p:nvPr>
+        </p:nvSpPr>
+        <p:spPr/>
+        <p:txBody>
+          <a:bodyPr/>
+          <a:lstStyle/>
+          <a:p>
+            <a:r>
+              <a:rPr lang="es-ES" dirty="0" smtClean="0"/>
+              <a:t>Determinar si la curvatura es </a:t>
+            </a:r>
+          </a:p>
+          <a:p>
+            <a:pPr lvl="1"/>
+            <a:r>
+              <a:rPr lang="es-ES" dirty="0" err="1" smtClean="0"/>
+              <a:t>Convcava</a:t>
+            </a:r>
+            <a:r>
+              <a:rPr lang="es-ES" dirty="0" smtClean="0"/>
+              <a:t> o convexa</a:t>
+            </a:r>
+          </a:p>
+          <a:p>
+            <a:r>
+              <a:rPr lang="es-ES" dirty="0" smtClean="0"/>
+              <a:t>A lo largo de un perfil, determinar la altitud</a:t>
+            </a:r>
+          </a:p>
+          <a:p>
+            <a:pPr lvl="1"/>
+            <a:r>
+              <a:rPr lang="es-ES" dirty="0" smtClean="0"/>
+              <a:t>Ver si lo q rodea a lo q quiero es más alto o no</a:t>
+            </a:r>
+            <a:endParaRPr lang="es-ES" dirty="0"/>
+          </a:p>
+        </p:txBody>
+      </p:sp>
+    </p:spTree>
+    <p:extLst>
+      <p:ext uri="{BB962C8B-B14F-4D97-AF65-F5344CB8AC3E}">
+        <p14:creationId xmlns:p14="http://schemas.microsoft.com/office/powerpoint/2010/main" val="3249487929"/>
+      </p:ext>
+    </p:extLst>
+  </p:cSld>
+  <p:clrMapOvr>
+    <a:masterClrMapping/>
+  </p:clrMapOvr>
+  <p:timing>
+    <p:tnLst>
+      <p:par>
+        <p:cTn id="1" dur="indefinite" restart="never" nodeType="tmRoot"/>
+      </p:par>
+    </p:tnLst>
+  </p:timing>
+</p:sld>
+</file>
+
+<file path=ppt/slides/slide25.xml><?xml version="1.0" encoding="utf-8"?>
+<p:sld xmlns:a="http://schemas.openxmlformats.org/drawingml/2006/main" xmlns:r="http://schemas.openxmlformats.org/officeDocument/2006/relationships" xmlns:p="http://schemas.openxmlformats.org/presentationml/2006/main">
+  <p:cSld>
+    <p:spTree>
+      <p:nvGrpSpPr>
+        <p:cNvPr id="1" name=""/>
+        <p:cNvGrpSpPr/>
+        <p:nvPr/>
+      </p:nvGrpSpPr>
+      <p:grpSpPr>
+        <a:xfrm>
+          <a:off x="0" y="0"/>
+          <a:ext cx="0" cy="0"/>
+          <a:chOff x="0" y="0"/>
+          <a:chExt cx="0" cy="0"/>
+        </a:xfrm>
+      </p:grpSpPr>
+      <p:sp>
+        <p:nvSpPr>
+          <p:cNvPr id="2" name="Título 1"/>
+          <p:cNvSpPr>
+            <a:spLocks noGrp="1"/>
+          </p:cNvSpPr>
+          <p:nvPr>
+            <p:ph type="title"/>
+          </p:nvPr>
+        </p:nvSpPr>
+        <p:spPr/>
+        <p:txBody>
+          <a:bodyPr/>
+          <a:lstStyle/>
+          <a:p>
+            <a:r>
+              <a:rPr lang="es-ES" dirty="0" smtClean="0"/>
+              <a:t>Visibilidad </a:t>
+            </a:r>
+            <a:endParaRPr lang="es-ES" dirty="0"/>
+          </a:p>
+        </p:txBody>
+      </p:sp>
+      <p:sp>
+        <p:nvSpPr>
+          <p:cNvPr id="3" name="Marcador de contenido 2"/>
+          <p:cNvSpPr>
+            <a:spLocks noGrp="1"/>
+          </p:cNvSpPr>
+          <p:nvPr>
+            <p:ph idx="1"/>
+          </p:nvPr>
+        </p:nvSpPr>
+        <p:spPr/>
+        <p:txBody>
+          <a:bodyPr/>
+          <a:lstStyle/>
+          <a:p>
+            <a:r>
+              <a:rPr lang="es-ES" dirty="0" smtClean="0"/>
+              <a:t>Situamos un punto en una celda del </a:t>
+            </a:r>
+            <a:r>
+              <a:rPr lang="es-ES" dirty="0" err="1" smtClean="0"/>
+              <a:t>ráster</a:t>
+            </a:r>
+            <a:r>
+              <a:rPr lang="es-ES" dirty="0" smtClean="0"/>
+              <a:t> (MDT)</a:t>
+            </a:r>
+          </a:p>
+          <a:p>
+            <a:r>
+              <a:rPr lang="es-ES" dirty="0" smtClean="0"/>
+              <a:t>Dada la altitud de ese punto en esa celda, ver que parte del terreno vería una persona desde esa altura </a:t>
+            </a:r>
+            <a:r>
+              <a:rPr lang="es-ES" dirty="0" smtClean="0">
+                <a:sym typeface="Wingdings" panose="05000000000000000000" pitchFamily="2" charset="2"/>
+              </a:rPr>
+              <a:t> mapa de visibilidad</a:t>
+            </a:r>
+          </a:p>
+          <a:p>
+            <a:r>
+              <a:rPr lang="es-ES" dirty="0" smtClean="0"/>
+              <a:t>Usado en geografía para situar miradores</a:t>
+            </a:r>
+          </a:p>
+          <a:p>
+            <a:r>
+              <a:rPr lang="es-ES" dirty="0" smtClean="0"/>
+              <a:t>Nosotros, para situar antenas</a:t>
+            </a:r>
+          </a:p>
+          <a:p>
+            <a:r>
+              <a:rPr lang="es-ES" dirty="0" smtClean="0"/>
+              <a:t>Resultado del proceso:</a:t>
+            </a:r>
+          </a:p>
+          <a:p>
+            <a:pPr lvl="1"/>
+            <a:r>
+              <a:rPr lang="es-ES" dirty="0" err="1" smtClean="0"/>
+              <a:t>Ráster</a:t>
+            </a:r>
+            <a:r>
+              <a:rPr lang="es-ES" dirty="0" smtClean="0"/>
+              <a:t> con las zonas visibles y no</a:t>
+            </a:r>
+          </a:p>
+        </p:txBody>
+      </p:sp>
+    </p:spTree>
+    <p:extLst>
+      <p:ext uri="{BB962C8B-B14F-4D97-AF65-F5344CB8AC3E}">
+        <p14:creationId xmlns:p14="http://schemas.microsoft.com/office/powerpoint/2010/main" val="2123366239"/>
+      </p:ext>
+    </p:extLst>
+  </p:cSld>
+  <p:clrMapOvr>
+    <a:masterClrMapping/>
+  </p:clrMapOvr>
+</p:sld>
+</file>
+
+<file path=ppt/slides/slide26.xml><?xml version="1.0" encoding="utf-8"?>
+<p:sld xmlns:a="http://schemas.openxmlformats.org/drawingml/2006/main" xmlns:r="http://schemas.openxmlformats.org/officeDocument/2006/relationships" xmlns:p="http://schemas.openxmlformats.org/presentationml/2006/main">
+  <p:cSld>
+    <p:spTree>
+      <p:nvGrpSpPr>
+        <p:cNvPr id="1" name=""/>
+        <p:cNvGrpSpPr/>
+        <p:nvPr/>
+      </p:nvGrpSpPr>
+      <p:grpSpPr>
+        <a:xfrm>
+          <a:off x="0" y="0"/>
+          <a:ext cx="0" cy="0"/>
+          <a:chOff x="0" y="0"/>
+          <a:chExt cx="0" cy="0"/>
+        </a:xfrm>
+      </p:grpSpPr>
+      <p:sp>
+        <p:nvSpPr>
+          <p:cNvPr id="2" name="Título 1"/>
+          <p:cNvSpPr>
+            <a:spLocks noGrp="1"/>
+          </p:cNvSpPr>
+          <p:nvPr>
+            <p:ph type="title"/>
+          </p:nvPr>
+        </p:nvSpPr>
+        <p:spPr/>
+        <p:txBody>
+          <a:bodyPr/>
+          <a:lstStyle/>
+          <a:p>
+            <a:r>
+              <a:rPr lang="es-ES" dirty="0" smtClean="0"/>
+              <a:t>Radiación solar</a:t>
+            </a:r>
+            <a:endParaRPr lang="es-ES" dirty="0"/>
+          </a:p>
+        </p:txBody>
+      </p:sp>
+      <p:sp>
+        <p:nvSpPr>
+          <p:cNvPr id="3" name="Marcador de contenido 2"/>
+          <p:cNvSpPr>
+            <a:spLocks noGrp="1"/>
+          </p:cNvSpPr>
+          <p:nvPr>
+            <p:ph idx="1"/>
+          </p:nvPr>
+        </p:nvSpPr>
+        <p:spPr/>
+        <p:txBody>
+          <a:bodyPr/>
+          <a:lstStyle/>
+          <a:p>
+            <a:r>
+              <a:rPr lang="es-ES" dirty="0" smtClean="0"/>
+              <a:t>Tener en cuenta la posición del Sol</a:t>
+            </a:r>
+          </a:p>
+          <a:p>
+            <a:r>
+              <a:rPr lang="es-ES" dirty="0" smtClean="0"/>
+              <a:t>Queremos obtener un mapa de radiación solar</a:t>
+            </a:r>
+          </a:p>
+          <a:p>
+            <a:r>
+              <a:rPr lang="es-ES" dirty="0" smtClean="0"/>
+              <a:t>Definir la cantidad de </a:t>
+            </a:r>
+            <a:r>
+              <a:rPr lang="es-ES" dirty="0" err="1" smtClean="0"/>
+              <a:t>radiacion</a:t>
+            </a:r>
+            <a:r>
+              <a:rPr lang="es-ES" dirty="0" smtClean="0"/>
+              <a:t> que recibe cada celda del </a:t>
+            </a:r>
+            <a:r>
+              <a:rPr lang="es-ES" dirty="0" err="1" smtClean="0"/>
+              <a:t>raster</a:t>
+            </a:r>
+            <a:endParaRPr lang="es-ES" dirty="0" smtClean="0"/>
+          </a:p>
+          <a:p>
+            <a:pPr lvl="1"/>
+            <a:r>
+              <a:rPr lang="es-ES" dirty="0" smtClean="0"/>
+              <a:t>Depende del </a:t>
+            </a:r>
+            <a:r>
+              <a:rPr lang="es-ES" dirty="0" err="1" smtClean="0"/>
+              <a:t>angulo</a:t>
+            </a:r>
+            <a:r>
+              <a:rPr lang="es-ES" dirty="0" smtClean="0"/>
+              <a:t>, posición</a:t>
+            </a:r>
+          </a:p>
+          <a:p>
+            <a:endParaRPr lang="es-ES" dirty="0"/>
+          </a:p>
+        </p:txBody>
+      </p:sp>
+    </p:spTree>
+    <p:extLst>
+      <p:ext uri="{BB962C8B-B14F-4D97-AF65-F5344CB8AC3E}">
+        <p14:creationId xmlns:p14="http://schemas.microsoft.com/office/powerpoint/2010/main" val="3421124641"/>
+      </p:ext>
+    </p:extLst>
+  </p:cSld>
+  <p:clrMapOvr>
+    <a:masterClrMapping/>
+  </p:clrMapOvr>
+</p:sld>
+</file>
+
+<file path=ppt/slides/slide27.xml><?xml version="1.0" encoding="utf-8"?>
+<p:sld xmlns:a="http://schemas.openxmlformats.org/drawingml/2006/main" xmlns:r="http://schemas.openxmlformats.org/officeDocument/2006/relationships" xmlns:p="http://schemas.openxmlformats.org/presentationml/2006/main">
+  <p:cSld>
+    <p:spTree>
+      <p:nvGrpSpPr>
+        <p:cNvPr id="1" name=""/>
+        <p:cNvGrpSpPr/>
+        <p:nvPr/>
+      </p:nvGrpSpPr>
+      <p:grpSpPr>
+        <a:xfrm>
+          <a:off x="0" y="0"/>
+          <a:ext cx="0" cy="0"/>
+          <a:chOff x="0" y="0"/>
+          <a:chExt cx="0" cy="0"/>
+        </a:xfrm>
+      </p:grpSpPr>
+      <p:sp>
+        <p:nvSpPr>
+          <p:cNvPr id="2" name="Título 1"/>
+          <p:cNvSpPr>
+            <a:spLocks noGrp="1"/>
+          </p:cNvSpPr>
+          <p:nvPr>
+            <p:ph type="title"/>
+          </p:nvPr>
+        </p:nvSpPr>
+        <p:spPr/>
+        <p:txBody>
+          <a:bodyPr/>
+          <a:lstStyle/>
+          <a:p>
+            <a:r>
+              <a:rPr lang="es-ES" dirty="0" err="1" smtClean="0"/>
+              <a:t>Analisis</a:t>
+            </a:r>
+            <a:r>
+              <a:rPr lang="es-ES" dirty="0" smtClean="0"/>
+              <a:t> </a:t>
+            </a:r>
+            <a:r>
+              <a:rPr lang="es-ES" dirty="0" err="1" smtClean="0"/>
+              <a:t>hidrolo</a:t>
+            </a:r>
+            <a:endParaRPr lang="es-ES" dirty="0"/>
+          </a:p>
+        </p:txBody>
+      </p:sp>
+      <p:sp>
+        <p:nvSpPr>
+          <p:cNvPr id="3" name="Marcador de contenido 2"/>
+          <p:cNvSpPr>
+            <a:spLocks noGrp="1"/>
+          </p:cNvSpPr>
+          <p:nvPr>
+            <p:ph idx="1"/>
+          </p:nvPr>
+        </p:nvSpPr>
+        <p:spPr/>
+        <p:txBody>
+          <a:bodyPr/>
+          <a:lstStyle/>
+          <a:p>
+            <a:r>
+              <a:rPr lang="es-ES" dirty="0" smtClean="0"/>
+              <a:t>Si situamos una gota de agua, para qué “lado” se va</a:t>
+            </a:r>
+          </a:p>
+          <a:p>
+            <a:pPr lvl="1"/>
+            <a:r>
+              <a:rPr lang="es-ES" dirty="0" smtClean="0"/>
+              <a:t>Definir altitudes </a:t>
+            </a:r>
+            <a:r>
+              <a:rPr lang="es-ES" dirty="0" smtClean="0">
+                <a:sym typeface="Wingdings" panose="05000000000000000000" pitchFamily="2" charset="2"/>
+              </a:rPr>
+              <a:t> dirección del flujo</a:t>
+            </a:r>
+          </a:p>
+          <a:p>
+            <a:pPr lvl="1"/>
+            <a:r>
+              <a:rPr lang="es-ES" dirty="0" smtClean="0">
+                <a:sym typeface="Wingdings" panose="05000000000000000000" pitchFamily="2" charset="2"/>
+              </a:rPr>
+              <a:t>Se codifica con números, con potencias de 2 esa dirección de la gota</a:t>
+            </a:r>
+          </a:p>
+          <a:p>
+            <a:r>
+              <a:rPr lang="es-ES" dirty="0" smtClean="0"/>
+              <a:t>Mapa de dirección de flujo</a:t>
+            </a:r>
+          </a:p>
+          <a:p>
+            <a:pPr lvl="1"/>
+            <a:r>
+              <a:rPr lang="es-ES" dirty="0" smtClean="0"/>
+              <a:t>Cifras del 1 al 128 (en función de la matriz anterior)</a:t>
+            </a:r>
+          </a:p>
+          <a:p>
+            <a:r>
+              <a:rPr lang="es-ES" dirty="0" smtClean="0"/>
+              <a:t>Dado un mapa de </a:t>
+            </a:r>
+            <a:r>
+              <a:rPr lang="es-ES" dirty="0" err="1" smtClean="0"/>
+              <a:t>dir</a:t>
+            </a:r>
+            <a:r>
+              <a:rPr lang="es-ES" dirty="0" smtClean="0"/>
+              <a:t> de flujo, con la celda indicando “hacia donde va la gota”, podemos hacer un </a:t>
+            </a:r>
+            <a:r>
+              <a:rPr lang="es-ES" dirty="0" err="1" smtClean="0"/>
+              <a:t>ráster</a:t>
+            </a:r>
+            <a:r>
+              <a:rPr lang="es-ES" dirty="0" smtClean="0"/>
+              <a:t> sobre la acumulación de flujo</a:t>
+            </a:r>
+          </a:p>
+        </p:txBody>
+      </p:sp>
+    </p:spTree>
+    <p:extLst>
+      <p:ext uri="{BB962C8B-B14F-4D97-AF65-F5344CB8AC3E}">
+        <p14:creationId xmlns:p14="http://schemas.microsoft.com/office/powerpoint/2010/main" val="3074880830"/>
+      </p:ext>
+    </p:extLst>
+  </p:cSld>
+  <p:clrMapOvr>
+    <a:masterClrMapping/>
+  </p:clrMapOvr>
+</p:sld>
+</file>
+
+<file path=ppt/slides/slide28.xml><?xml version="1.0" encoding="utf-8"?>
+<p:sld xmlns:a="http://schemas.openxmlformats.org/drawingml/2006/main" xmlns:r="http://schemas.openxmlformats.org/officeDocument/2006/relationships" xmlns:p="http://schemas.openxmlformats.org/presentationml/2006/main">
+  <p:cSld>
+    <p:spTree>
+      <p:nvGrpSpPr>
+        <p:cNvPr id="1" name=""/>
+        <p:cNvGrpSpPr/>
+        <p:nvPr/>
+      </p:nvGrpSpPr>
+      <p:grpSpPr>
+        <a:xfrm>
+          <a:off x="0" y="0"/>
+          <a:ext cx="0" cy="0"/>
+          <a:chOff x="0" y="0"/>
+          <a:chExt cx="0" cy="0"/>
+        </a:xfrm>
+      </p:grpSpPr>
+      <p:sp>
+        <p:nvSpPr>
+          <p:cNvPr id="2" name="Título 1"/>
+          <p:cNvSpPr>
+            <a:spLocks noGrp="1"/>
+          </p:cNvSpPr>
+          <p:nvPr>
+            <p:ph type="title"/>
+          </p:nvPr>
+        </p:nvSpPr>
+        <p:spPr/>
+        <p:txBody>
+          <a:bodyPr/>
+          <a:lstStyle/>
+          <a:p>
+            <a:endParaRPr lang="es-ES"/>
+          </a:p>
+        </p:txBody>
+      </p:sp>
+      <p:sp>
+        <p:nvSpPr>
+          <p:cNvPr id="3" name="Marcador de contenido 2"/>
+          <p:cNvSpPr>
+            <a:spLocks noGrp="1"/>
+          </p:cNvSpPr>
+          <p:nvPr>
+            <p:ph idx="1"/>
+          </p:nvPr>
+        </p:nvSpPr>
+        <p:spPr>
+          <a:xfrm>
+            <a:off x="822959" y="3144644"/>
+            <a:ext cx="7543801" cy="2724450"/>
+          </a:xfrm>
+        </p:spPr>
+        <p:txBody>
+          <a:bodyPr>
+            <a:normAutofit/>
+          </a:bodyPr>
+          <a:lstStyle/>
+          <a:p>
+            <a:r>
+              <a:rPr lang="es-ES" dirty="0" smtClean="0"/>
+              <a:t>Sitios más altos, menos agua</a:t>
+            </a:r>
+          </a:p>
+          <a:p>
+            <a:r>
+              <a:rPr lang="es-ES" dirty="0" smtClean="0"/>
+              <a:t>Sitios más bajos, donde se acumula más agua</a:t>
+            </a:r>
+          </a:p>
+          <a:p>
+            <a:pPr lvl="1"/>
+            <a:r>
+              <a:rPr lang="es-ES" dirty="0" smtClean="0"/>
+              <a:t>Reciben agua de muchas celdas</a:t>
+            </a:r>
+          </a:p>
+          <a:p>
+            <a:r>
+              <a:rPr lang="es-ES" dirty="0" smtClean="0"/>
+              <a:t>Es un </a:t>
+            </a:r>
+            <a:r>
+              <a:rPr lang="es-ES" dirty="0" err="1" smtClean="0"/>
+              <a:t>ráster</a:t>
+            </a:r>
+            <a:endParaRPr lang="es-ES" dirty="0" smtClean="0"/>
+          </a:p>
+          <a:p>
+            <a:r>
+              <a:rPr lang="es-ES" dirty="0" smtClean="0"/>
+              <a:t>A partir de esto, se elabora la </a:t>
+            </a:r>
+            <a:r>
+              <a:rPr lang="es-ES" b="1" dirty="0" smtClean="0"/>
+              <a:t>red de drenaje (definir zonas que acumulen mucha agua para análisis del drenaje)</a:t>
+            </a:r>
+          </a:p>
+          <a:p>
+            <a:pPr lvl="1"/>
+            <a:r>
+              <a:rPr lang="es-ES" b="1" dirty="0" smtClean="0"/>
+              <a:t>Estudio de hipótesis en una lluvia torrencial </a:t>
+            </a:r>
+            <a:endParaRPr lang="es-ES" dirty="0"/>
+          </a:p>
+        </p:txBody>
+      </p:sp>
+      <p:pic>
+        <p:nvPicPr>
+          <p:cNvPr id="4" name="Imagen 3"/>
+          <p:cNvPicPr>
+            <a:picLocks noChangeAspect="1"/>
+          </p:cNvPicPr>
+          <p:nvPr/>
+        </p:nvPicPr>
+        <p:blipFill>
+          <a:blip r:embed="rId2"/>
+          <a:stretch>
+            <a:fillRect/>
+          </a:stretch>
+        </p:blipFill>
+        <p:spPr>
+          <a:xfrm>
+            <a:off x="1832609" y="286604"/>
+            <a:ext cx="5524500" cy="2771775"/>
+          </a:xfrm>
+          <a:prstGeom prst="rect">
+            <a:avLst/>
+          </a:prstGeom>
+        </p:spPr>
+      </p:pic>
+    </p:spTree>
+    <p:extLst>
+      <p:ext uri="{BB962C8B-B14F-4D97-AF65-F5344CB8AC3E}">
+        <p14:creationId xmlns:p14="http://schemas.microsoft.com/office/powerpoint/2010/main" val="3636019"/>
+      </p:ext>
+    </p:extLst>
+  </p:cSld>
+  <p:clrMapOvr>
+    <a:masterClrMapping/>
+  </p:clrMapOvr>
+</p:sld>
+</file>
+
+<file path=ppt/slides/slide29.xml><?xml version="1.0" encoding="utf-8"?>
+<p:sld xmlns:a="http://schemas.openxmlformats.org/drawingml/2006/main" xmlns:r="http://schemas.openxmlformats.org/officeDocument/2006/relationships" xmlns:p="http://schemas.openxmlformats.org/presentationml/2006/main">
+  <p:cSld>
+    <p:spTree>
+      <p:nvGrpSpPr>
+        <p:cNvPr id="1" name=""/>
+        <p:cNvGrpSpPr/>
+        <p:nvPr/>
+      </p:nvGrpSpPr>
+      <p:grpSpPr>
+        <a:xfrm>
+          <a:off x="0" y="0"/>
+          <a:ext cx="0" cy="0"/>
+          <a:chOff x="0" y="0"/>
+          <a:chExt cx="0" cy="0"/>
+        </a:xfrm>
+      </p:grpSpPr>
+      <p:sp>
+        <p:nvSpPr>
+          <p:cNvPr id="5" name="Título 4"/>
+          <p:cNvSpPr>
+            <a:spLocks noGrp="1"/>
+          </p:cNvSpPr>
+          <p:nvPr>
+            <p:ph type="title"/>
+          </p:nvPr>
+        </p:nvSpPr>
+        <p:spPr/>
+        <p:txBody>
+          <a:bodyPr/>
+          <a:lstStyle/>
+          <a:p>
+            <a:r>
+              <a:rPr lang="es-ES" dirty="0" smtClean="0"/>
+              <a:t>Redes de drenaje y sumideros </a:t>
+            </a:r>
+            <a:endParaRPr lang="es-ES" dirty="0"/>
+          </a:p>
+        </p:txBody>
+      </p:sp>
+      <p:sp>
+        <p:nvSpPr>
+          <p:cNvPr id="3" name="Marcador de contenido 2"/>
+          <p:cNvSpPr>
+            <a:spLocks noGrp="1"/>
+          </p:cNvSpPr>
+          <p:nvPr>
+            <p:ph idx="1"/>
+          </p:nvPr>
+        </p:nvSpPr>
+        <p:spPr/>
+        <p:txBody>
+          <a:bodyPr/>
+          <a:lstStyle/>
+          <a:p>
+            <a:r>
+              <a:rPr lang="es-ES" dirty="0" smtClean="0"/>
+              <a:t>Redes de drenaje</a:t>
+            </a:r>
+          </a:p>
+          <a:p>
+            <a:pPr lvl="1"/>
+            <a:r>
+              <a:rPr lang="es-ES" dirty="0" smtClean="0"/>
+              <a:t>Hay q eliminar sumideros</a:t>
+            </a:r>
+          </a:p>
+          <a:p>
+            <a:r>
+              <a:rPr lang="es-ES" dirty="0" err="1" smtClean="0"/>
+              <a:t>Sumudiro</a:t>
+            </a:r>
+            <a:r>
+              <a:rPr lang="es-ES" dirty="0" smtClean="0"/>
+              <a:t> = celda con datos erróneos, que no se corresponden con la altitud de alrededor.</a:t>
+            </a:r>
+          </a:p>
+          <a:p>
+            <a:pPr lvl="1"/>
+            <a:r>
+              <a:rPr lang="es-ES" dirty="0" smtClean="0"/>
+              <a:t>Motivo: el algoritmo no lo ha hecho bien</a:t>
+            </a:r>
+          </a:p>
+          <a:p>
+            <a:r>
+              <a:rPr lang="es-ES" dirty="0" smtClean="0"/>
+              <a:t>En algunos análisis afecta mucho, en otros no</a:t>
+            </a:r>
+          </a:p>
+          <a:p>
+            <a:pPr lvl="1"/>
+            <a:r>
+              <a:rPr lang="es-ES" dirty="0" smtClean="0"/>
+              <a:t>Operación </a:t>
+            </a:r>
+            <a:r>
+              <a:rPr lang="es-ES" dirty="0" err="1" smtClean="0"/>
+              <a:t>Fill</a:t>
+            </a:r>
+            <a:r>
+              <a:rPr lang="es-ES" dirty="0" smtClean="0"/>
+              <a:t>: determina las celdas del </a:t>
+            </a:r>
+            <a:r>
+              <a:rPr lang="es-ES" dirty="0" err="1" smtClean="0"/>
+              <a:t>raster</a:t>
+            </a:r>
+            <a:r>
+              <a:rPr lang="es-ES" dirty="0" smtClean="0"/>
+              <a:t> que probablemente sean erróneas, y las rellena por proximidad del resto de celdas. </a:t>
+            </a:r>
+          </a:p>
+          <a:p>
+            <a:r>
+              <a:rPr lang="es-ES" dirty="0" smtClean="0"/>
+              <a:t>Cuencas de drenaje</a:t>
+            </a:r>
+          </a:p>
+          <a:p>
+            <a:pPr lvl="1"/>
+            <a:r>
+              <a:rPr lang="es-ES" dirty="0" smtClean="0"/>
+              <a:t>Capa </a:t>
+            </a:r>
+            <a:r>
+              <a:rPr lang="es-ES" dirty="0" err="1" smtClean="0"/>
+              <a:t>raster</a:t>
+            </a:r>
+            <a:endParaRPr lang="es-ES" dirty="0" smtClean="0"/>
+          </a:p>
+          <a:p>
+            <a:pPr lvl="1"/>
+            <a:r>
+              <a:rPr lang="es-ES" dirty="0" smtClean="0"/>
+              <a:t>Determinar las zonas de “sumidero” o salida del agua</a:t>
+            </a:r>
+          </a:p>
+        </p:txBody>
+      </p:sp>
+    </p:spTree>
+    <p:extLst>
+      <p:ext uri="{BB962C8B-B14F-4D97-AF65-F5344CB8AC3E}">
+        <p14:creationId xmlns:p14="http://schemas.microsoft.com/office/powerpoint/2010/main" val="1625889676"/>
+      </p:ext>
+    </p:extLst>
+  </p:cSld>
+  <p:clrMapOvr>
+    <a:masterClrMapping/>
+  </p:clrMapOvr>
+</p:sld>
+</file>
+
+<file path=ppt/slides/slide3.xml><?xml version="1.0" encoding="utf-8"?>
+<p:sld xmlns:a="http://schemas.openxmlformats.org/drawingml/2006/main" xmlns:r="http://schemas.openxmlformats.org/officeDocument/2006/relationships" xmlns:p="http://schemas.openxmlformats.org/presentationml/2006/main">
+  <p:cSld>
+    <p:spTree>
+      <p:nvGrpSpPr>
+        <p:cNvPr id="1" name=""/>
+        <p:cNvGrpSpPr/>
+        <p:nvPr/>
+      </p:nvGrpSpPr>
+      <p:grpSpPr>
+        <a:xfrm>
+          <a:off x="0" y="0"/>
+          <a:ext cx="0" cy="0"/>
+          <a:chOff x="0" y="0"/>
+          <a:chExt cx="0" cy="0"/>
+        </a:xfrm>
+      </p:grpSpPr>
+      <p:sp>
+        <p:nvSpPr>
+          <p:cNvPr id="2" name="Título 1"/>
+          <p:cNvSpPr>
+            <a:spLocks noGrp="1"/>
+          </p:cNvSpPr>
+          <p:nvPr>
+            <p:ph type="title"/>
+          </p:nvPr>
+        </p:nvSpPr>
+        <p:spPr/>
+        <p:txBody>
+          <a:bodyPr/>
+          <a:lstStyle/>
+          <a:p>
+            <a:r>
+              <a:rPr lang="es-ES" dirty="0" smtClean="0"/>
               <a:t>Motivación: buscar casa</a:t>
             </a:r>
             <a:endParaRPr lang="es-ES" dirty="0"/>
@@ -5755,7 +7416,7 @@
 </p:sld>
 </file>
 
-<file path=ppt/slides/slide3.xml><?xml version="1.0" encoding="utf-8"?>
+<file path=ppt/slides/slide30.xml><?xml version="1.0" encoding="utf-8"?>
 <p:sld xmlns:a="http://schemas.openxmlformats.org/drawingml/2006/main" xmlns:r="http://schemas.openxmlformats.org/officeDocument/2006/relationships" xmlns:p="http://schemas.openxmlformats.org/presentationml/2006/main">
   <p:cSld>
     <p:spTree>
@@ -5774,7 +7435,7 @@
       </p:grpSpPr>
       <p:sp>
         <p:nvSpPr>
-          <p:cNvPr id="2" name="Título 1"/>
+          <p:cNvPr id="4" name="Título 3"/>
           <p:cNvSpPr>
             <a:spLocks noGrp="1"/>
           </p:cNvSpPr>
@@ -5784,18 +7445,28 @@
         </p:nvSpPr>
         <p:spPr/>
         <p:txBody>
-          <a:bodyPr>
-            <a:normAutofit/>
-          </a:bodyPr>
-          <a:lstStyle/>
-          <a:p>
+          <a:bodyPr/>
+          <a:lstStyle/>
+          <a:p>
+            <a:r>
+              <a:rPr lang="es-ES" dirty="0" smtClean="0"/>
+              <a:t>4. </a:t>
+            </a:r>
+            <a:r>
+              <a:rPr lang="es-ES" dirty="0" err="1" smtClean="0"/>
+              <a:t>Analisis</a:t>
+            </a:r>
+            <a:r>
+              <a:rPr lang="es-ES" dirty="0" smtClean="0"/>
+              <a:t> de redes</a:t>
+            </a:r>
             <a:endParaRPr lang="es-ES" dirty="0"/>
           </a:p>
         </p:txBody>
       </p:sp>
       <p:sp>
         <p:nvSpPr>
-          <p:cNvPr id="3" name="Marcador de contenido 2"/>
+          <p:cNvPr id="5" name="Marcador de contenido 4"/>
           <p:cNvSpPr>
             <a:spLocks noGrp="1"/>
           </p:cNvSpPr>
@@ -5808,27 +7479,1052 @@
           <a:bodyPr/>
           <a:lstStyle/>
           <a:p>
+            <a:r>
+              <a:rPr lang="es-ES" dirty="0" smtClean="0"/>
+              <a:t>Dado un punto de partida y un conjunto de nodos y enlaces</a:t>
+            </a:r>
+          </a:p>
+          <a:p>
+            <a:r>
+              <a:rPr lang="es-ES" dirty="0" smtClean="0"/>
+              <a:t>Obtener el camino óptimo </a:t>
+            </a:r>
+            <a:r>
+              <a:rPr lang="es-ES" dirty="0" err="1" smtClean="0"/>
+              <a:t>origen</a:t>
+            </a:r>
+            <a:r>
+              <a:rPr lang="es-ES" dirty="0" err="1" smtClean="0">
+                <a:sym typeface="Wingdings" panose="05000000000000000000" pitchFamily="2" charset="2"/>
+              </a:rPr>
+              <a:t>destino</a:t>
+            </a:r>
             <a:endParaRPr lang="es-ES" dirty="0"/>
+          </a:p>
+        </p:txBody>
+      </p:sp>
+      <p:sp>
+        <p:nvSpPr>
+          <p:cNvPr id="6" name="Marcador de texto 5"/>
+          <p:cNvSpPr>
+            <a:spLocks noGrp="1"/>
+          </p:cNvSpPr>
+          <p:nvPr>
+            <p:ph type="body" sz="half" idx="2"/>
+          </p:nvPr>
+        </p:nvSpPr>
+        <p:spPr/>
+        <p:txBody>
+          <a:bodyPr/>
+          <a:lstStyle/>
+          <a:p>
+            <a:endParaRPr lang="es-ES"/>
           </a:p>
         </p:txBody>
       </p:sp>
     </p:spTree>
     <p:extLst>
       <p:ext uri="{BB962C8B-B14F-4D97-AF65-F5344CB8AC3E}">
-        <p14:creationId xmlns:p14="http://schemas.microsoft.com/office/powerpoint/2010/main" val="2124647439"/>
+        <p14:creationId xmlns:p14="http://schemas.microsoft.com/office/powerpoint/2010/main" val="1481842893"/>
       </p:ext>
     </p:extLst>
   </p:cSld>
   <p:clrMapOvr>
     <a:masterClrMapping/>
   </p:clrMapOvr>
-  <p:timing>
-    <p:tnLst>
-      <p:par>
-        <p:cTn id="1" dur="indefinite" restart="never" nodeType="tmRoot"/>
-      </p:par>
-    </p:tnLst>
-  </p:timing>
+</p:sld>
+</file>
+
+<file path=ppt/slides/slide31.xml><?xml version="1.0" encoding="utf-8"?>
+<p:sld xmlns:a="http://schemas.openxmlformats.org/drawingml/2006/main" xmlns:r="http://schemas.openxmlformats.org/officeDocument/2006/relationships" xmlns:p="http://schemas.openxmlformats.org/presentationml/2006/main">
+  <p:cSld>
+    <p:spTree>
+      <p:nvGrpSpPr>
+        <p:cNvPr id="1" name=""/>
+        <p:cNvGrpSpPr/>
+        <p:nvPr/>
+      </p:nvGrpSpPr>
+      <p:grpSpPr>
+        <a:xfrm>
+          <a:off x="0" y="0"/>
+          <a:ext cx="0" cy="0"/>
+          <a:chOff x="0" y="0"/>
+          <a:chExt cx="0" cy="0"/>
+        </a:xfrm>
+      </p:grpSpPr>
+      <p:sp>
+        <p:nvSpPr>
+          <p:cNvPr id="5" name="Título 4"/>
+          <p:cNvSpPr>
+            <a:spLocks noGrp="1"/>
+          </p:cNvSpPr>
+          <p:nvPr>
+            <p:ph type="title"/>
+          </p:nvPr>
+        </p:nvSpPr>
+        <p:spPr/>
+        <p:txBody>
+          <a:bodyPr/>
+          <a:lstStyle/>
+          <a:p>
+            <a:r>
+              <a:rPr lang="es-ES" dirty="0" smtClean="0"/>
+              <a:t>Pesos de las aristas</a:t>
+            </a:r>
+            <a:endParaRPr lang="es-ES" dirty="0"/>
+          </a:p>
+        </p:txBody>
+      </p:sp>
+      <p:sp>
+        <p:nvSpPr>
+          <p:cNvPr id="6" name="Marcador de contenido 5"/>
+          <p:cNvSpPr>
+            <a:spLocks noGrp="1"/>
+          </p:cNvSpPr>
+          <p:nvPr>
+            <p:ph idx="1"/>
+          </p:nvPr>
+        </p:nvSpPr>
+        <p:spPr/>
+        <p:txBody>
+          <a:bodyPr/>
+          <a:lstStyle/>
+          <a:p>
+            <a:r>
+              <a:rPr lang="es-ES" dirty="0" smtClean="0"/>
+              <a:t>Asignar pesos a las aristas</a:t>
+            </a:r>
+          </a:p>
+          <a:p>
+            <a:pPr lvl="1"/>
+            <a:r>
+              <a:rPr lang="es-ES" dirty="0" smtClean="0"/>
+              <a:t>Tiempo que se tarda en llegar por el</a:t>
+            </a:r>
+          </a:p>
+          <a:p>
+            <a:pPr lvl="1"/>
+            <a:r>
+              <a:rPr lang="es-ES" dirty="0" smtClean="0"/>
+              <a:t>Pendiente</a:t>
+            </a:r>
+          </a:p>
+          <a:p>
+            <a:pPr lvl="1"/>
+            <a:r>
+              <a:rPr lang="es-ES" dirty="0" smtClean="0"/>
+              <a:t>Complejidad del terreno</a:t>
+            </a:r>
+          </a:p>
+          <a:p>
+            <a:pPr lvl="1"/>
+            <a:r>
+              <a:rPr lang="es-ES" dirty="0" smtClean="0"/>
+              <a:t>Muchos semáforos</a:t>
+            </a:r>
+          </a:p>
+          <a:p>
+            <a:pPr lvl="1"/>
+            <a:r>
+              <a:rPr lang="es-ES" dirty="0" smtClean="0"/>
+              <a:t>El piso está malo</a:t>
+            </a:r>
+          </a:p>
+          <a:p>
+            <a:pPr lvl="1"/>
+            <a:r>
+              <a:rPr lang="es-ES" dirty="0" smtClean="0"/>
+              <a:t>… </a:t>
+            </a:r>
+          </a:p>
+          <a:p>
+            <a:r>
+              <a:rPr lang="es-ES" dirty="0" smtClean="0"/>
+              <a:t>Aplicaciones</a:t>
+            </a:r>
+          </a:p>
+          <a:p>
+            <a:pPr lvl="1"/>
+            <a:r>
+              <a:rPr lang="es-ES" dirty="0" smtClean="0"/>
+              <a:t>Recorridos de redes</a:t>
+            </a:r>
+          </a:p>
+          <a:p>
+            <a:pPr lvl="1"/>
+            <a:r>
+              <a:rPr lang="es-ES" dirty="0" smtClean="0"/>
+              <a:t>Ubicación más idónea: definir puntos de encuentro en una estación de esquí, las paradas de un bus respecto a zonas residenciales, centros médicos, etc.</a:t>
+            </a:r>
+          </a:p>
+        </p:txBody>
+      </p:sp>
+    </p:spTree>
+    <p:extLst>
+      <p:ext uri="{BB962C8B-B14F-4D97-AF65-F5344CB8AC3E}">
+        <p14:creationId xmlns:p14="http://schemas.microsoft.com/office/powerpoint/2010/main" val="1086949294"/>
+      </p:ext>
+    </p:extLst>
+  </p:cSld>
+  <p:clrMapOvr>
+    <a:masterClrMapping/>
+  </p:clrMapOvr>
+</p:sld>
+</file>
+
+<file path=ppt/slides/slide32.xml><?xml version="1.0" encoding="utf-8"?>
+<p:sld xmlns:a="http://schemas.openxmlformats.org/drawingml/2006/main" xmlns:r="http://schemas.openxmlformats.org/officeDocument/2006/relationships" xmlns:p="http://schemas.openxmlformats.org/presentationml/2006/main">
+  <p:cSld>
+    <p:spTree>
+      <p:nvGrpSpPr>
+        <p:cNvPr id="1" name=""/>
+        <p:cNvGrpSpPr/>
+        <p:nvPr/>
+      </p:nvGrpSpPr>
+      <p:grpSpPr>
+        <a:xfrm>
+          <a:off x="0" y="0"/>
+          <a:ext cx="0" cy="0"/>
+          <a:chOff x="0" y="0"/>
+          <a:chExt cx="0" cy="0"/>
+        </a:xfrm>
+      </p:grpSpPr>
+      <p:sp>
+        <p:nvSpPr>
+          <p:cNvPr id="4" name="Título 3"/>
+          <p:cNvSpPr>
+            <a:spLocks noGrp="1"/>
+          </p:cNvSpPr>
+          <p:nvPr>
+            <p:ph type="title"/>
+          </p:nvPr>
+        </p:nvSpPr>
+        <p:spPr/>
+        <p:txBody>
+          <a:bodyPr/>
+          <a:lstStyle/>
+          <a:p>
+            <a:r>
+              <a:rPr lang="es-ES" dirty="0" smtClean="0"/>
+              <a:t>5. Interpolación espacial</a:t>
+            </a:r>
+            <a:endParaRPr lang="es-ES" dirty="0"/>
+          </a:p>
+        </p:txBody>
+      </p:sp>
+      <p:sp>
+        <p:nvSpPr>
+          <p:cNvPr id="5" name="Marcador de contenido 4"/>
+          <p:cNvSpPr>
+            <a:spLocks noGrp="1"/>
+          </p:cNvSpPr>
+          <p:nvPr>
+            <p:ph idx="1"/>
+          </p:nvPr>
+        </p:nvSpPr>
+        <p:spPr/>
+        <p:txBody>
+          <a:bodyPr/>
+          <a:lstStyle/>
+          <a:p>
+            <a:r>
+              <a:rPr lang="es-ES" dirty="0" smtClean="0"/>
+              <a:t>Tenemos datos en puntos de la zona</a:t>
+            </a:r>
+          </a:p>
+          <a:p>
+            <a:pPr lvl="1"/>
+            <a:r>
+              <a:rPr lang="es-ES" dirty="0" smtClean="0"/>
+              <a:t>Queremos tener datos en todos los puntos</a:t>
+            </a:r>
+          </a:p>
+          <a:p>
+            <a:r>
+              <a:rPr lang="es-ES" dirty="0" smtClean="0"/>
+              <a:t>Ejemplo:</a:t>
+            </a:r>
+          </a:p>
+          <a:p>
+            <a:pPr lvl="1"/>
+            <a:r>
+              <a:rPr lang="es-ES" dirty="0" smtClean="0"/>
+              <a:t>Pluviómetros repartidos por la provincia </a:t>
+            </a:r>
+            <a:r>
+              <a:rPr lang="es-ES" dirty="0" smtClean="0">
+                <a:sym typeface="Wingdings" panose="05000000000000000000" pitchFamily="2" charset="2"/>
+              </a:rPr>
+              <a:t> </a:t>
+            </a:r>
+            <a:r>
+              <a:rPr lang="es-ES" dirty="0" err="1" smtClean="0">
+                <a:sym typeface="Wingdings" panose="05000000000000000000" pitchFamily="2" charset="2"/>
+              </a:rPr>
+              <a:t>info</a:t>
+            </a:r>
+            <a:r>
+              <a:rPr lang="es-ES" dirty="0" smtClean="0">
+                <a:sym typeface="Wingdings" panose="05000000000000000000" pitchFamily="2" charset="2"/>
+              </a:rPr>
+              <a:t> para x puntos</a:t>
+            </a:r>
+          </a:p>
+          <a:p>
+            <a:pPr lvl="1"/>
+            <a:r>
+              <a:rPr lang="es-ES" dirty="0" smtClean="0">
+                <a:sym typeface="Wingdings" panose="05000000000000000000" pitchFamily="2" charset="2"/>
+              </a:rPr>
+              <a:t>Queremos la </a:t>
+            </a:r>
+            <a:r>
+              <a:rPr lang="es-ES" dirty="0" err="1" smtClean="0">
+                <a:sym typeface="Wingdings" panose="05000000000000000000" pitchFamily="2" charset="2"/>
+              </a:rPr>
+              <a:t>info</a:t>
+            </a:r>
+            <a:r>
+              <a:rPr lang="es-ES" dirty="0" smtClean="0">
+                <a:sym typeface="Wingdings" panose="05000000000000000000" pitchFamily="2" charset="2"/>
+              </a:rPr>
+              <a:t> en todos los puntos</a:t>
+            </a:r>
+          </a:p>
+          <a:p>
+            <a:r>
+              <a:rPr lang="es-ES" dirty="0" smtClean="0">
+                <a:sym typeface="Wingdings" panose="05000000000000000000" pitchFamily="2" charset="2"/>
+              </a:rPr>
+              <a:t>Objetivo</a:t>
+            </a:r>
+          </a:p>
+          <a:p>
+            <a:pPr lvl="1"/>
+            <a:r>
+              <a:rPr lang="es-ES" dirty="0" smtClean="0">
+                <a:sym typeface="Wingdings" panose="05000000000000000000" pitchFamily="2" charset="2"/>
+              </a:rPr>
+              <a:t>Crear variables continuas, extendidas para todos los puntos del área considerada</a:t>
+            </a:r>
+          </a:p>
+          <a:p>
+            <a:r>
+              <a:rPr lang="es-ES" dirty="0" smtClean="0">
+                <a:sym typeface="Wingdings" panose="05000000000000000000" pitchFamily="2" charset="2"/>
+              </a:rPr>
+              <a:t>¿Cómo obtener el valor para un punto?</a:t>
+            </a:r>
+          </a:p>
+          <a:p>
+            <a:pPr lvl="1"/>
+            <a:r>
+              <a:rPr lang="es-ES" dirty="0" smtClean="0">
+                <a:sym typeface="Wingdings" panose="05000000000000000000" pitchFamily="2" charset="2"/>
+              </a:rPr>
+              <a:t>Aplicando regla de cercanía (interpolación)</a:t>
+            </a:r>
+            <a:endParaRPr lang="es-ES" dirty="0"/>
+          </a:p>
+        </p:txBody>
+      </p:sp>
+      <p:sp>
+        <p:nvSpPr>
+          <p:cNvPr id="6" name="Marcador de texto 5"/>
+          <p:cNvSpPr>
+            <a:spLocks noGrp="1"/>
+          </p:cNvSpPr>
+          <p:nvPr>
+            <p:ph type="body" sz="half" idx="2"/>
+          </p:nvPr>
+        </p:nvSpPr>
+        <p:spPr/>
+        <p:txBody>
+          <a:bodyPr/>
+          <a:lstStyle/>
+          <a:p>
+            <a:endParaRPr lang="es-ES"/>
+          </a:p>
+        </p:txBody>
+      </p:sp>
+    </p:spTree>
+    <p:extLst>
+      <p:ext uri="{BB962C8B-B14F-4D97-AF65-F5344CB8AC3E}">
+        <p14:creationId xmlns:p14="http://schemas.microsoft.com/office/powerpoint/2010/main" val="3284947541"/>
+      </p:ext>
+    </p:extLst>
+  </p:cSld>
+  <p:clrMapOvr>
+    <a:masterClrMapping/>
+  </p:clrMapOvr>
+</p:sld>
+</file>
+
+<file path=ppt/slides/slide33.xml><?xml version="1.0" encoding="utf-8"?>
+<p:sld xmlns:a="http://schemas.openxmlformats.org/drawingml/2006/main" xmlns:r="http://schemas.openxmlformats.org/officeDocument/2006/relationships" xmlns:p="http://schemas.openxmlformats.org/presentationml/2006/main">
+  <p:cSld>
+    <p:spTree>
+      <p:nvGrpSpPr>
+        <p:cNvPr id="1" name=""/>
+        <p:cNvGrpSpPr/>
+        <p:nvPr/>
+      </p:nvGrpSpPr>
+      <p:grpSpPr>
+        <a:xfrm>
+          <a:off x="0" y="0"/>
+          <a:ext cx="0" cy="0"/>
+          <a:chOff x="0" y="0"/>
+          <a:chExt cx="0" cy="0"/>
+        </a:xfrm>
+      </p:grpSpPr>
+      <p:sp>
+        <p:nvSpPr>
+          <p:cNvPr id="5" name="Título 4"/>
+          <p:cNvSpPr>
+            <a:spLocks noGrp="1"/>
+          </p:cNvSpPr>
+          <p:nvPr>
+            <p:ph type="title"/>
+          </p:nvPr>
+        </p:nvSpPr>
+        <p:spPr/>
+        <p:txBody>
+          <a:bodyPr/>
+          <a:lstStyle/>
+          <a:p>
+            <a:r>
+              <a:rPr lang="es-ES" dirty="0" smtClean="0"/>
+              <a:t>IDW</a:t>
+            </a:r>
+            <a:endParaRPr lang="es-ES" dirty="0"/>
+          </a:p>
+        </p:txBody>
+      </p:sp>
+      <p:sp>
+        <p:nvSpPr>
+          <p:cNvPr id="6" name="Marcador de contenido 5"/>
+          <p:cNvSpPr>
+            <a:spLocks noGrp="1"/>
+          </p:cNvSpPr>
+          <p:nvPr>
+            <p:ph idx="1"/>
+          </p:nvPr>
+        </p:nvSpPr>
+        <p:spPr/>
+        <p:txBody>
+          <a:bodyPr/>
+          <a:lstStyle/>
+          <a:p>
+            <a:r>
+              <a:rPr lang="es-ES" dirty="0" smtClean="0"/>
+              <a:t>Ponderación inversa a la distancia</a:t>
+            </a:r>
+          </a:p>
+          <a:p>
+            <a:r>
+              <a:rPr lang="es-ES" dirty="0" smtClean="0"/>
+              <a:t>Considerar puntos dentro de un radio R de la circunferencia, es decir, el área de influencia para el </a:t>
+            </a:r>
+            <a:r>
+              <a:rPr lang="es-ES" b="1" i="1" dirty="0" smtClean="0"/>
+              <a:t>punto</a:t>
+            </a:r>
+            <a:r>
+              <a:rPr lang="es-ES" dirty="0" smtClean="0"/>
+              <a:t> para el q queremos obtener la información.</a:t>
+            </a:r>
+          </a:p>
+          <a:p>
+            <a:endParaRPr lang="es-ES" dirty="0"/>
+          </a:p>
+        </p:txBody>
+      </p:sp>
+    </p:spTree>
+    <p:extLst>
+      <p:ext uri="{BB962C8B-B14F-4D97-AF65-F5344CB8AC3E}">
+        <p14:creationId xmlns:p14="http://schemas.microsoft.com/office/powerpoint/2010/main" val="2087108018"/>
+      </p:ext>
+    </p:extLst>
+  </p:cSld>
+  <p:clrMapOvr>
+    <a:masterClrMapping/>
+  </p:clrMapOvr>
+</p:sld>
+</file>
+
+<file path=ppt/slides/slide34.xml><?xml version="1.0" encoding="utf-8"?>
+<p:sld xmlns:a="http://schemas.openxmlformats.org/drawingml/2006/main" xmlns:r="http://schemas.openxmlformats.org/officeDocument/2006/relationships" xmlns:p="http://schemas.openxmlformats.org/presentationml/2006/main">
+  <p:cSld>
+    <p:spTree>
+      <p:nvGrpSpPr>
+        <p:cNvPr id="1" name=""/>
+        <p:cNvGrpSpPr/>
+        <p:nvPr/>
+      </p:nvGrpSpPr>
+      <p:grpSpPr>
+        <a:xfrm>
+          <a:off x="0" y="0"/>
+          <a:ext cx="0" cy="0"/>
+          <a:chOff x="0" y="0"/>
+          <a:chExt cx="0" cy="0"/>
+        </a:xfrm>
+      </p:grpSpPr>
+      <p:sp>
+        <p:nvSpPr>
+          <p:cNvPr id="2" name="Título 1"/>
+          <p:cNvSpPr>
+            <a:spLocks noGrp="1"/>
+          </p:cNvSpPr>
+          <p:nvPr>
+            <p:ph type="title"/>
+          </p:nvPr>
+        </p:nvSpPr>
+        <p:spPr/>
+        <p:txBody>
+          <a:bodyPr/>
+          <a:lstStyle/>
+          <a:p>
+            <a:r>
+              <a:rPr lang="es-ES" dirty="0" err="1" smtClean="0"/>
+              <a:t>Spline</a:t>
+            </a:r>
+            <a:r>
+              <a:rPr lang="es-ES" dirty="0" smtClean="0"/>
+              <a:t> </a:t>
+            </a:r>
+            <a:endParaRPr lang="es-ES" dirty="0"/>
+          </a:p>
+        </p:txBody>
+      </p:sp>
+      <p:sp>
+        <p:nvSpPr>
+          <p:cNvPr id="3" name="Marcador de contenido 2"/>
+          <p:cNvSpPr>
+            <a:spLocks noGrp="1"/>
+          </p:cNvSpPr>
+          <p:nvPr>
+            <p:ph idx="1"/>
+          </p:nvPr>
+        </p:nvSpPr>
+        <p:spPr/>
+        <p:txBody>
+          <a:bodyPr/>
+          <a:lstStyle/>
+          <a:p>
+            <a:endParaRPr lang="es-ES"/>
+          </a:p>
+        </p:txBody>
+      </p:sp>
+    </p:spTree>
+    <p:extLst>
+      <p:ext uri="{BB962C8B-B14F-4D97-AF65-F5344CB8AC3E}">
+        <p14:creationId xmlns:p14="http://schemas.microsoft.com/office/powerpoint/2010/main" val="711689496"/>
+      </p:ext>
+    </p:extLst>
+  </p:cSld>
+  <p:clrMapOvr>
+    <a:masterClrMapping/>
+  </p:clrMapOvr>
+</p:sld>
+</file>
+
+<file path=ppt/slides/slide35.xml><?xml version="1.0" encoding="utf-8"?>
+<p:sld xmlns:a="http://schemas.openxmlformats.org/drawingml/2006/main" xmlns:r="http://schemas.openxmlformats.org/officeDocument/2006/relationships" xmlns:p="http://schemas.openxmlformats.org/presentationml/2006/main">
+  <p:cSld>
+    <p:spTree>
+      <p:nvGrpSpPr>
+        <p:cNvPr id="1" name=""/>
+        <p:cNvGrpSpPr/>
+        <p:nvPr/>
+      </p:nvGrpSpPr>
+      <p:grpSpPr>
+        <a:xfrm>
+          <a:off x="0" y="0"/>
+          <a:ext cx="0" cy="0"/>
+          <a:chOff x="0" y="0"/>
+          <a:chExt cx="0" cy="0"/>
+        </a:xfrm>
+      </p:grpSpPr>
+      <p:sp>
+        <p:nvSpPr>
+          <p:cNvPr id="2" name="Título 1"/>
+          <p:cNvSpPr>
+            <a:spLocks noGrp="1"/>
+          </p:cNvSpPr>
+          <p:nvPr>
+            <p:ph type="title"/>
+          </p:nvPr>
+        </p:nvSpPr>
+        <p:spPr/>
+        <p:txBody>
+          <a:bodyPr/>
+          <a:lstStyle/>
+          <a:p>
+            <a:r>
+              <a:rPr lang="es-ES" dirty="0" err="1" smtClean="0"/>
+              <a:t>Kriging</a:t>
+            </a:r>
+            <a:r>
+              <a:rPr lang="es-ES" dirty="0" smtClean="0"/>
+              <a:t> </a:t>
+            </a:r>
+            <a:endParaRPr lang="es-ES" dirty="0"/>
+          </a:p>
+        </p:txBody>
+      </p:sp>
+      <p:sp>
+        <p:nvSpPr>
+          <p:cNvPr id="3" name="Marcador de contenido 2"/>
+          <p:cNvSpPr>
+            <a:spLocks noGrp="1"/>
+          </p:cNvSpPr>
+          <p:nvPr>
+            <p:ph idx="1"/>
+          </p:nvPr>
+        </p:nvSpPr>
+        <p:spPr/>
+        <p:txBody>
+          <a:bodyPr/>
+          <a:lstStyle/>
+          <a:p>
+            <a:r>
+              <a:rPr lang="es-ES" dirty="0" smtClean="0"/>
+              <a:t>Dados puntos con observaciones</a:t>
+            </a:r>
+          </a:p>
+          <a:p>
+            <a:r>
+              <a:rPr lang="es-ES" dirty="0" smtClean="0"/>
+              <a:t>Aporta el margen de error también</a:t>
+            </a:r>
+          </a:p>
+          <a:p>
+            <a:r>
+              <a:rPr lang="es-ES" dirty="0" smtClean="0"/>
+              <a:t>Usa los principios de la </a:t>
+            </a:r>
+            <a:r>
+              <a:rPr lang="es-ES" dirty="0" err="1" smtClean="0"/>
+              <a:t>autocorrelación</a:t>
+            </a:r>
+            <a:r>
+              <a:rPr lang="es-ES" dirty="0" smtClean="0"/>
+              <a:t> espacial</a:t>
+            </a:r>
+            <a:endParaRPr lang="es-ES" dirty="0"/>
+          </a:p>
+        </p:txBody>
+      </p:sp>
+    </p:spTree>
+    <p:extLst>
+      <p:ext uri="{BB962C8B-B14F-4D97-AF65-F5344CB8AC3E}">
+        <p14:creationId xmlns:p14="http://schemas.microsoft.com/office/powerpoint/2010/main" val="1088005688"/>
+      </p:ext>
+    </p:extLst>
+  </p:cSld>
+  <p:clrMapOvr>
+    <a:masterClrMapping/>
+  </p:clrMapOvr>
+</p:sld>
+</file>
+
+<file path=ppt/slides/slide36.xml><?xml version="1.0" encoding="utf-8"?>
+<p:sld xmlns:a="http://schemas.openxmlformats.org/drawingml/2006/main" xmlns:r="http://schemas.openxmlformats.org/officeDocument/2006/relationships" xmlns:p="http://schemas.openxmlformats.org/presentationml/2006/main">
+  <p:cSld>
+    <p:spTree>
+      <p:nvGrpSpPr>
+        <p:cNvPr id="1" name=""/>
+        <p:cNvGrpSpPr/>
+        <p:nvPr/>
+      </p:nvGrpSpPr>
+      <p:grpSpPr>
+        <a:xfrm>
+          <a:off x="0" y="0"/>
+          <a:ext cx="0" cy="0"/>
+          <a:chOff x="0" y="0"/>
+          <a:chExt cx="0" cy="0"/>
+        </a:xfrm>
+      </p:grpSpPr>
+      <p:sp>
+        <p:nvSpPr>
+          <p:cNvPr id="2" name="Título 1"/>
+          <p:cNvSpPr>
+            <a:spLocks noGrp="1"/>
+          </p:cNvSpPr>
+          <p:nvPr>
+            <p:ph type="title"/>
+          </p:nvPr>
+        </p:nvSpPr>
+        <p:spPr/>
+        <p:txBody>
+          <a:bodyPr/>
+          <a:lstStyle/>
+          <a:p>
+            <a:r>
+              <a:rPr lang="es-ES" dirty="0" smtClean="0"/>
+              <a:t>Resumen</a:t>
+            </a:r>
+            <a:endParaRPr lang="es-ES" dirty="0"/>
+          </a:p>
+        </p:txBody>
+      </p:sp>
+      <p:sp>
+        <p:nvSpPr>
+          <p:cNvPr id="3" name="Marcador de contenido 2"/>
+          <p:cNvSpPr>
+            <a:spLocks noGrp="1"/>
+          </p:cNvSpPr>
+          <p:nvPr>
+            <p:ph idx="1"/>
+          </p:nvPr>
+        </p:nvSpPr>
+        <p:spPr/>
+        <p:txBody>
+          <a:bodyPr/>
+          <a:lstStyle/>
+          <a:p>
+            <a:r>
+              <a:rPr lang="es-ES" dirty="0" smtClean="0"/>
+              <a:t>Si tengo una serie de observaciones, busco interpolación para los puntos que me faltan. </a:t>
+            </a:r>
+          </a:p>
+          <a:p>
+            <a:endParaRPr lang="es-ES" dirty="0"/>
+          </a:p>
+        </p:txBody>
+      </p:sp>
+    </p:spTree>
+    <p:extLst>
+      <p:ext uri="{BB962C8B-B14F-4D97-AF65-F5344CB8AC3E}">
+        <p14:creationId xmlns:p14="http://schemas.microsoft.com/office/powerpoint/2010/main" val="3027979785"/>
+      </p:ext>
+    </p:extLst>
+  </p:cSld>
+  <p:clrMapOvr>
+    <a:masterClrMapping/>
+  </p:clrMapOvr>
+</p:sld>
+</file>
+
+<file path=ppt/slides/slide37.xml><?xml version="1.0" encoding="utf-8"?>
+<p:sld xmlns:a="http://schemas.openxmlformats.org/drawingml/2006/main" xmlns:r="http://schemas.openxmlformats.org/officeDocument/2006/relationships" xmlns:p="http://schemas.openxmlformats.org/presentationml/2006/main">
+  <p:cSld>
+    <p:spTree>
+      <p:nvGrpSpPr>
+        <p:cNvPr id="1" name=""/>
+        <p:cNvGrpSpPr/>
+        <p:nvPr/>
+      </p:nvGrpSpPr>
+      <p:grpSpPr>
+        <a:xfrm>
+          <a:off x="0" y="0"/>
+          <a:ext cx="0" cy="0"/>
+          <a:chOff x="0" y="0"/>
+          <a:chExt cx="0" cy="0"/>
+        </a:xfrm>
+      </p:grpSpPr>
+      <p:sp>
+        <p:nvSpPr>
+          <p:cNvPr id="2" name="Título 1"/>
+          <p:cNvSpPr>
+            <a:spLocks noGrp="1"/>
+          </p:cNvSpPr>
+          <p:nvPr>
+            <p:ph type="title"/>
+          </p:nvPr>
+        </p:nvSpPr>
+        <p:spPr/>
+        <p:txBody>
+          <a:bodyPr/>
+          <a:lstStyle/>
+          <a:p>
+            <a:r>
+              <a:rPr lang="es-ES" dirty="0" smtClean="0"/>
+              <a:t>6. Estadística espacial </a:t>
+            </a:r>
+            <a:endParaRPr lang="es-ES" dirty="0"/>
+          </a:p>
+        </p:txBody>
+      </p:sp>
+      <p:sp>
+        <p:nvSpPr>
+          <p:cNvPr id="3" name="Marcador de contenido 2"/>
+          <p:cNvSpPr>
+            <a:spLocks noGrp="1"/>
+          </p:cNvSpPr>
+          <p:nvPr>
+            <p:ph idx="1"/>
+          </p:nvPr>
+        </p:nvSpPr>
+        <p:spPr/>
+        <p:txBody>
+          <a:bodyPr/>
+          <a:lstStyle/>
+          <a:p>
+            <a:r>
+              <a:rPr lang="es-ES" dirty="0" smtClean="0"/>
+              <a:t>Objetivos: </a:t>
+            </a:r>
+          </a:p>
+          <a:p>
+            <a:pPr lvl="1"/>
+            <a:r>
+              <a:rPr lang="es-ES" dirty="0" smtClean="0"/>
+              <a:t>Conocer los datos, claros, resumidos</a:t>
+            </a:r>
+          </a:p>
+          <a:p>
+            <a:pPr lvl="1"/>
+            <a:r>
+              <a:rPr lang="es-ES" dirty="0" smtClean="0"/>
+              <a:t>Detectar y cuantificar patrones que sigan los datos</a:t>
+            </a:r>
+          </a:p>
+          <a:p>
+            <a:pPr lvl="1"/>
+            <a:r>
+              <a:rPr lang="es-ES" dirty="0" smtClean="0"/>
+              <a:t>la </a:t>
+            </a:r>
+            <a:r>
+              <a:rPr lang="es-ES" dirty="0" err="1" smtClean="0"/>
+              <a:t>srelaciones</a:t>
+            </a:r>
+            <a:r>
+              <a:rPr lang="es-ES" dirty="0" smtClean="0"/>
+              <a:t> entre ellos</a:t>
+            </a:r>
+          </a:p>
+          <a:p>
+            <a:pPr lvl="1"/>
+            <a:r>
+              <a:rPr lang="es-ES" dirty="0" smtClean="0"/>
+              <a:t>Definir hipótesis para investigarlas</a:t>
+            </a:r>
+          </a:p>
+          <a:p>
+            <a:r>
+              <a:rPr lang="es-ES" b="1" dirty="0" smtClean="0"/>
+              <a:t>Estadística descriptiva</a:t>
+            </a:r>
+            <a:r>
+              <a:rPr lang="es-ES" dirty="0" smtClean="0"/>
+              <a:t>: da visión resumida de los datos.</a:t>
+            </a:r>
+          </a:p>
+          <a:p>
+            <a:pPr lvl="1"/>
+            <a:r>
+              <a:rPr lang="es-ES" dirty="0" smtClean="0"/>
+              <a:t>Media: </a:t>
+            </a:r>
+          </a:p>
+          <a:p>
+            <a:pPr lvl="1"/>
+            <a:r>
+              <a:rPr lang="es-ES" dirty="0" smtClean="0"/>
+              <a:t>Mediana: evita que se meta ruido en la medición (dispersión tremenda entre los datos)</a:t>
+            </a:r>
+            <a:endParaRPr lang="es-ES" dirty="0"/>
+          </a:p>
+        </p:txBody>
+      </p:sp>
+    </p:spTree>
+    <p:extLst>
+      <p:ext uri="{BB962C8B-B14F-4D97-AF65-F5344CB8AC3E}">
+        <p14:creationId xmlns:p14="http://schemas.microsoft.com/office/powerpoint/2010/main" val="4201598391"/>
+      </p:ext>
+    </p:extLst>
+  </p:cSld>
+  <p:clrMapOvr>
+    <a:masterClrMapping/>
+  </p:clrMapOvr>
+</p:sld>
+</file>
+
+<file path=ppt/slides/slide38.xml><?xml version="1.0" encoding="utf-8"?>
+<p:sld xmlns:a="http://schemas.openxmlformats.org/drawingml/2006/main" xmlns:r="http://schemas.openxmlformats.org/officeDocument/2006/relationships" xmlns:p="http://schemas.openxmlformats.org/presentationml/2006/main">
+  <p:cSld>
+    <p:spTree>
+      <p:nvGrpSpPr>
+        <p:cNvPr id="1" name=""/>
+        <p:cNvGrpSpPr/>
+        <p:nvPr/>
+      </p:nvGrpSpPr>
+      <p:grpSpPr>
+        <a:xfrm>
+          <a:off x="0" y="0"/>
+          <a:ext cx="0" cy="0"/>
+          <a:chOff x="0" y="0"/>
+          <a:chExt cx="0" cy="0"/>
+        </a:xfrm>
+      </p:grpSpPr>
+      <p:sp>
+        <p:nvSpPr>
+          <p:cNvPr id="2" name="Título 1"/>
+          <p:cNvSpPr>
+            <a:spLocks noGrp="1"/>
+          </p:cNvSpPr>
+          <p:nvPr>
+            <p:ph type="title"/>
+          </p:nvPr>
+        </p:nvSpPr>
+        <p:spPr/>
+        <p:txBody>
+          <a:bodyPr/>
+          <a:lstStyle/>
+          <a:p>
+            <a:r>
+              <a:rPr lang="es-ES" dirty="0" smtClean="0"/>
+              <a:t>Regresión </a:t>
+            </a:r>
+            <a:endParaRPr lang="es-ES" dirty="0"/>
+          </a:p>
+        </p:txBody>
+      </p:sp>
+      <p:sp>
+        <p:nvSpPr>
+          <p:cNvPr id="3" name="Marcador de contenido 2"/>
+          <p:cNvSpPr>
+            <a:spLocks noGrp="1"/>
+          </p:cNvSpPr>
+          <p:nvPr>
+            <p:ph idx="1"/>
+          </p:nvPr>
+        </p:nvSpPr>
+        <p:spPr/>
+        <p:txBody>
+          <a:bodyPr/>
+          <a:lstStyle/>
+          <a:p>
+            <a:r>
+              <a:rPr lang="es-ES" dirty="0" smtClean="0"/>
+              <a:t>Estudiar el comportamiento de una </a:t>
+            </a:r>
+            <a:r>
+              <a:rPr lang="es-ES" dirty="0" err="1" smtClean="0"/>
+              <a:t>var</a:t>
+            </a:r>
+            <a:r>
+              <a:rPr lang="es-ES" dirty="0" smtClean="0"/>
+              <a:t> en función de otra</a:t>
+            </a:r>
+          </a:p>
+          <a:p>
+            <a:r>
+              <a:rPr lang="es-ES" dirty="0" smtClean="0"/>
+              <a:t>Los puntos se definen en función de las observaciones existentes </a:t>
+            </a:r>
+          </a:p>
+        </p:txBody>
+      </p:sp>
+    </p:spTree>
+    <p:extLst>
+      <p:ext uri="{BB962C8B-B14F-4D97-AF65-F5344CB8AC3E}">
+        <p14:creationId xmlns:p14="http://schemas.microsoft.com/office/powerpoint/2010/main" val="71733420"/>
+      </p:ext>
+    </p:extLst>
+  </p:cSld>
+  <p:clrMapOvr>
+    <a:masterClrMapping/>
+  </p:clrMapOvr>
+</p:sld>
+</file>
+
+<file path=ppt/slides/slide39.xml><?xml version="1.0" encoding="utf-8"?>
+<p:sld xmlns:a="http://schemas.openxmlformats.org/drawingml/2006/main" xmlns:r="http://schemas.openxmlformats.org/officeDocument/2006/relationships" xmlns:p="http://schemas.openxmlformats.org/presentationml/2006/main">
+  <p:cSld>
+    <p:spTree>
+      <p:nvGrpSpPr>
+        <p:cNvPr id="1" name=""/>
+        <p:cNvGrpSpPr/>
+        <p:nvPr/>
+      </p:nvGrpSpPr>
+      <p:grpSpPr>
+        <a:xfrm>
+          <a:off x="0" y="0"/>
+          <a:ext cx="0" cy="0"/>
+          <a:chOff x="0" y="0"/>
+          <a:chExt cx="0" cy="0"/>
+        </a:xfrm>
+      </p:grpSpPr>
+      <p:sp>
+        <p:nvSpPr>
+          <p:cNvPr id="2" name="Título 1"/>
+          <p:cNvSpPr>
+            <a:spLocks noGrp="1"/>
+          </p:cNvSpPr>
+          <p:nvPr>
+            <p:ph type="title"/>
+          </p:nvPr>
+        </p:nvSpPr>
+        <p:spPr/>
+        <p:txBody>
+          <a:bodyPr/>
+          <a:lstStyle/>
+          <a:p>
+            <a:r>
+              <a:rPr lang="es-ES" dirty="0" smtClean="0"/>
+              <a:t>Conclusiones </a:t>
+            </a:r>
+            <a:endParaRPr lang="es-ES" dirty="0"/>
+          </a:p>
+        </p:txBody>
+      </p:sp>
+      <p:sp>
+        <p:nvSpPr>
+          <p:cNvPr id="4" name="Marcador de contenido 3"/>
+          <p:cNvSpPr>
+            <a:spLocks noGrp="1"/>
+          </p:cNvSpPr>
+          <p:nvPr>
+            <p:ph idx="1"/>
+          </p:nvPr>
+        </p:nvSpPr>
+        <p:spPr/>
+        <p:txBody>
+          <a:bodyPr/>
+          <a:lstStyle/>
+          <a:p>
+            <a:r>
+              <a:rPr lang="es-ES" dirty="0" smtClean="0"/>
+              <a:t>Las técnicas las podemos aplicar sobre nuestra información de una forma relativamente simple.</a:t>
+            </a:r>
+          </a:p>
+          <a:p>
+            <a:endParaRPr lang="es-ES" dirty="0" smtClean="0"/>
+          </a:p>
+        </p:txBody>
+      </p:sp>
+      <p:sp>
+        <p:nvSpPr>
+          <p:cNvPr id="5" name="Marcador de texto 4"/>
+          <p:cNvSpPr>
+            <a:spLocks noGrp="1"/>
+          </p:cNvSpPr>
+          <p:nvPr>
+            <p:ph type="body" sz="half" idx="2"/>
+          </p:nvPr>
+        </p:nvSpPr>
+        <p:spPr/>
+        <p:txBody>
+          <a:bodyPr/>
+          <a:lstStyle/>
+          <a:p>
+            <a:endParaRPr lang="es-ES"/>
+          </a:p>
+        </p:txBody>
+      </p:sp>
+    </p:spTree>
+    <p:extLst>
+      <p:ext uri="{BB962C8B-B14F-4D97-AF65-F5344CB8AC3E}">
+        <p14:creationId xmlns:p14="http://schemas.microsoft.com/office/powerpoint/2010/main" val="3832252153"/>
+      </p:ext>
+    </p:extLst>
+  </p:cSld>
+  <p:clrMapOvr>
+    <a:masterClrMapping/>
+  </p:clrMapOvr>
 </p:sld>
 </file>
 
@@ -5862,14 +8558,10 @@
         <p:spPr/>
         <p:txBody>
           <a:bodyPr>
-            <a:normAutofit fontScale="90000"/>
+            <a:normAutofit/>
           </a:bodyPr>
           <a:lstStyle/>
           <a:p>
-            <a:r>
-              <a:rPr lang="es-ES" dirty="0" smtClean="0"/>
-              <a:t>1. ¿En qué consiste el análisis de información geográfica?</a:t>
-            </a:r>
             <a:endParaRPr lang="es-ES" dirty="0"/>
           </a:p>
         </p:txBody>
@@ -5889,33 +8581,14 @@
           <a:bodyPr/>
           <a:lstStyle/>
           <a:p>
-            <a:endParaRPr lang="es-ES"/>
-          </a:p>
-        </p:txBody>
-      </p:sp>
-      <p:sp>
-        <p:nvSpPr>
-          <p:cNvPr id="4" name="Marcador de texto 3"/>
-          <p:cNvSpPr>
-            <a:spLocks noGrp="1"/>
-          </p:cNvSpPr>
-          <p:nvPr>
-            <p:ph type="body" sz="half" idx="2"/>
-          </p:nvPr>
-        </p:nvSpPr>
-        <p:spPr/>
-        <p:txBody>
-          <a:bodyPr/>
-          <a:lstStyle/>
-          <a:p>
-            <a:endParaRPr lang="es-ES"/>
+            <a:endParaRPr lang="es-ES" dirty="0"/>
           </a:p>
         </p:txBody>
       </p:sp>
     </p:spTree>
     <p:extLst>
       <p:ext uri="{BB962C8B-B14F-4D97-AF65-F5344CB8AC3E}">
-        <p14:creationId xmlns:p14="http://schemas.microsoft.com/office/powerpoint/2010/main" val="2895330405"/>
+        <p14:creationId xmlns:p14="http://schemas.microsoft.com/office/powerpoint/2010/main" val="2124647439"/>
       </p:ext>
     </p:extLst>
   </p:cSld>
@@ -5951,7 +8624,7 @@
       </p:grpSpPr>
       <p:sp>
         <p:nvSpPr>
-          <p:cNvPr id="4" name="Título 3"/>
+          <p:cNvPr id="2" name="Título 1"/>
           <p:cNvSpPr>
             <a:spLocks noGrp="1"/>
           </p:cNvSpPr>
@@ -5961,12 +8634,14 @@
         </p:nvSpPr>
         <p:spPr/>
         <p:txBody>
-          <a:bodyPr/>
-          <a:lstStyle/>
-          <a:p>
-            <a:r>
-              <a:rPr lang="es-ES" dirty="0" smtClean="0"/>
-              <a:t>Historia</a:t>
+          <a:bodyPr>
+            <a:normAutofit fontScale="90000"/>
+          </a:bodyPr>
+          <a:lstStyle/>
+          <a:p>
+            <a:r>
+              <a:rPr lang="es-ES" dirty="0" smtClean="0"/>
+              <a:t>1. ¿En qué consiste el análisis de información geográfica?</a:t>
             </a:r>
             <a:endParaRPr lang="es-ES" dirty="0"/>
           </a:p>
@@ -5974,7 +8649,7 @@
       </p:sp>
       <p:sp>
         <p:nvSpPr>
-          <p:cNvPr id="5" name="Marcador de contenido 4"/>
+          <p:cNvPr id="3" name="Marcador de contenido 2"/>
           <p:cNvSpPr>
             <a:spLocks noGrp="1"/>
           </p:cNvSpPr>
@@ -5984,69 +8659,36 @@
         </p:nvSpPr>
         <p:spPr/>
         <p:txBody>
-          <a:bodyPr>
-            <a:normAutofit/>
-          </a:bodyPr>
-          <a:lstStyle/>
-          <a:p>
-            <a:r>
-              <a:rPr lang="es-ES" dirty="0" smtClean="0"/>
-              <a:t>Estudio de Snow en el </a:t>
-            </a:r>
-            <a:r>
-              <a:rPr lang="es-ES" dirty="0" err="1" smtClean="0"/>
-              <a:t>Soho</a:t>
-            </a:r>
-            <a:r>
-              <a:rPr lang="es-ES" dirty="0" smtClean="0"/>
-              <a:t> sobre causas del cólera</a:t>
-            </a:r>
-          </a:p>
-          <a:p>
-            <a:r>
-              <a:rPr lang="es-ES" dirty="0" smtClean="0"/>
-              <a:t>Se producían casos de cólera en este barrio, y no se conocían los motivos</a:t>
-            </a:r>
-          </a:p>
-          <a:p>
-            <a:r>
-              <a:rPr lang="es-ES" dirty="0" smtClean="0"/>
-              <a:t>Snow toma el plano y representa los casos de muertes y con X dónde estaban las bombas de agua</a:t>
-            </a:r>
-          </a:p>
-          <a:p>
-            <a:r>
-              <a:rPr lang="es-ES" dirty="0" smtClean="0"/>
-              <a:t>Se asocian estas dos ubicaciones</a:t>
-            </a:r>
-          </a:p>
-          <a:p>
-            <a:pPr lvl="1"/>
-            <a:r>
-              <a:rPr lang="es-ES" dirty="0" smtClean="0"/>
-              <a:t>Motivo del cólera: las bombas de agua</a:t>
-            </a:r>
-          </a:p>
-          <a:p>
-            <a:r>
-              <a:rPr lang="es-ES" dirty="0" smtClean="0"/>
-              <a:t>MORALEJA</a:t>
-            </a:r>
-          </a:p>
-          <a:p>
-            <a:pPr lvl="1"/>
-            <a:r>
-              <a:rPr lang="es-ES" dirty="0" smtClean="0"/>
-              <a:t>El análisis permite hacer evidentes hechos más complejos de identificar sin él</a:t>
-            </a:r>
-            <a:endParaRPr lang="es-ES" dirty="0"/>
+          <a:bodyPr/>
+          <a:lstStyle/>
+          <a:p>
+            <a:endParaRPr lang="es-ES"/>
+          </a:p>
+        </p:txBody>
+      </p:sp>
+      <p:sp>
+        <p:nvSpPr>
+          <p:cNvPr id="4" name="Marcador de texto 3"/>
+          <p:cNvSpPr>
+            <a:spLocks noGrp="1"/>
+          </p:cNvSpPr>
+          <p:nvPr>
+            <p:ph type="body" sz="half" idx="2"/>
+          </p:nvPr>
+        </p:nvSpPr>
+        <p:spPr/>
+        <p:txBody>
+          <a:bodyPr/>
+          <a:lstStyle/>
+          <a:p>
+            <a:endParaRPr lang="es-ES"/>
           </a:p>
         </p:txBody>
       </p:sp>
     </p:spTree>
     <p:extLst>
       <p:ext uri="{BB962C8B-B14F-4D97-AF65-F5344CB8AC3E}">
-        <p14:creationId xmlns:p14="http://schemas.microsoft.com/office/powerpoint/2010/main" val="241014624"/>
+        <p14:creationId xmlns:p14="http://schemas.microsoft.com/office/powerpoint/2010/main" val="2895330405"/>
       </p:ext>
     </p:extLst>
   </p:cSld>
@@ -6082,7 +8724,7 @@
       </p:grpSpPr>
       <p:sp>
         <p:nvSpPr>
-          <p:cNvPr id="2" name="Título 1"/>
+          <p:cNvPr id="4" name="Título 3"/>
           <p:cNvSpPr>
             <a:spLocks noGrp="1"/>
           </p:cNvSpPr>
@@ -6097,7 +8739,7 @@
           <a:p>
             <a:r>
               <a:rPr lang="es-ES" dirty="0" smtClean="0"/>
-              <a:t>Concepto</a:t>
+              <a:t>Historia</a:t>
             </a:r>
             <a:endParaRPr lang="es-ES" dirty="0"/>
           </a:p>
@@ -6105,7 +8747,7 @@
       </p:sp>
       <p:sp>
         <p:nvSpPr>
-          <p:cNvPr id="3" name="Marcador de contenido 2"/>
+          <p:cNvPr id="5" name="Marcador de contenido 4"/>
           <p:cNvSpPr>
             <a:spLocks noGrp="1"/>
           </p:cNvSpPr>
@@ -6121,73 +8763,54 @@
           <a:lstStyle/>
           <a:p>
             <a:r>
-              <a:rPr lang="es-ES" b="1" dirty="0" smtClean="0"/>
-              <a:t>Para el análisis se requiere un usuario experto.</a:t>
-            </a:r>
-          </a:p>
-          <a:p>
-            <a:pPr lvl="1"/>
-            <a:r>
-              <a:rPr lang="es-ES" dirty="0" smtClean="0"/>
-              <a:t>El ordenador apoya al usuario, NO LO REEMPLAZA</a:t>
-            </a:r>
-          </a:p>
-          <a:p>
-            <a:r>
-              <a:rPr lang="es-ES" dirty="0" smtClean="0"/>
-              <a:t>Análisis de IG</a:t>
-            </a:r>
-          </a:p>
-          <a:p>
-            <a:pPr lvl="1"/>
-            <a:r>
-              <a:rPr lang="es-ES" dirty="0" smtClean="0"/>
-              <a:t>Añade valor a los datos geográficos para que puedan ser analizados</a:t>
-            </a:r>
-          </a:p>
-          <a:p>
-            <a:r>
-              <a:rPr lang="es-ES" dirty="0" smtClean="0"/>
-              <a:t>Ejemplos</a:t>
-            </a:r>
-          </a:p>
-          <a:p>
-            <a:pPr marL="800100" lvl="1" indent="-342900">
-              <a:buFont typeface="+mj-lt"/>
-              <a:buAutoNum type="arabicPeriod"/>
-            </a:pPr>
-            <a:r>
-              <a:rPr lang="es-ES" dirty="0" smtClean="0"/>
-              <a:t>El cólera en el </a:t>
+              <a:rPr lang="es-ES" dirty="0" smtClean="0"/>
+              <a:t>Estudio de Snow en el </a:t>
             </a:r>
             <a:r>
               <a:rPr lang="es-ES" dirty="0" err="1" smtClean="0"/>
               <a:t>Soho</a:t>
             </a:r>
-            <a:endParaRPr lang="es-ES" dirty="0" smtClean="0"/>
-          </a:p>
-          <a:p>
-            <a:pPr marL="800100" lvl="1" indent="-342900">
-              <a:buFont typeface="+mj-lt"/>
-              <a:buAutoNum type="arabicPeriod"/>
-            </a:pPr>
-            <a:r>
-              <a:rPr lang="es-ES" dirty="0" smtClean="0"/>
-              <a:t>Enfermedad de las mascotas.</a:t>
-            </a:r>
-          </a:p>
-          <a:p>
-            <a:pPr lvl="1"/>
-            <a:r>
-              <a:rPr lang="es-ES" dirty="0" smtClean="0"/>
-              <a:t>A partir de estos datos, se pueden tomar decisiones que de otra forma no serían tan acertadas</a:t>
-            </a:r>
-          </a:p>
-          <a:p>
-            <a:pPr lvl="1"/>
-            <a:r>
-              <a:rPr lang="es-ES" dirty="0" smtClean="0"/>
-              <a:t>Se basan en disponer de IG que pueda añadirse a datos adiciones para obtener esas conclusiones</a:t>
+            <a:r>
+              <a:rPr lang="es-ES" dirty="0" smtClean="0"/>
+              <a:t> sobre causas del cólera</a:t>
+            </a:r>
+          </a:p>
+          <a:p>
+            <a:r>
+              <a:rPr lang="es-ES" dirty="0" smtClean="0"/>
+              <a:t>Se producían casos de cólera en este barrio, y no se conocían los motivos</a:t>
+            </a:r>
+          </a:p>
+          <a:p>
+            <a:r>
+              <a:rPr lang="es-ES" dirty="0" smtClean="0"/>
+              <a:t>Snow toma el plano y representa los casos de muertes y con X dónde estaban las bombas de agua</a:t>
+            </a:r>
+          </a:p>
+          <a:p>
+            <a:r>
+              <a:rPr lang="es-ES" dirty="0" smtClean="0"/>
+              <a:t>Se asocian estas dos ubicaciones</a:t>
+            </a:r>
+          </a:p>
+          <a:p>
+            <a:pPr lvl="1"/>
+            <a:r>
+              <a:rPr lang="es-ES" dirty="0" smtClean="0"/>
+              <a:t>Motivo del cólera: las bombas de agua</a:t>
+            </a:r>
+          </a:p>
+          <a:p>
+            <a:r>
+              <a:rPr lang="es-ES" dirty="0" smtClean="0"/>
+              <a:t>MORALEJA</a:t>
+            </a:r>
+          </a:p>
+          <a:p>
+            <a:pPr lvl="1"/>
+            <a:r>
+              <a:rPr lang="es-ES" dirty="0" smtClean="0"/>
+              <a:t>El análisis permite hacer evidentes hechos más complejos de identificar sin él</a:t>
             </a:r>
             <a:endParaRPr lang="es-ES" dirty="0"/>
           </a:p>
@@ -6196,7 +8819,7 @@
     </p:spTree>
     <p:extLst>
       <p:ext uri="{BB962C8B-B14F-4D97-AF65-F5344CB8AC3E}">
-        <p14:creationId xmlns:p14="http://schemas.microsoft.com/office/powerpoint/2010/main" val="2730257300"/>
+        <p14:creationId xmlns:p14="http://schemas.microsoft.com/office/powerpoint/2010/main" val="241014624"/>
       </p:ext>
     </p:extLst>
   </p:cSld>
@@ -6247,7 +8870,7 @@
           <a:p>
             <a:r>
               <a:rPr lang="es-ES" dirty="0" smtClean="0"/>
-              <a:t>Flujo de operaciones</a:t>
+              <a:t>Concepto</a:t>
             </a:r>
             <a:endParaRPr lang="es-ES" dirty="0"/>
           </a:p>
@@ -6266,118 +8889,90 @@
         <p:spPr/>
         <p:txBody>
           <a:bodyPr>
-            <a:normAutofit fontScale="92500" lnSpcReduction="10000"/>
+            <a:normAutofit/>
           </a:bodyPr>
           <a:lstStyle/>
           <a:p>
             <a:r>
-              <a:rPr lang="es-ES" dirty="0" smtClean="0"/>
-              <a:t>¿Cómo haremos el análisis?</a:t>
-            </a:r>
-          </a:p>
-          <a:p>
-            <a:pPr lvl="1"/>
-            <a:r>
-              <a:rPr lang="es-ES" dirty="0" smtClean="0"/>
-              <a:t>Operaciones sobre capas</a:t>
-            </a:r>
-          </a:p>
-          <a:p>
-            <a:r>
-              <a:rPr lang="es-ES" dirty="0" smtClean="0"/>
-              <a:t>Proceso</a:t>
-            </a:r>
-          </a:p>
-          <a:p>
-            <a:pPr lvl="1"/>
-            <a:r>
-              <a:rPr lang="es-ES" dirty="0" smtClean="0"/>
-              <a:t>Capa de entrada</a:t>
-            </a:r>
-          </a:p>
-          <a:p>
-            <a:pPr lvl="1"/>
-            <a:r>
-              <a:rPr lang="es-ES" dirty="0" smtClean="0"/>
-              <a:t>Operación espacial</a:t>
-            </a:r>
-          </a:p>
-          <a:p>
-            <a:r>
-              <a:rPr lang="es-ES" dirty="0" smtClean="0"/>
-              <a:t>Tipos de operaciones</a:t>
-            </a:r>
-          </a:p>
-          <a:p>
-            <a:pPr lvl="1"/>
-            <a:r>
-              <a:rPr lang="es-ES" dirty="0" smtClean="0"/>
-              <a:t>Según las capas de entrada y salida</a:t>
-            </a:r>
-          </a:p>
-          <a:p>
-            <a:pPr lvl="2"/>
-            <a:r>
-              <a:rPr lang="es-ES" dirty="0" smtClean="0"/>
-              <a:t>Dada una capa de entrada, salen varias de salida</a:t>
-            </a:r>
-          </a:p>
-          <a:p>
-            <a:pPr lvl="2"/>
-            <a:r>
-              <a:rPr lang="es-ES" dirty="0" smtClean="0"/>
-              <a:t>Varias capas de entrada, y una </a:t>
+              <a:rPr lang="es-ES" b="1" dirty="0" smtClean="0"/>
+              <a:t>Para el análisis se requiere un usuario experto.</a:t>
+            </a:r>
+          </a:p>
+          <a:p>
+            <a:pPr lvl="1"/>
+            <a:r>
+              <a:rPr lang="es-ES" dirty="0" smtClean="0"/>
+              <a:t>El ordenador apoya al usuario, NO LO REEMPLAZA</a:t>
+            </a:r>
+          </a:p>
+          <a:p>
+            <a:r>
+              <a:rPr lang="es-ES" dirty="0" smtClean="0"/>
+              <a:t>Análisis de IG</a:t>
+            </a:r>
+          </a:p>
+          <a:p>
+            <a:pPr lvl="1"/>
+            <a:r>
+              <a:rPr lang="es-ES" dirty="0" smtClean="0"/>
+              <a:t>Añade valor a los datos geográficos para que puedan ser analizados</a:t>
+            </a:r>
+          </a:p>
+          <a:p>
+            <a:r>
+              <a:rPr lang="es-ES" dirty="0" smtClean="0"/>
+              <a:t>Ejemplos</a:t>
+            </a:r>
+          </a:p>
+          <a:p>
+            <a:pPr marL="800100" lvl="1" indent="-342900">
+              <a:buFont typeface="+mj-lt"/>
+              <a:buAutoNum type="arabicPeriod"/>
+            </a:pPr>
+            <a:r>
+              <a:rPr lang="es-ES" dirty="0" smtClean="0"/>
+              <a:t>El cólera en el </a:t>
             </a:r>
             <a:r>
               <a:rPr lang="es-ES" dirty="0" err="1" smtClean="0"/>
-              <a:t>sóla</a:t>
-            </a:r>
-            <a:r>
-              <a:rPr lang="es-ES" dirty="0" smtClean="0"/>
-              <a:t> de salida</a:t>
-            </a:r>
-          </a:p>
-          <a:p>
-            <a:pPr lvl="1"/>
-            <a:r>
-              <a:rPr lang="es-ES" dirty="0" smtClean="0"/>
-              <a:t>Operaciones de conversión (</a:t>
-            </a:r>
-            <a:r>
-              <a:rPr lang="es-ES" dirty="0" err="1" smtClean="0"/>
-              <a:t>raster</a:t>
-            </a:r>
-            <a:r>
-              <a:rPr lang="es-ES" dirty="0" smtClean="0"/>
-              <a:t>-vectorial y viceversa)</a:t>
-            </a:r>
-          </a:p>
-          <a:p>
-            <a:pPr lvl="1"/>
-            <a:r>
-              <a:rPr lang="es-ES" dirty="0" smtClean="0"/>
-              <a:t>Según el ámbito</a:t>
-            </a:r>
-          </a:p>
-          <a:p>
-            <a:pPr lvl="2"/>
-            <a:r>
-              <a:rPr lang="es-ES" dirty="0" smtClean="0"/>
-              <a:t>Local</a:t>
-            </a:r>
-          </a:p>
-          <a:p>
-            <a:pPr lvl="2"/>
-            <a:r>
-              <a:rPr lang="es-ES" dirty="0" smtClean="0"/>
-              <a:t>Vecindad</a:t>
-            </a:r>
-          </a:p>
-          <a:p>
-            <a:pPr lvl="2"/>
-            <a:r>
-              <a:rPr lang="es-ES" dirty="0" smtClean="0"/>
-              <a:t>Global </a:t>
+              <a:t>Soho</a:t>
+            </a:r>
+            <a:endParaRPr lang="es-ES" dirty="0" smtClean="0"/>
+          </a:p>
+          <a:p>
+            <a:pPr marL="800100" lvl="1" indent="-342900">
+              <a:buFont typeface="+mj-lt"/>
+              <a:buAutoNum type="arabicPeriod"/>
+            </a:pPr>
+            <a:r>
+              <a:rPr lang="es-ES" dirty="0" smtClean="0"/>
+              <a:t>Enfermedad de las mascotas.</a:t>
+            </a:r>
+          </a:p>
+          <a:p>
+            <a:pPr lvl="1"/>
+            <a:r>
+              <a:rPr lang="es-ES" dirty="0" smtClean="0"/>
+              <a:t>A partir de estos datos, se pueden </a:t>
+            </a:r>
+            <a:r>
+              <a:rPr lang="es-ES" b="1" dirty="0" smtClean="0">
+                <a:solidFill>
+                  <a:srgbClr val="FF0000"/>
+                </a:solidFill>
+              </a:rPr>
+              <a:t>tomar decisiones </a:t>
+            </a:r>
+            <a:r>
+              <a:rPr lang="es-ES" dirty="0" smtClean="0"/>
+              <a:t>que de otra forma no serían tan acertadas. </a:t>
+            </a:r>
+          </a:p>
+          <a:p>
+            <a:pPr lvl="1"/>
+            <a:r>
+              <a:rPr lang="es-ES" dirty="0" smtClean="0"/>
+              <a:t>Se basan en disponer de IG que pueda añadirse a datos adiciones para obtener esas conclusiones.</a:t>
             </a:r>
             <a:endParaRPr lang="es-ES" dirty="0"/>
           </a:p>
@@ -6386,7 +8981,7 @@
     </p:spTree>
     <p:extLst>
       <p:ext uri="{BB962C8B-B14F-4D97-AF65-F5344CB8AC3E}">
-        <p14:creationId xmlns:p14="http://schemas.microsoft.com/office/powerpoint/2010/main" val="3582118067"/>
+        <p14:creationId xmlns:p14="http://schemas.microsoft.com/office/powerpoint/2010/main" val="2730257300"/>
       </p:ext>
     </p:extLst>
   </p:cSld>
@@ -6430,68 +9025,153 @@
             <p:ph type="title"/>
           </p:nvPr>
         </p:nvSpPr>
-        <p:spPr>
-          <a:xfrm>
-            <a:off x="342900" y="594359"/>
-            <a:ext cx="2400300" cy="2286000"/>
-          </a:xfrm>
-        </p:spPr>
+        <p:spPr/>
+        <p:txBody>
+          <a:bodyPr/>
+          <a:lstStyle/>
+          <a:p>
+            <a:r>
+              <a:rPr lang="es-ES" dirty="0" smtClean="0"/>
+              <a:t>Flujo de operaciones</a:t>
+            </a:r>
+            <a:endParaRPr lang="es-ES" dirty="0"/>
+          </a:p>
+        </p:txBody>
+      </p:sp>
+      <p:sp>
+        <p:nvSpPr>
+          <p:cNvPr id="3" name="Marcador de contenido 2"/>
+          <p:cNvSpPr>
+            <a:spLocks noGrp="1"/>
+          </p:cNvSpPr>
+          <p:nvPr>
+            <p:ph idx="1"/>
+          </p:nvPr>
+        </p:nvSpPr>
+        <p:spPr/>
         <p:txBody>
           <a:bodyPr>
-            <a:normAutofit/>
+            <a:normAutofit fontScale="92500" lnSpcReduction="10000"/>
           </a:bodyPr>
           <a:lstStyle/>
           <a:p>
             <a:r>
-              <a:rPr lang="es-ES" sz="2800" dirty="0" smtClean="0"/>
-              <a:t>2. Operaciones fundamentales en SIG</a:t>
-            </a:r>
-            <a:endParaRPr lang="es-ES" sz="2800" dirty="0"/>
-          </a:p>
-        </p:txBody>
-      </p:sp>
-      <p:sp>
-        <p:nvSpPr>
-          <p:cNvPr id="4" name="Marcador de contenido 3"/>
-          <p:cNvSpPr>
-            <a:spLocks noGrp="1"/>
-          </p:cNvSpPr>
-          <p:nvPr>
-            <p:ph idx="1"/>
-          </p:nvPr>
-        </p:nvSpPr>
-        <p:spPr/>
-        <p:txBody>
-          <a:bodyPr/>
-          <a:lstStyle/>
-          <a:p>
-            <a:endParaRPr lang="es-ES"/>
-          </a:p>
-        </p:txBody>
-      </p:sp>
-      <p:sp>
-        <p:nvSpPr>
-          <p:cNvPr id="5" name="Marcador de texto 4"/>
-          <p:cNvSpPr>
-            <a:spLocks noGrp="1"/>
-          </p:cNvSpPr>
-          <p:nvPr>
-            <p:ph type="body" sz="half" idx="2"/>
-          </p:nvPr>
-        </p:nvSpPr>
-        <p:spPr/>
-        <p:txBody>
-          <a:bodyPr/>
-          <a:lstStyle/>
-          <a:p>
-            <a:endParaRPr lang="es-ES"/>
+              <a:rPr lang="es-ES" dirty="0" smtClean="0"/>
+              <a:t>¿Cómo haremos el análisis?</a:t>
+            </a:r>
+          </a:p>
+          <a:p>
+            <a:pPr lvl="1"/>
+            <a:r>
+              <a:rPr lang="es-ES" dirty="0" smtClean="0"/>
+              <a:t>Operaciones sobre capas</a:t>
+            </a:r>
+          </a:p>
+          <a:p>
+            <a:r>
+              <a:rPr lang="es-ES" dirty="0" smtClean="0"/>
+              <a:t>Proceso</a:t>
+            </a:r>
+          </a:p>
+          <a:p>
+            <a:pPr lvl="1"/>
+            <a:r>
+              <a:rPr lang="es-ES" dirty="0" smtClean="0"/>
+              <a:t>Capa de entrada</a:t>
+            </a:r>
+          </a:p>
+          <a:p>
+            <a:pPr lvl="1"/>
+            <a:r>
+              <a:rPr lang="es-ES" dirty="0" smtClean="0"/>
+              <a:t>Operación espacial</a:t>
+            </a:r>
+          </a:p>
+          <a:p>
+            <a:r>
+              <a:rPr lang="es-ES" dirty="0" smtClean="0"/>
+              <a:t>Tipos de operaciones</a:t>
+            </a:r>
+          </a:p>
+          <a:p>
+            <a:pPr lvl="1"/>
+            <a:r>
+              <a:rPr lang="es-ES" dirty="0" smtClean="0"/>
+              <a:t>Según las capas de entrada y salida</a:t>
+            </a:r>
+          </a:p>
+          <a:p>
+            <a:pPr lvl="2"/>
+            <a:r>
+              <a:rPr lang="es-ES" dirty="0" smtClean="0"/>
+              <a:t>Dada una capa de entrada, salen varias de salida</a:t>
+            </a:r>
+          </a:p>
+          <a:p>
+            <a:pPr lvl="2"/>
+            <a:r>
+              <a:rPr lang="es-ES" dirty="0" smtClean="0"/>
+              <a:t>Varias capas de entrada, y una </a:t>
+            </a:r>
+            <a:r>
+              <a:rPr lang="es-ES" dirty="0" err="1" smtClean="0"/>
+              <a:t>sóla</a:t>
+            </a:r>
+            <a:r>
+              <a:rPr lang="es-ES" dirty="0" smtClean="0"/>
+              <a:t> de salida</a:t>
+            </a:r>
+          </a:p>
+          <a:p>
+            <a:pPr lvl="1"/>
+            <a:r>
+              <a:rPr lang="es-ES" dirty="0" smtClean="0"/>
+              <a:t>Operaciones de conversión (</a:t>
+            </a:r>
+            <a:r>
+              <a:rPr lang="es-ES" dirty="0" err="1" smtClean="0"/>
+              <a:t>raster</a:t>
+            </a:r>
+            <a:r>
+              <a:rPr lang="es-ES" dirty="0" smtClean="0"/>
+              <a:t>-vectorial y viceversa)</a:t>
+            </a:r>
+          </a:p>
+          <a:p>
+            <a:pPr lvl="1"/>
+            <a:r>
+              <a:rPr lang="es-ES" dirty="0" smtClean="0"/>
+              <a:t>Según el ámbito</a:t>
+            </a:r>
+          </a:p>
+          <a:p>
+            <a:pPr lvl="2"/>
+            <a:r>
+              <a:rPr lang="es-ES" dirty="0" smtClean="0"/>
+              <a:t>Local</a:t>
+            </a:r>
+          </a:p>
+          <a:p>
+            <a:pPr lvl="2"/>
+            <a:r>
+              <a:rPr lang="es-ES" dirty="0" smtClean="0"/>
+              <a:t>Vecindad</a:t>
+            </a:r>
+          </a:p>
+          <a:p>
+            <a:pPr lvl="2"/>
+            <a:r>
+              <a:rPr lang="es-ES" dirty="0" smtClean="0"/>
+              <a:t>Global </a:t>
+            </a:r>
+            <a:endParaRPr lang="es-ES" dirty="0"/>
           </a:p>
         </p:txBody>
       </p:sp>
     </p:spTree>
     <p:extLst>
       <p:ext uri="{BB962C8B-B14F-4D97-AF65-F5344CB8AC3E}">
-        <p14:creationId xmlns:p14="http://schemas.microsoft.com/office/powerpoint/2010/main" val="1925446636"/>
+        <p14:creationId xmlns:p14="http://schemas.microsoft.com/office/powerpoint/2010/main" val="3582118067"/>
       </p:ext>
     </p:extLst>
   </p:cSld>
@@ -6535,6 +9215,36 @@
             <p:ph type="title"/>
           </p:nvPr>
         </p:nvSpPr>
+        <p:spPr>
+          <a:xfrm>
+            <a:off x="342900" y="594359"/>
+            <a:ext cx="2400300" cy="2286000"/>
+          </a:xfrm>
+        </p:spPr>
+        <p:txBody>
+          <a:bodyPr>
+            <a:normAutofit/>
+          </a:bodyPr>
+          <a:lstStyle/>
+          <a:p>
+            <a:r>
+              <a:rPr lang="es-ES" sz="2800" dirty="0" smtClean="0"/>
+              <a:t>2. Operaciones fundamentales en SIG</a:t>
+            </a:r>
+            <a:endParaRPr lang="es-ES" sz="2800" dirty="0"/>
+          </a:p>
+        </p:txBody>
+      </p:sp>
+      <p:sp>
+        <p:nvSpPr>
+          <p:cNvPr id="4" name="Marcador de contenido 3"/>
+          <p:cNvSpPr>
+            <a:spLocks noGrp="1"/>
+          </p:cNvSpPr>
+          <p:nvPr>
+            <p:ph idx="1"/>
+          </p:nvPr>
+        </p:nvSpPr>
         <p:spPr/>
         <p:txBody>
           <a:bodyPr/>
@@ -6544,181 +9254,52 @@
               <a:rPr lang="es-ES" dirty="0" smtClean="0"/>
               <a:t>Consultas espaciales</a:t>
             </a:r>
+          </a:p>
+          <a:p>
+            <a:r>
+              <a:rPr lang="es-ES" dirty="0" smtClean="0"/>
+              <a:t>Clasificación</a:t>
+            </a:r>
+          </a:p>
+          <a:p>
+            <a:r>
+              <a:rPr lang="es-ES" dirty="0" smtClean="0"/>
+              <a:t>Medidas geométricas y de </a:t>
+            </a:r>
+            <a:r>
+              <a:rPr lang="es-ES" dirty="0" err="1" smtClean="0"/>
+              <a:t>dist</a:t>
+            </a:r>
+            <a:endParaRPr lang="es-ES" dirty="0" smtClean="0"/>
+          </a:p>
+          <a:p>
             <a:endParaRPr lang="es-ES" dirty="0"/>
           </a:p>
         </p:txBody>
       </p:sp>
       <p:sp>
         <p:nvSpPr>
-          <p:cNvPr id="3" name="Marcador de contenido 2"/>
-          <p:cNvSpPr>
-            <a:spLocks noGrp="1"/>
-          </p:cNvSpPr>
-          <p:nvPr>
-            <p:ph idx="1"/>
-          </p:nvPr>
-        </p:nvSpPr>
-        <p:spPr/>
-        <p:txBody>
-          <a:bodyPr>
-            <a:normAutofit fontScale="85000" lnSpcReduction="20000"/>
-          </a:bodyPr>
-          <a:lstStyle/>
-          <a:p>
-            <a:pPr marL="457200" indent="-457200">
-              <a:buFont typeface="+mj-lt"/>
-              <a:buAutoNum type="arabicPeriod"/>
-            </a:pPr>
-            <a:r>
-              <a:rPr lang="es-ES" dirty="0" smtClean="0"/>
-              <a:t>Consultas por atributos</a:t>
-            </a:r>
-          </a:p>
-          <a:p>
-            <a:pPr marL="457200" indent="-457200">
-              <a:buFont typeface="+mj-lt"/>
-              <a:buAutoNum type="arabicPeriod"/>
-            </a:pPr>
-            <a:r>
-              <a:rPr lang="es-ES" dirty="0" smtClean="0"/>
-              <a:t>Consultas por posición (</a:t>
-            </a:r>
-            <a:r>
-              <a:rPr lang="es-ES" b="1" dirty="0" smtClean="0"/>
-              <a:t>consultas espaciales</a:t>
-            </a:r>
-            <a:r>
-              <a:rPr lang="es-ES" dirty="0"/>
-              <a:t>)</a:t>
-            </a:r>
-            <a:endParaRPr lang="es-ES" dirty="0" smtClean="0"/>
-          </a:p>
-          <a:p>
-            <a:pPr lvl="1"/>
-            <a:r>
-              <a:rPr lang="es-ES" dirty="0" smtClean="0"/>
-              <a:t>Estrictamente </a:t>
-            </a:r>
-            <a:r>
-              <a:rPr lang="es-ES" dirty="0" err="1" smtClean="0"/>
-              <a:t>espaciale</a:t>
-            </a:r>
-            <a:r>
-              <a:rPr lang="es-ES" dirty="0" smtClean="0"/>
-              <a:t>: también </a:t>
-            </a:r>
-            <a:r>
-              <a:rPr lang="es-ES" dirty="0" smtClean="0"/>
-              <a:t>están en SGBD convencionales. </a:t>
-            </a:r>
-          </a:p>
-          <a:p>
-            <a:pPr lvl="1"/>
-            <a:r>
-              <a:rPr lang="es-ES" dirty="0" smtClean="0"/>
-              <a:t>Con los operadores espaciales que vimos </a:t>
-            </a:r>
-          </a:p>
-          <a:p>
-            <a:pPr lvl="1"/>
-            <a:r>
-              <a:rPr lang="es-ES" dirty="0" smtClean="0"/>
-              <a:t>Están disponibles en los SGBDE</a:t>
-            </a:r>
-          </a:p>
-          <a:p>
-            <a:pPr lvl="1"/>
-            <a:r>
-              <a:rPr lang="es-ES" dirty="0" smtClean="0"/>
-              <a:t>Tipos</a:t>
-            </a:r>
-          </a:p>
-          <a:p>
-            <a:pPr lvl="2"/>
-            <a:r>
-              <a:rPr lang="es-ES" dirty="0" err="1" smtClean="0"/>
-              <a:t>Booleanes</a:t>
-            </a:r>
-            <a:endParaRPr lang="es-ES" dirty="0" smtClean="0"/>
-          </a:p>
-          <a:p>
-            <a:pPr lvl="2"/>
-            <a:r>
-              <a:rPr lang="es-ES" dirty="0" smtClean="0"/>
-              <a:t>Para obtener un resultado (datos)</a:t>
-            </a:r>
-          </a:p>
-          <a:p>
-            <a:r>
-              <a:rPr lang="es-ES" dirty="0" smtClean="0"/>
-              <a:t>Ejemplo 1</a:t>
-            </a:r>
-          </a:p>
-          <a:p>
-            <a:pPr lvl="1"/>
-            <a:r>
-              <a:rPr lang="es-ES" dirty="0" smtClean="0"/>
-              <a:t>Ver estados americanos con densidad &gt; X</a:t>
-            </a:r>
-          </a:p>
-          <a:p>
-            <a:pPr lvl="1"/>
-            <a:r>
-              <a:rPr lang="es-ES" dirty="0" smtClean="0"/>
-              <a:t>Es un atributo no </a:t>
-            </a:r>
-            <a:r>
-              <a:rPr lang="es-ES" dirty="0" smtClean="0"/>
-              <a:t>espacial. No </a:t>
-            </a:r>
-            <a:r>
-              <a:rPr lang="es-ES" dirty="0" smtClean="0"/>
-              <a:t>es una consulta estrictamente espacial, pero sigue siendo un </a:t>
-            </a:r>
-            <a:r>
-              <a:rPr lang="es-ES" b="1" u="sng" dirty="0" smtClean="0"/>
-              <a:t>análisis espacial </a:t>
-            </a:r>
-            <a:r>
-              <a:rPr lang="es-ES" dirty="0" smtClean="0"/>
-              <a:t>porque </a:t>
-            </a:r>
-            <a:r>
-              <a:rPr lang="es-ES" b="1" dirty="0" smtClean="0"/>
-              <a:t>EL RESULTADO ES INFO ESPACIAL</a:t>
-            </a:r>
-          </a:p>
-          <a:p>
-            <a:r>
-              <a:rPr lang="es-ES" dirty="0" smtClean="0"/>
-              <a:t>Ejemplo 2</a:t>
-            </a:r>
-          </a:p>
-          <a:p>
-            <a:pPr lvl="1"/>
-            <a:r>
-              <a:rPr lang="es-ES" dirty="0" smtClean="0"/>
-              <a:t>Ver estados por los q pasa el río X</a:t>
-            </a:r>
-          </a:p>
-          <a:p>
-            <a:pPr lvl="1"/>
-            <a:r>
-              <a:rPr lang="es-ES" dirty="0" smtClean="0"/>
-              <a:t>Operación recomendada: </a:t>
-            </a:r>
-            <a:r>
-              <a:rPr lang="es-ES" dirty="0" err="1" smtClean="0"/>
-              <a:t>Touch</a:t>
-            </a:r>
-            <a:endParaRPr lang="es-ES" dirty="0" smtClean="0"/>
+          <p:cNvPr id="5" name="Marcador de texto 4"/>
+          <p:cNvSpPr>
+            <a:spLocks noGrp="1"/>
+          </p:cNvSpPr>
+          <p:nvPr>
+            <p:ph type="body" sz="half" idx="2"/>
+          </p:nvPr>
+        </p:nvSpPr>
+        <p:spPr/>
+        <p:txBody>
+          <a:bodyPr/>
+          <a:lstStyle/>
+          <a:p>
+            <a:endParaRPr lang="es-ES"/>
           </a:p>
         </p:txBody>
       </p:sp>
     </p:spTree>
     <p:extLst>
       <p:ext uri="{BB962C8B-B14F-4D97-AF65-F5344CB8AC3E}">
-        <p14:creationId xmlns:p14="http://schemas.microsoft.com/office/powerpoint/2010/main" val="6349714"/>
+        <p14:creationId xmlns:p14="http://schemas.microsoft.com/office/powerpoint/2010/main" val="1925446636"/>
       </p:ext>
     </p:extLst>
   </p:cSld>
